--- a/document/底层课件/05-内存管理.pptx
+++ b/document/底层课件/05-内存管理.pptx
@@ -239,10 +239,6 @@
 </p:presentation>
 </file>
 
-<file path=ppt/revisionInfo.xml><?xml version="1.0" encoding="utf-8"?>
-<p1510:revInfo xmlns:a="http://schemas.openxmlformats.org/drawingml/2006/main" xmlns:r="http://schemas.openxmlformats.org/officeDocument/2006/relationships" xmlns:p1510="http://schemas.microsoft.com/office/powerpoint/2015/10/main"/>
-</file>
-
 <file path=ppt/handoutMasters/handoutMaster1.xml><?xml version="1.0" encoding="utf-8"?>
 <p:handoutMaster xmlns:a="http://schemas.openxmlformats.org/drawingml/2006/main" xmlns:r="http://schemas.openxmlformats.org/officeDocument/2006/relationships" xmlns:p="http://schemas.openxmlformats.org/presentationml/2006/main">
   <p:cSld>
@@ -270,7 +266,7 @@
           <p:cNvPr id="2" name="页眉占位符 1">
             <a:extLst>
               <a:ext uri="{FF2B5EF4-FFF2-40B4-BE49-F238E27FC236}">
-                <a16:creationId xmlns:a16="http://schemas.microsoft.com/office/drawing/2014/main" xmlns="" id="{AFCBEEA2-BF04-4625-9D90-F4291A119A41}"/>
+                <a16:creationId xmlns:a16="http://schemas.microsoft.com/office/drawing/2014/main" id="{AFCBEEA2-BF04-4625-9D90-F4291A119A41}"/>
               </a:ext>
             </a:extLst>
           </p:cNvPr>
@@ -307,7 +303,7 @@
           <p:cNvPr id="3" name="日期占位符 2">
             <a:extLst>
               <a:ext uri="{FF2B5EF4-FFF2-40B4-BE49-F238E27FC236}">
-                <a16:creationId xmlns:a16="http://schemas.microsoft.com/office/drawing/2014/main" xmlns="" id="{7691C78A-5A0F-4F2E-9C48-9BEEFCC112A7}"/>
+                <a16:creationId xmlns:a16="http://schemas.microsoft.com/office/drawing/2014/main" id="{7691C78A-5A0F-4F2E-9C48-9BEEFCC112A7}"/>
               </a:ext>
             </a:extLst>
           </p:cNvPr>
@@ -337,7 +333,7 @@
           <a:p>
             <a:fld id="{2B87634C-074B-4260-9010-E574428551B5}" type="datetimeFigureOut">
               <a:rPr lang="zh-CN" altLang="en-US" smtClean="0"/>
-              <a:t>2018/7/3</a:t>
+              <a:t>2019/12/19</a:t>
             </a:fld>
             <a:endParaRPr lang="zh-CN" altLang="en-US"/>
           </a:p>
@@ -348,7 +344,7 @@
           <p:cNvPr id="4" name="页脚占位符 3">
             <a:extLst>
               <a:ext uri="{FF2B5EF4-FFF2-40B4-BE49-F238E27FC236}">
-                <a16:creationId xmlns:a16="http://schemas.microsoft.com/office/drawing/2014/main" xmlns="" id="{0CD4B301-C1F1-4488-BE41-C37374152C4E}"/>
+                <a16:creationId xmlns:a16="http://schemas.microsoft.com/office/drawing/2014/main" id="{0CD4B301-C1F1-4488-BE41-C37374152C4E}"/>
               </a:ext>
             </a:extLst>
           </p:cNvPr>
@@ -385,7 +381,7 @@
           <p:cNvPr id="5" name="灯片编号占位符 4">
             <a:extLst>
               <a:ext uri="{FF2B5EF4-FFF2-40B4-BE49-F238E27FC236}">
-                <a16:creationId xmlns:a16="http://schemas.microsoft.com/office/drawing/2014/main" xmlns="" id="{9927E0BC-A1AC-4B31-B1CD-ECA55CA19D86}"/>
+                <a16:creationId xmlns:a16="http://schemas.microsoft.com/office/drawing/2014/main" id="{9927E0BC-A1AC-4B31-B1CD-ECA55CA19D86}"/>
               </a:ext>
             </a:extLst>
           </p:cNvPr>
@@ -514,7 +510,7 @@
           <a:p>
             <a:fld id="{C25591C1-7BBD-4BAD-9912-0ADD21A74F01}" type="datetimeFigureOut">
               <a:rPr lang="zh-CN" altLang="en-US" smtClean="0"/>
-              <a:t>2018/7/3</a:t>
+              <a:t>2019/12/19</a:t>
             </a:fld>
             <a:endParaRPr lang="zh-CN" altLang="en-US"/>
           </a:p>
@@ -803,7 +799,7 @@
           <p:cNvPr id="9" name="图片 6">
             <a:extLst>
               <a:ext uri="{FF2B5EF4-FFF2-40B4-BE49-F238E27FC236}">
-                <a16:creationId xmlns:a16="http://schemas.microsoft.com/office/drawing/2014/main" xmlns="" id="{F619AC0B-D093-4B29-BED5-E396B58FD119}"/>
+                <a16:creationId xmlns:a16="http://schemas.microsoft.com/office/drawing/2014/main" id="{F619AC0B-D093-4B29-BED5-E396B58FD119}"/>
               </a:ext>
             </a:extLst>
           </p:cNvPr>
@@ -837,7 +833,7 @@
           <p:cNvPr id="10" name="图片 1">
             <a:extLst>
               <a:ext uri="{FF2B5EF4-FFF2-40B4-BE49-F238E27FC236}">
-                <a16:creationId xmlns:a16="http://schemas.microsoft.com/office/drawing/2014/main" xmlns="" id="{EC130C9D-3B92-4E92-AF34-4C37ACD51527}"/>
+                <a16:creationId xmlns:a16="http://schemas.microsoft.com/office/drawing/2014/main" id="{EC130C9D-3B92-4E92-AF34-4C37ACD51527}"/>
               </a:ext>
             </a:extLst>
           </p:cNvPr>
@@ -871,7 +867,7 @@
           <p:cNvPr id="11" name="矩形 25">
             <a:extLst>
               <a:ext uri="{FF2B5EF4-FFF2-40B4-BE49-F238E27FC236}">
-                <a16:creationId xmlns:a16="http://schemas.microsoft.com/office/drawing/2014/main" xmlns="" id="{36BA4FD9-4EAF-40CB-91E3-48F885239803}"/>
+                <a16:creationId xmlns:a16="http://schemas.microsoft.com/office/drawing/2014/main" id="{36BA4FD9-4EAF-40CB-91E3-48F885239803}"/>
               </a:ext>
             </a:extLst>
           </p:cNvPr>
@@ -943,7 +939,7 @@
           <p:cNvPr id="5" name="标题 1">
             <a:extLst>
               <a:ext uri="{FF2B5EF4-FFF2-40B4-BE49-F238E27FC236}">
-                <a16:creationId xmlns:a16="http://schemas.microsoft.com/office/drawing/2014/main" xmlns="" id="{E772C4B5-AB4E-43B0-B717-25071084FD9A}"/>
+                <a16:creationId xmlns:a16="http://schemas.microsoft.com/office/drawing/2014/main" id="{E772C4B5-AB4E-43B0-B717-25071084FD9A}"/>
               </a:ext>
             </a:extLst>
           </p:cNvPr>
@@ -985,7 +981,7 @@
           <p:cNvPr id="6" name="副标题 2">
             <a:extLst>
               <a:ext uri="{FF2B5EF4-FFF2-40B4-BE49-F238E27FC236}">
-                <a16:creationId xmlns:a16="http://schemas.microsoft.com/office/drawing/2014/main" xmlns="" id="{B401CC44-47BA-4904-A587-245165E74651}"/>
+                <a16:creationId xmlns:a16="http://schemas.microsoft.com/office/drawing/2014/main" id="{B401CC44-47BA-4904-A587-245165E74651}"/>
               </a:ext>
             </a:extLst>
           </p:cNvPr>
@@ -1096,7 +1092,7 @@
           <p:cNvPr id="9" name="图片 5">
             <a:extLst>
               <a:ext uri="{FF2B5EF4-FFF2-40B4-BE49-F238E27FC236}">
-                <a16:creationId xmlns:a16="http://schemas.microsoft.com/office/drawing/2014/main" xmlns="" id="{F612FBBA-ABAE-4812-AAB2-77CA48D54191}"/>
+                <a16:creationId xmlns:a16="http://schemas.microsoft.com/office/drawing/2014/main" id="{F612FBBA-ABAE-4812-AAB2-77CA48D54191}"/>
               </a:ext>
             </a:extLst>
           </p:cNvPr>
@@ -1130,7 +1126,7 @@
           <p:cNvPr id="11" name="矩形 29">
             <a:extLst>
               <a:ext uri="{FF2B5EF4-FFF2-40B4-BE49-F238E27FC236}">
-                <a16:creationId xmlns:a16="http://schemas.microsoft.com/office/drawing/2014/main" xmlns="" id="{89038A74-5A1B-45B4-AA7D-C9934D2FDABC}"/>
+                <a16:creationId xmlns:a16="http://schemas.microsoft.com/office/drawing/2014/main" id="{89038A74-5A1B-45B4-AA7D-C9934D2FDABC}"/>
               </a:ext>
             </a:extLst>
           </p:cNvPr>
@@ -1175,7 +1171,7 @@
           <p:cNvPr id="12" name="图片 1">
             <a:extLst>
               <a:ext uri="{FF2B5EF4-FFF2-40B4-BE49-F238E27FC236}">
-                <a16:creationId xmlns:a16="http://schemas.microsoft.com/office/drawing/2014/main" xmlns="" id="{DB3FFE7C-0303-4D2A-9F24-474FCCD761CB}"/>
+                <a16:creationId xmlns:a16="http://schemas.microsoft.com/office/drawing/2014/main" id="{DB3FFE7C-0303-4D2A-9F24-474FCCD761CB}"/>
               </a:ext>
             </a:extLst>
           </p:cNvPr>
@@ -1209,7 +1205,7 @@
           <p:cNvPr id="8" name="标题占位符 1">
             <a:extLst>
               <a:ext uri="{FF2B5EF4-FFF2-40B4-BE49-F238E27FC236}">
-                <a16:creationId xmlns:a16="http://schemas.microsoft.com/office/drawing/2014/main" xmlns="" id="{F3C067B8-78E3-4D7C-B8BF-D55591977898}"/>
+                <a16:creationId xmlns:a16="http://schemas.microsoft.com/office/drawing/2014/main" id="{F3C067B8-78E3-4D7C-B8BF-D55591977898}"/>
               </a:ext>
             </a:extLst>
           </p:cNvPr>
@@ -1261,7 +1257,7 @@
           <p:cNvPr id="13" name="内容占位符 2">
             <a:extLst>
               <a:ext uri="{FF2B5EF4-FFF2-40B4-BE49-F238E27FC236}">
-                <a16:creationId xmlns:a16="http://schemas.microsoft.com/office/drawing/2014/main" xmlns="" id="{E8B5E84D-8FAC-4FA6-9CA7-55579F675DFC}"/>
+                <a16:creationId xmlns:a16="http://schemas.microsoft.com/office/drawing/2014/main" id="{E8B5E84D-8FAC-4FA6-9CA7-55579F675DFC}"/>
               </a:ext>
             </a:extLst>
           </p:cNvPr>
@@ -1569,7 +1565,7 @@
           <a:p>
             <a:fld id="{72D8E73B-0927-45CC-BC19-B5A752C4C781}" type="datetimeFigureOut">
               <a:rPr lang="zh-CN" altLang="en-US" smtClean="0"/>
-              <a:t>2018/7/3</a:t>
+              <a:t>2019/12/19</a:t>
             </a:fld>
             <a:endParaRPr lang="zh-CN" altLang="en-US"/>
           </a:p>
@@ -1970,7 +1966,7 @@
           <p:cNvPr id="2" name="标题 1">
             <a:extLst>
               <a:ext uri="{FF2B5EF4-FFF2-40B4-BE49-F238E27FC236}">
-                <a16:creationId xmlns="" xmlns:a16="http://schemas.microsoft.com/office/drawing/2014/main" id="{355D2A8A-4D20-46E7-AB5F-6F0B875B77E9}"/>
+                <a16:creationId xmlns:a16="http://schemas.microsoft.com/office/drawing/2014/main" id="{355D2A8A-4D20-46E7-AB5F-6F0B875B77E9}"/>
               </a:ext>
             </a:extLst>
           </p:cNvPr>
@@ -2000,7 +1996,7 @@
           <p:cNvPr id="3" name="副标题 2">
             <a:extLst>
               <a:ext uri="{FF2B5EF4-FFF2-40B4-BE49-F238E27FC236}">
-                <a16:creationId xmlns="" xmlns:a16="http://schemas.microsoft.com/office/drawing/2014/main" id="{F8E18B87-7327-4283-B60A-4EF5B1BB4F6D}"/>
+                <a16:creationId xmlns:a16="http://schemas.microsoft.com/office/drawing/2014/main" id="{F8E18B87-7327-4283-B60A-4EF5B1BB4F6D}"/>
               </a:ext>
             </a:extLst>
           </p:cNvPr>
@@ -2039,7 +2035,7 @@
           <p:cNvPr id="4" name="副标题 2">
             <a:extLst>
               <a:ext uri="{FF2B5EF4-FFF2-40B4-BE49-F238E27FC236}">
-                <a16:creationId xmlns:a16="http://schemas.microsoft.com/office/drawing/2014/main" xmlns="" id="{F8E18B87-7327-4283-B60A-4EF5B1BB4F6D}"/>
+                <a16:creationId xmlns:a16="http://schemas.microsoft.com/office/drawing/2014/main" id="{F8E18B87-7327-4283-B60A-4EF5B1BB4F6D}"/>
               </a:ext>
             </a:extLst>
           </p:cNvPr>
@@ -2246,13 +2242,6 @@
   <p:clrMapOvr>
     <a:masterClrMapping/>
   </p:clrMapOvr>
-  <p:timing>
-    <p:tnLst>
-      <p:par>
-        <p:cTn id="1" dur="indefinite" restart="never" nodeType="tmRoot"/>
-      </p:par>
-    </p:tnLst>
-  </p:timing>
 </p:sld>
 </file>
 
@@ -2278,7 +2267,7 @@
           <p:cNvPr id="4" name="标题 3">
             <a:extLst>
               <a:ext uri="{FF2B5EF4-FFF2-40B4-BE49-F238E27FC236}">
-                <a16:creationId xmlns="" xmlns:a16="http://schemas.microsoft.com/office/drawing/2014/main" id="{5DCC7AE5-7EF9-4964-8408-F84B72D5D253}"/>
+                <a16:creationId xmlns:a16="http://schemas.microsoft.com/office/drawing/2014/main" id="{5DCC7AE5-7EF9-4964-8408-F84B72D5D253}"/>
               </a:ext>
             </a:extLst>
           </p:cNvPr>
@@ -2332,7 +2321,7 @@
               <a:buChar char="n"/>
             </a:pPr>
             <a:r>
-              <a:rPr lang="zh-CN" altLang="en-US" sz="1600">
+              <a:rPr lang="zh-CN" altLang="en-US" sz="1600" dirty="0">
                 <a:solidFill>
                   <a:schemeClr val="tx1">
                     <a:lumMod val="65000"/>
@@ -2345,7 +2334,7 @@
               <a:t>思考以下</a:t>
             </a:r>
             <a:r>
-              <a:rPr lang="en-US" altLang="zh-CN" sz="1600">
+              <a:rPr lang="en-US" altLang="zh-CN" sz="1600" dirty="0">
                 <a:solidFill>
                   <a:schemeClr val="tx1">
                     <a:lumMod val="65000"/>
@@ -2358,7 +2347,7 @@
               <a:t>2</a:t>
             </a:r>
             <a:r>
-              <a:rPr lang="zh-CN" altLang="en-US" sz="1600">
+              <a:rPr lang="zh-CN" altLang="en-US" sz="1600" dirty="0">
                 <a:solidFill>
                   <a:schemeClr val="tx1">
                     <a:lumMod val="65000"/>
@@ -2647,7 +2636,7 @@
           <p:cNvPr id="4" name="标题 3">
             <a:extLst>
               <a:ext uri="{FF2B5EF4-FFF2-40B4-BE49-F238E27FC236}">
-                <a16:creationId xmlns="" xmlns:a16="http://schemas.microsoft.com/office/drawing/2014/main" id="{5DCC7AE5-7EF9-4964-8408-F84B72D5D253}"/>
+                <a16:creationId xmlns:a16="http://schemas.microsoft.com/office/drawing/2014/main" id="{5DCC7AE5-7EF9-4964-8408-F84B72D5D253}"/>
               </a:ext>
             </a:extLst>
           </p:cNvPr>
@@ -2704,7 +2693,7 @@
               <a:buChar char="n"/>
             </a:pPr>
             <a:r>
-              <a:rPr lang="zh-CN" altLang="en-US" sz="1600">
+              <a:rPr lang="zh-CN" altLang="en-US" sz="1600" dirty="0">
                 <a:solidFill>
                   <a:schemeClr val="tx1">
                     <a:lumMod val="65000"/>
@@ -2717,7 +2706,7 @@
               <a:t>在</a:t>
             </a:r>
             <a:r>
-              <a:rPr lang="en-US" altLang="zh-CN" sz="1600">
+              <a:rPr lang="en-US" altLang="zh-CN" sz="1600" dirty="0">
                 <a:solidFill>
                   <a:schemeClr val="tx1">
                     <a:lumMod val="65000"/>
@@ -2730,7 +2719,7 @@
               <a:t>iOS</a:t>
             </a:r>
             <a:r>
-              <a:rPr lang="zh-CN" altLang="en-US" sz="1600">
+              <a:rPr lang="zh-CN" altLang="en-US" sz="1600" dirty="0">
                 <a:solidFill>
                   <a:schemeClr val="tx1">
                     <a:lumMod val="65000"/>
@@ -2743,7 +2732,7 @@
               <a:t>中，使用</a:t>
             </a:r>
             <a:r>
-              <a:rPr lang="zh-CN" altLang="en-US" sz="1600">
+              <a:rPr lang="zh-CN" altLang="en-US" sz="1600" dirty="0">
                 <a:solidFill>
                   <a:srgbClr val="FF0000"/>
                 </a:solidFill>
@@ -2753,7 +2742,7 @@
               <a:t>引用计数</a:t>
             </a:r>
             <a:r>
-              <a:rPr lang="zh-CN" altLang="en-US" sz="1600">
+              <a:rPr lang="zh-CN" altLang="en-US" sz="1600" dirty="0">
                 <a:solidFill>
                   <a:schemeClr val="tx1">
                     <a:lumMod val="65000"/>
@@ -2766,7 +2755,7 @@
               <a:t>来管理</a:t>
             </a:r>
             <a:r>
-              <a:rPr lang="en-US" altLang="zh-CN" sz="1600">
+              <a:rPr lang="en-US" altLang="zh-CN" sz="1600" dirty="0">
                 <a:solidFill>
                   <a:schemeClr val="tx1">
                     <a:lumMod val="65000"/>
@@ -2779,7 +2768,7 @@
               <a:t>OC</a:t>
             </a:r>
             <a:r>
-              <a:rPr lang="zh-CN" altLang="en-US" sz="1600">
+              <a:rPr lang="zh-CN" altLang="en-US" sz="1600" dirty="0">
                 <a:solidFill>
                   <a:schemeClr val="tx1">
                     <a:lumMod val="65000"/>
@@ -2791,7 +2780,7 @@
               </a:rPr>
               <a:t>对象的内存</a:t>
             </a:r>
-            <a:endParaRPr lang="en-US" altLang="zh-CN" sz="1600">
+            <a:endParaRPr lang="en-US" altLang="zh-CN" sz="1600" dirty="0">
               <a:solidFill>
                 <a:schemeClr val="tx1">
                   <a:lumMod val="65000"/>
@@ -2810,7 +2799,7 @@
               <a:buFont typeface="Wingdings" charset="2"/>
               <a:buChar char="n"/>
             </a:pPr>
-            <a:endParaRPr lang="en-US" altLang="zh-CN" sz="1600">
+            <a:endParaRPr lang="en-US" altLang="zh-CN" sz="1600" dirty="0">
               <a:solidFill>
                 <a:schemeClr val="tx1">
                   <a:lumMod val="65000"/>
@@ -2830,7 +2819,7 @@
               <a:buChar char="n"/>
             </a:pPr>
             <a:r>
-              <a:rPr lang="zh-CN" altLang="en-US" sz="1600">
+              <a:rPr lang="zh-CN" altLang="en-US" sz="1600" dirty="0">
                 <a:solidFill>
                   <a:schemeClr val="tx1">
                     <a:lumMod val="65000"/>
@@ -2843,7 +2832,7 @@
               <a:t>一个新创建的</a:t>
             </a:r>
             <a:r>
-              <a:rPr lang="en-US" altLang="zh-CN" sz="1600">
+              <a:rPr lang="en-US" altLang="zh-CN" sz="1600" dirty="0">
                 <a:solidFill>
                   <a:schemeClr val="tx1">
                     <a:lumMod val="65000"/>
@@ -2856,7 +2845,7 @@
               <a:t>OC</a:t>
             </a:r>
             <a:r>
-              <a:rPr lang="zh-CN" altLang="en-US" sz="1600">
+              <a:rPr lang="zh-CN" altLang="en-US" sz="1600" dirty="0">
                 <a:solidFill>
                   <a:schemeClr val="tx1">
                     <a:lumMod val="65000"/>
@@ -2869,7 +2858,7 @@
               <a:t>对象引用计数默认是</a:t>
             </a:r>
             <a:r>
-              <a:rPr lang="en-US" altLang="zh-CN" sz="1600">
+              <a:rPr lang="en-US" altLang="zh-CN" sz="1600" dirty="0">
                 <a:solidFill>
                   <a:schemeClr val="tx1">
                     <a:lumMod val="65000"/>
@@ -2882,7 +2871,7 @@
               <a:t>1</a:t>
             </a:r>
             <a:r>
-              <a:rPr lang="zh-CN" altLang="en-US" sz="1600">
+              <a:rPr lang="zh-CN" altLang="en-US" sz="1600" dirty="0">
                 <a:solidFill>
                   <a:schemeClr val="tx1">
                     <a:lumMod val="65000"/>
@@ -2895,7 +2884,7 @@
               <a:t>，当引用计数减为</a:t>
             </a:r>
             <a:r>
-              <a:rPr lang="en-US" altLang="zh-CN" sz="1600">
+              <a:rPr lang="en-US" altLang="zh-CN" sz="1600" dirty="0">
                 <a:solidFill>
                   <a:schemeClr val="tx1">
                     <a:lumMod val="65000"/>
@@ -2908,7 +2897,7 @@
               <a:t>0</a:t>
             </a:r>
             <a:r>
-              <a:rPr lang="zh-CN" altLang="en-US" sz="1600">
+              <a:rPr lang="zh-CN" altLang="en-US" sz="1600" dirty="0">
                 <a:solidFill>
                   <a:schemeClr val="tx1">
                     <a:lumMod val="65000"/>
@@ -2921,7 +2910,7 @@
               <a:t>，</a:t>
             </a:r>
             <a:r>
-              <a:rPr lang="en-US" altLang="zh-CN" sz="1600">
+              <a:rPr lang="en-US" altLang="zh-CN" sz="1600" dirty="0">
                 <a:solidFill>
                   <a:schemeClr val="tx1">
                     <a:lumMod val="65000"/>
@@ -2934,7 +2923,7 @@
               <a:t>OC</a:t>
             </a:r>
             <a:r>
-              <a:rPr lang="zh-CN" altLang="en-US" sz="1600">
+              <a:rPr lang="zh-CN" altLang="en-US" sz="1600" dirty="0">
                 <a:solidFill>
                   <a:schemeClr val="tx1">
                     <a:lumMod val="65000"/>
@@ -2946,7 +2935,7 @@
               </a:rPr>
               <a:t>对象就会销毁，释放其占用的内存空间</a:t>
             </a:r>
-            <a:endParaRPr lang="en-US" altLang="zh-CN" sz="1600">
+            <a:endParaRPr lang="en-US" altLang="zh-CN" sz="1600" dirty="0">
               <a:solidFill>
                 <a:schemeClr val="tx1">
                   <a:lumMod val="65000"/>
@@ -2965,7 +2954,7 @@
               <a:buFont typeface="Wingdings" charset="2"/>
               <a:buChar char="n"/>
             </a:pPr>
-            <a:endParaRPr lang="en-US" altLang="zh-CN" sz="1600">
+            <a:endParaRPr lang="en-US" altLang="zh-CN" sz="1600" dirty="0">
               <a:solidFill>
                 <a:schemeClr val="tx1">
                   <a:lumMod val="65000"/>
@@ -2985,7 +2974,7 @@
               <a:buChar char="n"/>
             </a:pPr>
             <a:r>
-              <a:rPr lang="zh-CN" altLang="en-US" sz="1600">
+              <a:rPr lang="zh-CN" altLang="en-US" sz="1600" dirty="0">
                 <a:solidFill>
                   <a:schemeClr val="tx1">
                     <a:lumMod val="65000"/>
@@ -2998,7 +2987,7 @@
               <a:t>调用</a:t>
             </a:r>
             <a:r>
-              <a:rPr lang="en-US" altLang="zh-CN" sz="1600">
+              <a:rPr lang="en-US" altLang="zh-CN" sz="1600" dirty="0">
                 <a:solidFill>
                   <a:schemeClr val="tx1">
                     <a:lumMod val="65000"/>
@@ -3011,7 +3000,7 @@
               <a:t>retain</a:t>
             </a:r>
             <a:r>
-              <a:rPr lang="zh-CN" altLang="en-US" sz="1600">
+              <a:rPr lang="zh-CN" altLang="en-US" sz="1600" dirty="0">
                 <a:solidFill>
                   <a:schemeClr val="tx1">
                     <a:lumMod val="65000"/>
@@ -3024,7 +3013,7 @@
               <a:t>会让</a:t>
             </a:r>
             <a:r>
-              <a:rPr lang="en-US" altLang="zh-CN" sz="1600">
+              <a:rPr lang="en-US" altLang="zh-CN" sz="1600" dirty="0">
                 <a:solidFill>
                   <a:schemeClr val="tx1">
                     <a:lumMod val="65000"/>
@@ -3037,7 +3026,7 @@
               <a:t>OC</a:t>
             </a:r>
             <a:r>
-              <a:rPr lang="zh-CN" altLang="en-US" sz="1600">
+              <a:rPr lang="zh-CN" altLang="en-US" sz="1600" dirty="0">
                 <a:solidFill>
                   <a:schemeClr val="tx1">
                     <a:lumMod val="65000"/>
@@ -3050,7 +3039,7 @@
               <a:t>对象的引用计数</a:t>
             </a:r>
             <a:r>
-              <a:rPr lang="en-US" altLang="zh-CN" sz="1600">
+              <a:rPr lang="en-US" altLang="zh-CN" sz="1600" dirty="0">
                 <a:solidFill>
                   <a:schemeClr val="tx1">
                     <a:lumMod val="65000"/>
@@ -3063,7 +3052,7 @@
               <a:t>+1</a:t>
             </a:r>
             <a:r>
-              <a:rPr lang="zh-CN" altLang="en-US" sz="1600">
+              <a:rPr lang="zh-CN" altLang="en-US" sz="1600" dirty="0">
                 <a:solidFill>
                   <a:schemeClr val="tx1">
                     <a:lumMod val="65000"/>
@@ -3076,7 +3065,7 @@
               <a:t>，调用</a:t>
             </a:r>
             <a:r>
-              <a:rPr lang="en-US" altLang="zh-CN" sz="1600">
+              <a:rPr lang="en-US" altLang="zh-CN" sz="1600" dirty="0">
                 <a:solidFill>
                   <a:schemeClr val="tx1">
                     <a:lumMod val="65000"/>
@@ -3089,7 +3078,7 @@
               <a:t>release</a:t>
             </a:r>
             <a:r>
-              <a:rPr lang="zh-CN" altLang="en-US" sz="1600">
+              <a:rPr lang="zh-CN" altLang="en-US" sz="1600" dirty="0">
                 <a:solidFill>
                   <a:schemeClr val="tx1">
                     <a:lumMod val="65000"/>
@@ -3102,7 +3091,7 @@
               <a:t>会让</a:t>
             </a:r>
             <a:r>
-              <a:rPr lang="en-US" altLang="zh-CN" sz="1600">
+              <a:rPr lang="en-US" altLang="zh-CN" sz="1600" dirty="0">
                 <a:solidFill>
                   <a:schemeClr val="tx1">
                     <a:lumMod val="65000"/>
@@ -3115,7 +3104,7 @@
               <a:t>OC</a:t>
             </a:r>
             <a:r>
-              <a:rPr lang="zh-CN" altLang="en-US" sz="1600">
+              <a:rPr lang="zh-CN" altLang="en-US" sz="1600" dirty="0">
                 <a:solidFill>
                   <a:schemeClr val="tx1">
                     <a:lumMod val="65000"/>
@@ -3128,7 +3117,7 @@
               <a:t>对象的引用计数</a:t>
             </a:r>
             <a:r>
-              <a:rPr lang="en-US" altLang="zh-CN" sz="1600">
+              <a:rPr lang="en-US" altLang="zh-CN" sz="1600" dirty="0">
                 <a:solidFill>
                   <a:schemeClr val="tx1">
                     <a:lumMod val="65000"/>
@@ -3149,7 +3138,7 @@
               <a:buFont typeface="Wingdings" charset="2"/>
               <a:buChar char="n"/>
             </a:pPr>
-            <a:endParaRPr lang="en-US" altLang="zh-CN" sz="1600">
+            <a:endParaRPr lang="en-US" altLang="zh-CN" sz="1600" dirty="0">
               <a:solidFill>
                 <a:schemeClr val="tx1">
                   <a:lumMod val="65000"/>
@@ -3169,7 +3158,7 @@
               <a:buChar char="n"/>
             </a:pPr>
             <a:r>
-              <a:rPr lang="zh-CN" altLang="en-US" sz="1600">
+              <a:rPr lang="zh-CN" altLang="en-US" sz="1600" dirty="0">
                 <a:solidFill>
                   <a:schemeClr val="tx1">
                     <a:lumMod val="65000"/>
@@ -3181,7 +3170,7 @@
               </a:rPr>
               <a:t>内存管理的经验总结</a:t>
             </a:r>
-            <a:endParaRPr lang="en-US" altLang="zh-CN" sz="1600">
+            <a:endParaRPr lang="en-US" altLang="zh-CN" sz="1600" dirty="0">
               <a:solidFill>
                 <a:schemeClr val="tx1">
                   <a:lumMod val="65000"/>
@@ -3201,7 +3190,7 @@
               <a:buChar char="p"/>
             </a:pPr>
             <a:r>
-              <a:rPr lang="zh-CN" altLang="en-US" sz="1600">
+              <a:rPr lang="zh-CN" altLang="en-US" sz="1600" dirty="0">
                 <a:solidFill>
                   <a:schemeClr val="tx1">
                     <a:lumMod val="65000"/>
@@ -3214,7 +3203,7 @@
               <a:t>当调用</a:t>
             </a:r>
             <a:r>
-              <a:rPr lang="en-US" altLang="zh-CN" sz="1600">
+              <a:rPr lang="en-US" altLang="zh-CN" sz="1600" dirty="0" err="1">
                 <a:solidFill>
                   <a:schemeClr val="tx1">
                     <a:lumMod val="65000"/>
@@ -3227,7 +3216,7 @@
               <a:t>alloc</a:t>
             </a:r>
             <a:r>
-              <a:rPr lang="zh-CN" altLang="en-US" sz="1600">
+              <a:rPr lang="zh-CN" altLang="en-US" sz="1600" dirty="0">
                 <a:solidFill>
                   <a:schemeClr val="tx1">
                     <a:lumMod val="65000"/>
@@ -3240,7 +3229,7 @@
               <a:t>、</a:t>
             </a:r>
             <a:r>
-              <a:rPr lang="en-US" altLang="zh-CN" sz="1600">
+              <a:rPr lang="en-US" altLang="zh-CN" sz="1600" dirty="0">
                 <a:solidFill>
                   <a:schemeClr val="tx1">
                     <a:lumMod val="65000"/>
@@ -3253,7 +3242,7 @@
               <a:t>new</a:t>
             </a:r>
             <a:r>
-              <a:rPr lang="zh-CN" altLang="en-US" sz="1600">
+              <a:rPr lang="zh-CN" altLang="en-US" sz="1600" dirty="0">
                 <a:solidFill>
                   <a:schemeClr val="tx1">
                     <a:lumMod val="65000"/>
@@ -3266,7 +3255,7 @@
               <a:t>、</a:t>
             </a:r>
             <a:r>
-              <a:rPr lang="en-US" altLang="zh-CN" sz="1600">
+              <a:rPr lang="en-US" altLang="zh-CN" sz="1600" dirty="0">
                 <a:solidFill>
                   <a:schemeClr val="tx1">
                     <a:lumMod val="65000"/>
@@ -3279,7 +3268,7 @@
               <a:t>copy</a:t>
             </a:r>
             <a:r>
-              <a:rPr lang="zh-CN" altLang="en-US" sz="1600">
+              <a:rPr lang="zh-CN" altLang="en-US" sz="1600" dirty="0">
                 <a:solidFill>
                   <a:schemeClr val="tx1">
                     <a:lumMod val="65000"/>
@@ -3292,7 +3281,7 @@
               <a:t>、</a:t>
             </a:r>
             <a:r>
-              <a:rPr lang="en-US" altLang="zh-CN" sz="1600">
+              <a:rPr lang="en-US" altLang="zh-CN" sz="1600" dirty="0" err="1">
                 <a:solidFill>
                   <a:schemeClr val="tx1">
                     <a:lumMod val="65000"/>
@@ -3305,7 +3294,7 @@
               <a:t>mutableCopy</a:t>
             </a:r>
             <a:r>
-              <a:rPr lang="zh-CN" altLang="en-US" sz="1600">
+              <a:rPr lang="zh-CN" altLang="en-US" sz="1600" dirty="0">
                 <a:solidFill>
                   <a:schemeClr val="tx1">
                     <a:lumMod val="65000"/>
@@ -3318,7 +3307,7 @@
               <a:t>方法返回了一个对象，在不需要这个对象时，要调用</a:t>
             </a:r>
             <a:r>
-              <a:rPr lang="en-US" altLang="zh-CN" sz="1600">
+              <a:rPr lang="en-US" altLang="zh-CN" sz="1600" dirty="0">
                 <a:solidFill>
                   <a:schemeClr val="tx1">
                     <a:lumMod val="65000"/>
@@ -3331,7 +3320,7 @@
               <a:t>release</a:t>
             </a:r>
             <a:r>
-              <a:rPr lang="zh-CN" altLang="en-US" sz="1600">
+              <a:rPr lang="zh-CN" altLang="en-US" sz="1600" dirty="0">
                 <a:solidFill>
                   <a:schemeClr val="tx1">
                     <a:lumMod val="65000"/>
@@ -3344,7 +3333,7 @@
               <a:t>或者</a:t>
             </a:r>
             <a:r>
-              <a:rPr lang="en-US" altLang="zh-CN" sz="1600">
+              <a:rPr lang="en-US" altLang="zh-CN" sz="1600" dirty="0" err="1">
                 <a:solidFill>
                   <a:schemeClr val="tx1">
                     <a:lumMod val="65000"/>
@@ -3357,7 +3346,7 @@
               <a:t>autorelease</a:t>
             </a:r>
             <a:r>
-              <a:rPr lang="zh-CN" altLang="en-US" sz="1600">
+              <a:rPr lang="zh-CN" altLang="en-US" sz="1600" dirty="0">
                 <a:solidFill>
                   <a:schemeClr val="tx1">
                     <a:lumMod val="65000"/>
@@ -3369,7 +3358,7 @@
               </a:rPr>
               <a:t>来释放它</a:t>
             </a:r>
-            <a:endParaRPr lang="en-US" altLang="zh-CN" sz="1600">
+            <a:endParaRPr lang="en-US" altLang="zh-CN" sz="1600" dirty="0">
               <a:solidFill>
                 <a:schemeClr val="tx1">
                   <a:lumMod val="65000"/>
@@ -3389,7 +3378,7 @@
               <a:buChar char="p"/>
             </a:pPr>
             <a:r>
-              <a:rPr lang="zh-CN" altLang="en-US" sz="1600">
+              <a:rPr lang="zh-CN" altLang="en-US" sz="1600" dirty="0">
                 <a:solidFill>
                   <a:schemeClr val="tx1">
                     <a:lumMod val="65000"/>
@@ -3402,7 +3391,7 @@
               <a:t>想拥有某个对象，就让它的引用计数</a:t>
             </a:r>
             <a:r>
-              <a:rPr lang="en-US" altLang="zh-CN" sz="1600">
+              <a:rPr lang="en-US" altLang="zh-CN" sz="1600" dirty="0">
                 <a:solidFill>
                   <a:schemeClr val="tx1">
                     <a:lumMod val="65000"/>
@@ -3415,7 +3404,7 @@
               <a:t>+1</a:t>
             </a:r>
             <a:r>
-              <a:rPr lang="zh-CN" altLang="en-US" sz="1600">
+              <a:rPr lang="zh-CN" altLang="en-US" sz="1600" dirty="0">
                 <a:solidFill>
                   <a:schemeClr val="tx1">
                     <a:lumMod val="65000"/>
@@ -3428,7 +3417,7 @@
               <a:t>；不想再拥有某个对象，就让它的引用计数</a:t>
             </a:r>
             <a:r>
-              <a:rPr lang="en-US" altLang="zh-CN" sz="1600">
+              <a:rPr lang="en-US" altLang="zh-CN" sz="1600" dirty="0">
                 <a:solidFill>
                   <a:schemeClr val="tx1">
                     <a:lumMod val="65000"/>
@@ -3449,7 +3438,7 @@
               <a:buFont typeface="Wingdings" charset="2"/>
               <a:buChar char="p"/>
             </a:pPr>
-            <a:endParaRPr lang="en-US" altLang="zh-CN" sz="1600">
+            <a:endParaRPr lang="en-US" altLang="zh-CN" sz="1600" dirty="0">
               <a:solidFill>
                 <a:schemeClr val="tx1">
                   <a:lumMod val="65000"/>
@@ -3469,7 +3458,7 @@
               <a:buChar char="n"/>
             </a:pPr>
             <a:r>
-              <a:rPr lang="zh-CN" altLang="en-US" sz="1600">
+              <a:rPr lang="zh-CN" altLang="en-US" sz="1600" dirty="0">
                 <a:solidFill>
                   <a:schemeClr val="tx1">
                     <a:lumMod val="65000"/>
@@ -3481,7 +3470,7 @@
               </a:rPr>
               <a:t>可以通过以下私有函数来查看自动释放池的情况</a:t>
             </a:r>
-            <a:endParaRPr lang="en-US" altLang="zh-CN" sz="1600">
+            <a:endParaRPr lang="en-US" altLang="zh-CN" sz="1600" dirty="0">
               <a:solidFill>
                 <a:schemeClr val="tx1">
                   <a:lumMod val="65000"/>
@@ -3501,7 +3490,7 @@
               <a:buChar char="p"/>
             </a:pPr>
             <a:r>
-              <a:rPr lang="en-US" altLang="zh-CN" sz="1600">
+              <a:rPr lang="en-US" altLang="zh-CN" sz="1600" dirty="0">
                 <a:solidFill>
                   <a:srgbClr val="AA0D91"/>
                 </a:solidFill>
@@ -3510,7 +3499,7 @@
               <a:t>extern</a:t>
             </a:r>
             <a:r>
-              <a:rPr lang="en-US" altLang="zh-CN" sz="1600">
+              <a:rPr lang="en-US" altLang="zh-CN" sz="1600" dirty="0">
                 <a:solidFill>
                   <a:srgbClr val="000000"/>
                 </a:solidFill>
@@ -3519,7 +3508,7 @@
               <a:t> </a:t>
             </a:r>
             <a:r>
-              <a:rPr lang="en-US" altLang="zh-CN" sz="1600">
+              <a:rPr lang="en-US" altLang="zh-CN" sz="1600" dirty="0">
                 <a:solidFill>
                   <a:srgbClr val="AA0D91"/>
                 </a:solidFill>
@@ -3528,16 +3517,34 @@
               <a:t>void</a:t>
             </a:r>
             <a:r>
-              <a:rPr lang="en-US" altLang="zh-CN" sz="1600">
+              <a:rPr lang="en-US" altLang="zh-CN" sz="1600" dirty="0">
                 <a:solidFill>
                   <a:srgbClr val="000000"/>
                 </a:solidFill>
                 <a:latin typeface="Menlo-Regular" charset="0"/>
               </a:rPr>
-              <a:t> _objc_autoreleasePoolPrint(</a:t>
-            </a:r>
-            <a:r>
-              <a:rPr lang="en-US" altLang="zh-CN" sz="1600">
+              <a:t> _</a:t>
+            </a:r>
+            <a:r>
+              <a:rPr lang="en-US" altLang="zh-CN" sz="1600" dirty="0" err="1">
+                <a:solidFill>
+                  <a:srgbClr val="000000"/>
+                </a:solidFill>
+                <a:latin typeface="Menlo-Regular" charset="0"/>
+              </a:rPr>
+              <a:t>objc_autoreleasePoolPrint</a:t>
+            </a:r>
+            <a:r>
+              <a:rPr lang="en-US" altLang="zh-CN" sz="1600" dirty="0">
+                <a:solidFill>
+                  <a:srgbClr val="000000"/>
+                </a:solidFill>
+                <a:latin typeface="Menlo-Regular" charset="0"/>
+              </a:rPr>
+              <a:t>(</a:t>
+            </a:r>
+            <a:r>
+              <a:rPr lang="en-US" altLang="zh-CN" sz="1600" dirty="0">
                 <a:solidFill>
                   <a:srgbClr val="AA0D91"/>
                 </a:solidFill>
@@ -3546,7 +3553,7 @@
               <a:t>void</a:t>
             </a:r>
             <a:r>
-              <a:rPr lang="en-US" altLang="zh-CN" sz="1600">
+              <a:rPr lang="en-US" altLang="zh-CN" sz="1600" dirty="0">
                 <a:solidFill>
                   <a:srgbClr val="000000"/>
                 </a:solidFill>
@@ -3554,7 +3561,7 @@
               </a:rPr>
               <a:t>);</a:t>
             </a:r>
-            <a:endParaRPr lang="en-US" altLang="zh-CN" sz="1600">
+            <a:endParaRPr lang="en-US" altLang="zh-CN" sz="1600" dirty="0">
               <a:solidFill>
                 <a:schemeClr val="tx1">
                   <a:lumMod val="65000"/>
@@ -5001,7 +5008,7 @@
           <p:cNvPr id="4" name="标题 3">
             <a:extLst>
               <a:ext uri="{FF2B5EF4-FFF2-40B4-BE49-F238E27FC236}">
-                <a16:creationId xmlns="" xmlns:a16="http://schemas.microsoft.com/office/drawing/2014/main" id="{5DCC7AE5-7EF9-4964-8408-F84B72D5D253}"/>
+                <a16:creationId xmlns:a16="http://schemas.microsoft.com/office/drawing/2014/main" id="{5DCC7AE5-7EF9-4964-8408-F84B72D5D253}"/>
               </a:ext>
             </a:extLst>
           </p:cNvPr>
@@ -5018,18 +5025,18 @@
           <a:lstStyle/>
           <a:p>
             <a:r>
-              <a:rPr lang="en-US" altLang="zh-CN"/>
+              <a:rPr lang="en-US" altLang="zh-CN" dirty="0"/>
               <a:t>copy</a:t>
             </a:r>
             <a:r>
-              <a:rPr lang="zh-CN" altLang="en-US"/>
+              <a:rPr lang="zh-CN" altLang="en-US" dirty="0"/>
               <a:t>和</a:t>
             </a:r>
             <a:r>
-              <a:rPr lang="en-US" altLang="zh-CN"/>
+              <a:rPr lang="en-US" altLang="zh-CN" dirty="0" err="1"/>
               <a:t>mutableCopy</a:t>
             </a:r>
-            <a:endParaRPr lang="zh-CN" altLang="en-US"/>
+            <a:endParaRPr lang="zh-CN" altLang="en-US" dirty="0"/>
           </a:p>
         </p:txBody>
       </p:sp>
@@ -5058,9 +5065,27 @@
                 <a:tableStyleId>{5940675A-B579-460E-94D1-54222C63F5DA}</a:tableStyleId>
               </a:tblPr>
               <a:tblGrid>
-                <a:gridCol w="2709333"/>
-                <a:gridCol w="2709333"/>
-                <a:gridCol w="2709333"/>
+                <a:gridCol w="2709333">
+                  <a:extLst>
+                    <a:ext uri="{9D8B030D-6E8A-4147-A177-3AD203B41FA5}">
+                      <a16:colId xmlns:a16="http://schemas.microsoft.com/office/drawing/2014/main" val="20000"/>
+                    </a:ext>
+                  </a:extLst>
+                </a:gridCol>
+                <a:gridCol w="2709333">
+                  <a:extLst>
+                    <a:ext uri="{9D8B030D-6E8A-4147-A177-3AD203B41FA5}">
+                      <a16:colId xmlns:a16="http://schemas.microsoft.com/office/drawing/2014/main" val="20001"/>
+                    </a:ext>
+                  </a:extLst>
+                </a:gridCol>
+                <a:gridCol w="2709333">
+                  <a:extLst>
+                    <a:ext uri="{9D8B030D-6E8A-4147-A177-3AD203B41FA5}">
+                      <a16:colId xmlns:a16="http://schemas.microsoft.com/office/drawing/2014/main" val="20002"/>
+                    </a:ext>
+                  </a:extLst>
+                </a:gridCol>
               </a:tblGrid>
               <a:tr h="370840">
                 <a:tc>
@@ -5117,6 +5142,11 @@
                   </a:txBody>
                   <a:tcPr/>
                 </a:tc>
+                <a:extLst>
+                  <a:ext uri="{0D108BD9-81ED-4DB2-BD59-A6C34878D82A}">
+                    <a16:rowId xmlns:a16="http://schemas.microsoft.com/office/drawing/2014/main" val="10000"/>
+                  </a:ext>
+                </a:extLst>
               </a:tr>
               <a:tr h="370840">
                 <a:tc>
@@ -5200,6 +5230,11 @@
                   </a:txBody>
                   <a:tcPr/>
                 </a:tc>
+                <a:extLst>
+                  <a:ext uri="{0D108BD9-81ED-4DB2-BD59-A6C34878D82A}">
+                    <a16:rowId xmlns:a16="http://schemas.microsoft.com/office/drawing/2014/main" val="10001"/>
+                  </a:ext>
+                </a:extLst>
               </a:tr>
               <a:tr h="370840">
                 <a:tc>
@@ -5278,6 +5313,11 @@
                   </a:txBody>
                   <a:tcPr/>
                 </a:tc>
+                <a:extLst>
+                  <a:ext uri="{0D108BD9-81ED-4DB2-BD59-A6C34878D82A}">
+                    <a16:rowId xmlns:a16="http://schemas.microsoft.com/office/drawing/2014/main" val="10002"/>
+                  </a:ext>
+                </a:extLst>
               </a:tr>
               <a:tr h="370840">
                 <a:tc>
@@ -5361,6 +5401,11 @@
                   </a:txBody>
                   <a:tcPr/>
                 </a:tc>
+                <a:extLst>
+                  <a:ext uri="{0D108BD9-81ED-4DB2-BD59-A6C34878D82A}">
+                    <a16:rowId xmlns:a16="http://schemas.microsoft.com/office/drawing/2014/main" val="10003"/>
+                  </a:ext>
+                </a:extLst>
               </a:tr>
               <a:tr h="370840">
                 <a:tc>
@@ -5439,6 +5484,11 @@
                   </a:txBody>
                   <a:tcPr/>
                 </a:tc>
+                <a:extLst>
+                  <a:ext uri="{0D108BD9-81ED-4DB2-BD59-A6C34878D82A}">
+                    <a16:rowId xmlns:a16="http://schemas.microsoft.com/office/drawing/2014/main" val="10004"/>
+                  </a:ext>
+                </a:extLst>
               </a:tr>
               <a:tr h="370840">
                 <a:tc>
@@ -5447,14 +5497,14 @@
                     <a:lstStyle/>
                     <a:p>
                       <a:r>
-                        <a:rPr lang="en-US" altLang="zh-CN">
+                        <a:rPr lang="en-US" altLang="zh-CN" dirty="0" err="1">
                           <a:solidFill>
                             <a:srgbClr val="FF0000"/>
                           </a:solidFill>
                         </a:rPr>
                         <a:t>NSDictionary</a:t>
                       </a:r>
-                      <a:endParaRPr lang="zh-CN" altLang="en-US">
+                      <a:endParaRPr lang="zh-CN" altLang="en-US" dirty="0">
                         <a:solidFill>
                           <a:srgbClr val="FF0000"/>
                         </a:solidFill>
@@ -5522,6 +5572,11 @@
                   </a:txBody>
                   <a:tcPr/>
                 </a:tc>
+                <a:extLst>
+                  <a:ext uri="{0D108BD9-81ED-4DB2-BD59-A6C34878D82A}">
+                    <a16:rowId xmlns:a16="http://schemas.microsoft.com/office/drawing/2014/main" val="10005"/>
+                  </a:ext>
+                </a:extLst>
               </a:tr>
               <a:tr h="370840">
                 <a:tc>
@@ -5579,17 +5634,22 @@
                     <a:lstStyle/>
                     <a:p>
                       <a:r>
-                        <a:rPr lang="en-US" altLang="zh-CN">
+                        <a:rPr lang="en-US" altLang="zh-CN" dirty="0" err="1">
                           <a:solidFill>
                             <a:schemeClr val="tx1"/>
                           </a:solidFill>
                         </a:rPr>
                         <a:t>NSMutableDictionary</a:t>
                       </a:r>
+                      <a:endParaRPr lang="en-US" altLang="zh-CN" dirty="0">
+                        <a:solidFill>
+                          <a:schemeClr val="tx1"/>
+                        </a:solidFill>
+                      </a:endParaRPr>
                     </a:p>
                     <a:p>
                       <a:r>
-                        <a:rPr lang="zh-CN" altLang="en-US">
+                        <a:rPr lang="zh-CN" altLang="en-US" dirty="0">
                           <a:solidFill>
                             <a:schemeClr val="tx1"/>
                           </a:solidFill>
@@ -5600,6 +5660,11 @@
                   </a:txBody>
                   <a:tcPr/>
                 </a:tc>
+                <a:extLst>
+                  <a:ext uri="{0D108BD9-81ED-4DB2-BD59-A6C34878D82A}">
+                    <a16:rowId xmlns:a16="http://schemas.microsoft.com/office/drawing/2014/main" val="10006"/>
+                  </a:ext>
+                </a:extLst>
               </a:tr>
             </a:tbl>
           </a:graphicData>
@@ -5615,13 +5680,6 @@
   <p:clrMapOvr>
     <a:masterClrMapping/>
   </p:clrMapOvr>
-  <p:timing>
-    <p:tnLst>
-      <p:par>
-        <p:cTn id="1" dur="indefinite" restart="never" nodeType="tmRoot"/>
-      </p:par>
-    </p:tnLst>
-  </p:timing>
 </p:sld>
 </file>
 
@@ -5647,7 +5705,7 @@
           <p:cNvPr id="4" name="标题 3">
             <a:extLst>
               <a:ext uri="{FF2B5EF4-FFF2-40B4-BE49-F238E27FC236}">
-                <a16:creationId xmlns="" xmlns:a16="http://schemas.microsoft.com/office/drawing/2014/main" id="{5DCC7AE5-7EF9-4964-8408-F84B72D5D253}"/>
+                <a16:creationId xmlns:a16="http://schemas.microsoft.com/office/drawing/2014/main" id="{5DCC7AE5-7EF9-4964-8408-F84B72D5D253}"/>
               </a:ext>
             </a:extLst>
           </p:cNvPr>
@@ -6132,7 +6190,7 @@
           <p:cNvPr id="4" name="标题 3">
             <a:extLst>
               <a:ext uri="{FF2B5EF4-FFF2-40B4-BE49-F238E27FC236}">
-                <a16:creationId xmlns="" xmlns:a16="http://schemas.microsoft.com/office/drawing/2014/main" id="{5DCC7AE5-7EF9-4964-8408-F84B72D5D253}"/>
+                <a16:creationId xmlns:a16="http://schemas.microsoft.com/office/drawing/2014/main" id="{5DCC7AE5-7EF9-4964-8408-F84B72D5D253}"/>
               </a:ext>
             </a:extLst>
           </p:cNvPr>
@@ -6860,7 +6918,7 @@
           <p:cNvPr id="4" name="标题 3">
             <a:extLst>
               <a:ext uri="{FF2B5EF4-FFF2-40B4-BE49-F238E27FC236}">
-                <a16:creationId xmlns="" xmlns:a16="http://schemas.microsoft.com/office/drawing/2014/main" id="{5DCC7AE5-7EF9-4964-8408-F84B72D5D253}"/>
+                <a16:creationId xmlns:a16="http://schemas.microsoft.com/office/drawing/2014/main" id="{5DCC7AE5-7EF9-4964-8408-F84B72D5D253}"/>
               </a:ext>
             </a:extLst>
           </p:cNvPr>
@@ -7665,7 +7723,7 @@
           <p:cNvPr id="4" name="标题 3">
             <a:extLst>
               <a:ext uri="{FF2B5EF4-FFF2-40B4-BE49-F238E27FC236}">
-                <a16:creationId xmlns="" xmlns:a16="http://schemas.microsoft.com/office/drawing/2014/main" id="{5DCC7AE5-7EF9-4964-8408-F84B72D5D253}"/>
+                <a16:creationId xmlns:a16="http://schemas.microsoft.com/office/drawing/2014/main" id="{5DCC7AE5-7EF9-4964-8408-F84B72D5D253}"/>
               </a:ext>
             </a:extLst>
           </p:cNvPr>
@@ -7900,7 +7958,13 @@
                 <a:tableStyleId>{7E9639D4-E3E2-4D34-9284-5A2195B3D0D7}</a:tableStyleId>
               </a:tblPr>
               <a:tblGrid>
-                <a:gridCol w="3095794"/>
+                <a:gridCol w="3095794">
+                  <a:extLst>
+                    <a:ext uri="{9D8B030D-6E8A-4147-A177-3AD203B41FA5}">
+                      <a16:colId xmlns:a16="http://schemas.microsoft.com/office/drawing/2014/main" val="20000"/>
+                    </a:ext>
+                  </a:extLst>
+                </a:gridCol>
               </a:tblGrid>
               <a:tr h="370840">
                 <a:tc>
@@ -7964,6 +8028,11 @@
                     </a:lnB>
                   </a:tcPr>
                 </a:tc>
+                <a:extLst>
+                  <a:ext uri="{0D108BD9-81ED-4DB2-BD59-A6C34878D82A}">
+                    <a16:rowId xmlns:a16="http://schemas.microsoft.com/office/drawing/2014/main" val="10000"/>
+                  </a:ext>
+                </a:extLst>
               </a:tr>
               <a:tr h="370840">
                 <a:tc>
@@ -7989,7 +8058,7 @@
                         <a:defRPr/>
                       </a:pPr>
                       <a:r>
-                        <a:rPr lang="en-US" altLang="zh-CN" sz="1400" smtClean="0">
+                        <a:rPr lang="en-US" altLang="zh-CN" sz="1400">
                           <a:solidFill>
                             <a:srgbClr val="3F6E74"/>
                           </a:solidFill>
@@ -7998,7 +8067,7 @@
                         <a:t>magic_t</a:t>
                       </a:r>
                       <a:r>
-                        <a:rPr lang="en-US" altLang="zh-CN" sz="1400" smtClean="0">
+                        <a:rPr lang="en-US" altLang="zh-CN" sz="1400">
                           <a:solidFill>
                             <a:srgbClr val="000000"/>
                           </a:solidFill>
@@ -8048,6 +8117,11 @@
                     </a:lnB>
                   </a:tcPr>
                 </a:tc>
+                <a:extLst>
+                  <a:ext uri="{0D108BD9-81ED-4DB2-BD59-A6C34878D82A}">
+                    <a16:rowId xmlns:a16="http://schemas.microsoft.com/office/drawing/2014/main" val="10001"/>
+                  </a:ext>
+                </a:extLst>
               </a:tr>
               <a:tr h="370840">
                 <a:tc>
@@ -8073,7 +8147,7 @@
                         <a:defRPr/>
                       </a:pPr>
                       <a:r>
-                        <a:rPr lang="en-US" altLang="zh-CN" sz="1400" smtClean="0">
+                        <a:rPr lang="en-US" altLang="zh-CN" sz="1400">
                           <a:solidFill>
                             <a:srgbClr val="AA0D91"/>
                           </a:solidFill>
@@ -8082,7 +8156,7 @@
                         <a:t>id</a:t>
                       </a:r>
                       <a:r>
-                        <a:rPr lang="en-US" altLang="zh-CN" sz="1400" smtClean="0">
+                        <a:rPr lang="en-US" altLang="zh-CN" sz="1400">
                           <a:solidFill>
                             <a:srgbClr val="000000"/>
                           </a:solidFill>
@@ -8132,6 +8206,11 @@
                     </a:lnB>
                   </a:tcPr>
                 </a:tc>
+                <a:extLst>
+                  <a:ext uri="{0D108BD9-81ED-4DB2-BD59-A6C34878D82A}">
+                    <a16:rowId xmlns:a16="http://schemas.microsoft.com/office/drawing/2014/main" val="10002"/>
+                  </a:ext>
+                </a:extLst>
               </a:tr>
               <a:tr h="370840">
                 <a:tc>
@@ -8157,7 +8236,7 @@
                         <a:defRPr/>
                       </a:pPr>
                       <a:r>
-                        <a:rPr lang="en-US" altLang="zh-CN" sz="1400" smtClean="0">
+                        <a:rPr lang="en-US" altLang="zh-CN" sz="1400">
                           <a:solidFill>
                             <a:srgbClr val="5C2699"/>
                           </a:solidFill>
@@ -8166,7 +8245,7 @@
                         <a:t>pthread_t</a:t>
                       </a:r>
                       <a:r>
-                        <a:rPr lang="en-US" altLang="zh-CN" sz="1400" smtClean="0">
+                        <a:rPr lang="en-US" altLang="zh-CN" sz="1400">
                           <a:solidFill>
                             <a:srgbClr val="000000"/>
                           </a:solidFill>
@@ -8216,6 +8295,11 @@
                     </a:lnB>
                   </a:tcPr>
                 </a:tc>
+                <a:extLst>
+                  <a:ext uri="{0D108BD9-81ED-4DB2-BD59-A6C34878D82A}">
+                    <a16:rowId xmlns:a16="http://schemas.microsoft.com/office/drawing/2014/main" val="10003"/>
+                  </a:ext>
+                </a:extLst>
               </a:tr>
               <a:tr h="370840">
                 <a:tc>
@@ -8241,7 +8325,7 @@
                         <a:defRPr/>
                       </a:pPr>
                       <a:r>
-                        <a:rPr lang="en-US" altLang="zh-CN" sz="1400" smtClean="0">
+                        <a:rPr lang="en-US" altLang="zh-CN" sz="1400">
                           <a:solidFill>
                             <a:srgbClr val="3F6E74"/>
                           </a:solidFill>
@@ -8250,7 +8334,7 @@
                         <a:t>AutoreleasePoolPage</a:t>
                       </a:r>
                       <a:r>
-                        <a:rPr lang="en-US" altLang="zh-CN" sz="1400" smtClean="0">
+                        <a:rPr lang="en-US" altLang="zh-CN" sz="1400">
                           <a:solidFill>
                             <a:srgbClr val="000000"/>
                           </a:solidFill>
@@ -8300,6 +8384,11 @@
                     </a:lnB>
                   </a:tcPr>
                 </a:tc>
+                <a:extLst>
+                  <a:ext uri="{0D108BD9-81ED-4DB2-BD59-A6C34878D82A}">
+                    <a16:rowId xmlns:a16="http://schemas.microsoft.com/office/drawing/2014/main" val="10004"/>
+                  </a:ext>
+                </a:extLst>
               </a:tr>
               <a:tr h="370840">
                 <a:tc>
@@ -8325,7 +8414,7 @@
                         <a:defRPr/>
                       </a:pPr>
                       <a:r>
-                        <a:rPr lang="en-US" altLang="zh-CN" sz="1400" smtClean="0">
+                        <a:rPr lang="en-US" altLang="zh-CN" sz="1400">
                           <a:solidFill>
                             <a:srgbClr val="3F6E74"/>
                           </a:solidFill>
@@ -8334,7 +8423,7 @@
                         <a:t>AutoreleasePoolPage</a:t>
                       </a:r>
                       <a:r>
-                        <a:rPr lang="en-US" altLang="zh-CN" sz="1400" smtClean="0">
+                        <a:rPr lang="en-US" altLang="zh-CN" sz="1400">
                           <a:solidFill>
                             <a:srgbClr val="000000"/>
                           </a:solidFill>
@@ -8384,6 +8473,11 @@
                     </a:lnB>
                   </a:tcPr>
                 </a:tc>
+                <a:extLst>
+                  <a:ext uri="{0D108BD9-81ED-4DB2-BD59-A6C34878D82A}">
+                    <a16:rowId xmlns:a16="http://schemas.microsoft.com/office/drawing/2014/main" val="10005"/>
+                  </a:ext>
+                </a:extLst>
               </a:tr>
               <a:tr h="370840">
                 <a:tc>
@@ -8409,7 +8503,7 @@
                         <a:defRPr/>
                       </a:pPr>
                       <a:r>
-                        <a:rPr lang="en-US" altLang="zh-CN" sz="1400" smtClean="0">
+                        <a:rPr lang="en-US" altLang="zh-CN" sz="1400">
                           <a:solidFill>
                             <a:srgbClr val="5C2699"/>
                           </a:solidFill>
@@ -8418,7 +8512,7 @@
                         <a:t>uint32_t</a:t>
                       </a:r>
                       <a:r>
-                        <a:rPr lang="en-US" altLang="zh-CN" sz="1400" smtClean="0">
+                        <a:rPr lang="en-US" altLang="zh-CN" sz="1400">
                           <a:solidFill>
                             <a:srgbClr val="000000"/>
                           </a:solidFill>
@@ -8468,6 +8562,11 @@
                     </a:lnB>
                   </a:tcPr>
                 </a:tc>
+                <a:extLst>
+                  <a:ext uri="{0D108BD9-81ED-4DB2-BD59-A6C34878D82A}">
+                    <a16:rowId xmlns:a16="http://schemas.microsoft.com/office/drawing/2014/main" val="10006"/>
+                  </a:ext>
+                </a:extLst>
               </a:tr>
               <a:tr h="370840">
                 <a:tc>
@@ -8493,7 +8592,7 @@
                         <a:defRPr/>
                       </a:pPr>
                       <a:r>
-                        <a:rPr lang="en-US" altLang="zh-CN" sz="1400" smtClean="0">
+                        <a:rPr lang="en-US" altLang="zh-CN" sz="1400">
                           <a:solidFill>
                             <a:srgbClr val="5C2699"/>
                           </a:solidFill>
@@ -8502,7 +8601,7 @@
                         <a:t>uint32_t</a:t>
                       </a:r>
                       <a:r>
-                        <a:rPr lang="en-US" altLang="zh-CN" sz="1400" smtClean="0">
+                        <a:rPr lang="en-US" altLang="zh-CN" sz="1400">
                           <a:solidFill>
                             <a:srgbClr val="000000"/>
                           </a:solidFill>
@@ -8552,6 +8651,11 @@
                     </a:lnB>
                   </a:tcPr>
                 </a:tc>
+                <a:extLst>
+                  <a:ext uri="{0D108BD9-81ED-4DB2-BD59-A6C34878D82A}">
+                    <a16:rowId xmlns:a16="http://schemas.microsoft.com/office/drawing/2014/main" val="10007"/>
+                  </a:ext>
+                </a:extLst>
               </a:tr>
               <a:tr h="370840">
                 <a:tc>
@@ -8630,6 +8734,11 @@
                     </a:lnB>
                   </a:tcPr>
                 </a:tc>
+                <a:extLst>
+                  <a:ext uri="{0D108BD9-81ED-4DB2-BD59-A6C34878D82A}">
+                    <a16:rowId xmlns:a16="http://schemas.microsoft.com/office/drawing/2014/main" val="10008"/>
+                  </a:ext>
+                </a:extLst>
               </a:tr>
               <a:tr h="370840">
                 <a:tc>
@@ -8708,6 +8817,11 @@
                     </a:lnB>
                   </a:tcPr>
                 </a:tc>
+                <a:extLst>
+                  <a:ext uri="{0D108BD9-81ED-4DB2-BD59-A6C34878D82A}">
+                    <a16:rowId xmlns:a16="http://schemas.microsoft.com/office/drawing/2014/main" val="10009"/>
+                  </a:ext>
+                </a:extLst>
               </a:tr>
               <a:tr h="370840">
                 <a:tc>
@@ -8786,6 +8900,11 @@
                     </a:lnB>
                   </a:tcPr>
                 </a:tc>
+                <a:extLst>
+                  <a:ext uri="{0D108BD9-81ED-4DB2-BD59-A6C34878D82A}">
+                    <a16:rowId xmlns:a16="http://schemas.microsoft.com/office/drawing/2014/main" val="10010"/>
+                  </a:ext>
+                </a:extLst>
               </a:tr>
             </a:tbl>
           </a:graphicData>
@@ -8910,7 +9029,13 @@
                 <a:tableStyleId>{7E9639D4-E3E2-4D34-9284-5A2195B3D0D7}</a:tableStyleId>
               </a:tblPr>
               <a:tblGrid>
-                <a:gridCol w="3095794"/>
+                <a:gridCol w="3095794">
+                  <a:extLst>
+                    <a:ext uri="{9D8B030D-6E8A-4147-A177-3AD203B41FA5}">
+                      <a16:colId xmlns:a16="http://schemas.microsoft.com/office/drawing/2014/main" val="20000"/>
+                    </a:ext>
+                  </a:extLst>
+                </a:gridCol>
               </a:tblGrid>
               <a:tr h="370840">
                 <a:tc>
@@ -8974,6 +9099,11 @@
                     </a:lnB>
                   </a:tcPr>
                 </a:tc>
+                <a:extLst>
+                  <a:ext uri="{0D108BD9-81ED-4DB2-BD59-A6C34878D82A}">
+                    <a16:rowId xmlns:a16="http://schemas.microsoft.com/office/drawing/2014/main" val="10000"/>
+                  </a:ext>
+                </a:extLst>
               </a:tr>
               <a:tr h="370840">
                 <a:tc>
@@ -8999,7 +9129,7 @@
                         <a:defRPr/>
                       </a:pPr>
                       <a:r>
-                        <a:rPr lang="en-US" altLang="zh-CN" sz="1400" smtClean="0">
+                        <a:rPr lang="en-US" altLang="zh-CN" sz="1400">
                           <a:solidFill>
                             <a:srgbClr val="3F6E74"/>
                           </a:solidFill>
@@ -9008,7 +9138,7 @@
                         <a:t>magic_t</a:t>
                       </a:r>
                       <a:r>
-                        <a:rPr lang="en-US" altLang="zh-CN" sz="1400" smtClean="0">
+                        <a:rPr lang="en-US" altLang="zh-CN" sz="1400">
                           <a:solidFill>
                             <a:srgbClr val="000000"/>
                           </a:solidFill>
@@ -9058,6 +9188,11 @@
                     </a:lnB>
                   </a:tcPr>
                 </a:tc>
+                <a:extLst>
+                  <a:ext uri="{0D108BD9-81ED-4DB2-BD59-A6C34878D82A}">
+                    <a16:rowId xmlns:a16="http://schemas.microsoft.com/office/drawing/2014/main" val="10001"/>
+                  </a:ext>
+                </a:extLst>
               </a:tr>
               <a:tr h="370840">
                 <a:tc>
@@ -9083,7 +9218,7 @@
                         <a:defRPr/>
                       </a:pPr>
                       <a:r>
-                        <a:rPr lang="en-US" altLang="zh-CN" sz="1400" smtClean="0">
+                        <a:rPr lang="en-US" altLang="zh-CN" sz="1400">
                           <a:solidFill>
                             <a:srgbClr val="AA0D91"/>
                           </a:solidFill>
@@ -9092,7 +9227,7 @@
                         <a:t>id</a:t>
                       </a:r>
                       <a:r>
-                        <a:rPr lang="en-US" altLang="zh-CN" sz="1400" smtClean="0">
+                        <a:rPr lang="en-US" altLang="zh-CN" sz="1400">
                           <a:solidFill>
                             <a:srgbClr val="000000"/>
                           </a:solidFill>
@@ -9142,6 +9277,11 @@
                     </a:lnB>
                   </a:tcPr>
                 </a:tc>
+                <a:extLst>
+                  <a:ext uri="{0D108BD9-81ED-4DB2-BD59-A6C34878D82A}">
+                    <a16:rowId xmlns:a16="http://schemas.microsoft.com/office/drawing/2014/main" val="10002"/>
+                  </a:ext>
+                </a:extLst>
               </a:tr>
               <a:tr h="370840">
                 <a:tc>
@@ -9167,7 +9307,7 @@
                         <a:defRPr/>
                       </a:pPr>
                       <a:r>
-                        <a:rPr lang="en-US" altLang="zh-CN" sz="1400" smtClean="0">
+                        <a:rPr lang="en-US" altLang="zh-CN" sz="1400">
                           <a:solidFill>
                             <a:srgbClr val="5C2699"/>
                           </a:solidFill>
@@ -9176,7 +9316,7 @@
                         <a:t>pthread_t</a:t>
                       </a:r>
                       <a:r>
-                        <a:rPr lang="en-US" altLang="zh-CN" sz="1400" smtClean="0">
+                        <a:rPr lang="en-US" altLang="zh-CN" sz="1400">
                           <a:solidFill>
                             <a:srgbClr val="000000"/>
                           </a:solidFill>
@@ -9226,6 +9366,11 @@
                     </a:lnB>
                   </a:tcPr>
                 </a:tc>
+                <a:extLst>
+                  <a:ext uri="{0D108BD9-81ED-4DB2-BD59-A6C34878D82A}">
+                    <a16:rowId xmlns:a16="http://schemas.microsoft.com/office/drawing/2014/main" val="10003"/>
+                  </a:ext>
+                </a:extLst>
               </a:tr>
               <a:tr h="370840">
                 <a:tc>
@@ -9251,7 +9396,7 @@
                         <a:defRPr/>
                       </a:pPr>
                       <a:r>
-                        <a:rPr lang="en-US" altLang="zh-CN" sz="1400" smtClean="0">
+                        <a:rPr lang="en-US" altLang="zh-CN" sz="1400">
                           <a:solidFill>
                             <a:srgbClr val="3F6E74"/>
                           </a:solidFill>
@@ -9260,7 +9405,7 @@
                         <a:t>AutoreleasePoolPage</a:t>
                       </a:r>
                       <a:r>
-                        <a:rPr lang="en-US" altLang="zh-CN" sz="1400" smtClean="0">
+                        <a:rPr lang="en-US" altLang="zh-CN" sz="1400">
                           <a:solidFill>
                             <a:srgbClr val="000000"/>
                           </a:solidFill>
@@ -9310,6 +9455,11 @@
                     </a:lnB>
                   </a:tcPr>
                 </a:tc>
+                <a:extLst>
+                  <a:ext uri="{0D108BD9-81ED-4DB2-BD59-A6C34878D82A}">
+                    <a16:rowId xmlns:a16="http://schemas.microsoft.com/office/drawing/2014/main" val="10004"/>
+                  </a:ext>
+                </a:extLst>
               </a:tr>
               <a:tr h="370840">
                 <a:tc>
@@ -9335,7 +9485,7 @@
                         <a:defRPr/>
                       </a:pPr>
                       <a:r>
-                        <a:rPr lang="en-US" altLang="zh-CN" sz="1400" smtClean="0">
+                        <a:rPr lang="en-US" altLang="zh-CN" sz="1400">
                           <a:solidFill>
                             <a:srgbClr val="3F6E74"/>
                           </a:solidFill>
@@ -9344,7 +9494,7 @@
                         <a:t>AutoreleasePoolPage</a:t>
                       </a:r>
                       <a:r>
-                        <a:rPr lang="en-US" altLang="zh-CN" sz="1400" smtClean="0">
+                        <a:rPr lang="en-US" altLang="zh-CN" sz="1400">
                           <a:solidFill>
                             <a:srgbClr val="000000"/>
                           </a:solidFill>
@@ -9394,6 +9544,11 @@
                     </a:lnB>
                   </a:tcPr>
                 </a:tc>
+                <a:extLst>
+                  <a:ext uri="{0D108BD9-81ED-4DB2-BD59-A6C34878D82A}">
+                    <a16:rowId xmlns:a16="http://schemas.microsoft.com/office/drawing/2014/main" val="10005"/>
+                  </a:ext>
+                </a:extLst>
               </a:tr>
               <a:tr h="370840">
                 <a:tc>
@@ -9419,7 +9574,7 @@
                         <a:defRPr/>
                       </a:pPr>
                       <a:r>
-                        <a:rPr lang="en-US" altLang="zh-CN" sz="1400" smtClean="0">
+                        <a:rPr lang="en-US" altLang="zh-CN" sz="1400">
                           <a:solidFill>
                             <a:srgbClr val="5C2699"/>
                           </a:solidFill>
@@ -9428,7 +9583,7 @@
                         <a:t>uint32_t</a:t>
                       </a:r>
                       <a:r>
-                        <a:rPr lang="en-US" altLang="zh-CN" sz="1400" smtClean="0">
+                        <a:rPr lang="en-US" altLang="zh-CN" sz="1400">
                           <a:solidFill>
                             <a:srgbClr val="000000"/>
                           </a:solidFill>
@@ -9478,6 +9633,11 @@
                     </a:lnB>
                   </a:tcPr>
                 </a:tc>
+                <a:extLst>
+                  <a:ext uri="{0D108BD9-81ED-4DB2-BD59-A6C34878D82A}">
+                    <a16:rowId xmlns:a16="http://schemas.microsoft.com/office/drawing/2014/main" val="10006"/>
+                  </a:ext>
+                </a:extLst>
               </a:tr>
               <a:tr h="370840">
                 <a:tc>
@@ -9503,7 +9663,7 @@
                         <a:defRPr/>
                       </a:pPr>
                       <a:r>
-                        <a:rPr lang="en-US" altLang="zh-CN" sz="1400" smtClean="0">
+                        <a:rPr lang="en-US" altLang="zh-CN" sz="1400">
                           <a:solidFill>
                             <a:srgbClr val="5C2699"/>
                           </a:solidFill>
@@ -9512,7 +9672,7 @@
                         <a:t>uint32_t</a:t>
                       </a:r>
                       <a:r>
-                        <a:rPr lang="en-US" altLang="zh-CN" sz="1400" smtClean="0">
+                        <a:rPr lang="en-US" altLang="zh-CN" sz="1400">
                           <a:solidFill>
                             <a:srgbClr val="000000"/>
                           </a:solidFill>
@@ -9562,6 +9722,11 @@
                     </a:lnB>
                   </a:tcPr>
                 </a:tc>
+                <a:extLst>
+                  <a:ext uri="{0D108BD9-81ED-4DB2-BD59-A6C34878D82A}">
+                    <a16:rowId xmlns:a16="http://schemas.microsoft.com/office/drawing/2014/main" val="10007"/>
+                  </a:ext>
+                </a:extLst>
               </a:tr>
               <a:tr h="370840">
                 <a:tc>
@@ -9640,6 +9805,11 @@
                     </a:lnB>
                   </a:tcPr>
                 </a:tc>
+                <a:extLst>
+                  <a:ext uri="{0D108BD9-81ED-4DB2-BD59-A6C34878D82A}">
+                    <a16:rowId xmlns:a16="http://schemas.microsoft.com/office/drawing/2014/main" val="10008"/>
+                  </a:ext>
+                </a:extLst>
               </a:tr>
               <a:tr h="370840">
                 <a:tc>
@@ -9718,6 +9888,11 @@
                     </a:lnB>
                   </a:tcPr>
                 </a:tc>
+                <a:extLst>
+                  <a:ext uri="{0D108BD9-81ED-4DB2-BD59-A6C34878D82A}">
+                    <a16:rowId xmlns:a16="http://schemas.microsoft.com/office/drawing/2014/main" val="10009"/>
+                  </a:ext>
+                </a:extLst>
               </a:tr>
               <a:tr h="370840">
                 <a:tc>
@@ -9796,6 +9971,11 @@
                     </a:lnB>
                   </a:tcPr>
                 </a:tc>
+                <a:extLst>
+                  <a:ext uri="{0D108BD9-81ED-4DB2-BD59-A6C34878D82A}">
+                    <a16:rowId xmlns:a16="http://schemas.microsoft.com/office/drawing/2014/main" val="10010"/>
+                  </a:ext>
+                </a:extLst>
               </a:tr>
             </a:tbl>
           </a:graphicData>
@@ -9826,7 +10006,13 @@
                 <a:tableStyleId>{7E9639D4-E3E2-4D34-9284-5A2195B3D0D7}</a:tableStyleId>
               </a:tblPr>
               <a:tblGrid>
-                <a:gridCol w="3095794"/>
+                <a:gridCol w="3095794">
+                  <a:extLst>
+                    <a:ext uri="{9D8B030D-6E8A-4147-A177-3AD203B41FA5}">
+                      <a16:colId xmlns:a16="http://schemas.microsoft.com/office/drawing/2014/main" val="20000"/>
+                    </a:ext>
+                  </a:extLst>
+                </a:gridCol>
               </a:tblGrid>
               <a:tr h="370840">
                 <a:tc>
@@ -9890,6 +10076,11 @@
                     </a:lnB>
                   </a:tcPr>
                 </a:tc>
+                <a:extLst>
+                  <a:ext uri="{0D108BD9-81ED-4DB2-BD59-A6C34878D82A}">
+                    <a16:rowId xmlns:a16="http://schemas.microsoft.com/office/drawing/2014/main" val="10000"/>
+                  </a:ext>
+                </a:extLst>
               </a:tr>
               <a:tr h="370840">
                 <a:tc>
@@ -9915,7 +10106,7 @@
                         <a:defRPr/>
                       </a:pPr>
                       <a:r>
-                        <a:rPr lang="en-US" altLang="zh-CN" sz="1400" smtClean="0">
+                        <a:rPr lang="en-US" altLang="zh-CN" sz="1400">
                           <a:solidFill>
                             <a:srgbClr val="3F6E74"/>
                           </a:solidFill>
@@ -9924,7 +10115,7 @@
                         <a:t>magic_t</a:t>
                       </a:r>
                       <a:r>
-                        <a:rPr lang="en-US" altLang="zh-CN" sz="1400" smtClean="0">
+                        <a:rPr lang="en-US" altLang="zh-CN" sz="1400">
                           <a:solidFill>
                             <a:srgbClr val="000000"/>
                           </a:solidFill>
@@ -9974,6 +10165,11 @@
                     </a:lnB>
                   </a:tcPr>
                 </a:tc>
+                <a:extLst>
+                  <a:ext uri="{0D108BD9-81ED-4DB2-BD59-A6C34878D82A}">
+                    <a16:rowId xmlns:a16="http://schemas.microsoft.com/office/drawing/2014/main" val="10001"/>
+                  </a:ext>
+                </a:extLst>
               </a:tr>
               <a:tr h="370840">
                 <a:tc>
@@ -9999,7 +10195,7 @@
                         <a:defRPr/>
                       </a:pPr>
                       <a:r>
-                        <a:rPr lang="en-US" altLang="zh-CN" sz="1400" smtClean="0">
+                        <a:rPr lang="en-US" altLang="zh-CN" sz="1400">
                           <a:solidFill>
                             <a:srgbClr val="AA0D91"/>
                           </a:solidFill>
@@ -10008,7 +10204,7 @@
                         <a:t>id</a:t>
                       </a:r>
                       <a:r>
-                        <a:rPr lang="en-US" altLang="zh-CN" sz="1400" smtClean="0">
+                        <a:rPr lang="en-US" altLang="zh-CN" sz="1400">
                           <a:solidFill>
                             <a:srgbClr val="000000"/>
                           </a:solidFill>
@@ -10058,6 +10254,11 @@
                     </a:lnB>
                   </a:tcPr>
                 </a:tc>
+                <a:extLst>
+                  <a:ext uri="{0D108BD9-81ED-4DB2-BD59-A6C34878D82A}">
+                    <a16:rowId xmlns:a16="http://schemas.microsoft.com/office/drawing/2014/main" val="10002"/>
+                  </a:ext>
+                </a:extLst>
               </a:tr>
               <a:tr h="370840">
                 <a:tc>
@@ -10083,7 +10284,7 @@
                         <a:defRPr/>
                       </a:pPr>
                       <a:r>
-                        <a:rPr lang="en-US" altLang="zh-CN" sz="1400" smtClean="0">
+                        <a:rPr lang="en-US" altLang="zh-CN" sz="1400">
                           <a:solidFill>
                             <a:srgbClr val="5C2699"/>
                           </a:solidFill>
@@ -10092,7 +10293,7 @@
                         <a:t>pthread_t</a:t>
                       </a:r>
                       <a:r>
-                        <a:rPr lang="en-US" altLang="zh-CN" sz="1400" smtClean="0">
+                        <a:rPr lang="en-US" altLang="zh-CN" sz="1400">
                           <a:solidFill>
                             <a:srgbClr val="000000"/>
                           </a:solidFill>
@@ -10142,6 +10343,11 @@
                     </a:lnB>
                   </a:tcPr>
                 </a:tc>
+                <a:extLst>
+                  <a:ext uri="{0D108BD9-81ED-4DB2-BD59-A6C34878D82A}">
+                    <a16:rowId xmlns:a16="http://schemas.microsoft.com/office/drawing/2014/main" val="10003"/>
+                  </a:ext>
+                </a:extLst>
               </a:tr>
               <a:tr h="370840">
                 <a:tc>
@@ -10167,7 +10373,7 @@
                         <a:defRPr/>
                       </a:pPr>
                       <a:r>
-                        <a:rPr lang="en-US" altLang="zh-CN" sz="1400" smtClean="0">
+                        <a:rPr lang="en-US" altLang="zh-CN" sz="1400">
                           <a:solidFill>
                             <a:srgbClr val="3F6E74"/>
                           </a:solidFill>
@@ -10176,7 +10382,7 @@
                         <a:t>AutoreleasePoolPage</a:t>
                       </a:r>
                       <a:r>
-                        <a:rPr lang="en-US" altLang="zh-CN" sz="1400" smtClean="0">
+                        <a:rPr lang="en-US" altLang="zh-CN" sz="1400">
                           <a:solidFill>
                             <a:srgbClr val="000000"/>
                           </a:solidFill>
@@ -10226,6 +10432,11 @@
                     </a:lnB>
                   </a:tcPr>
                 </a:tc>
+                <a:extLst>
+                  <a:ext uri="{0D108BD9-81ED-4DB2-BD59-A6C34878D82A}">
+                    <a16:rowId xmlns:a16="http://schemas.microsoft.com/office/drawing/2014/main" val="10004"/>
+                  </a:ext>
+                </a:extLst>
               </a:tr>
               <a:tr h="370840">
                 <a:tc>
@@ -10251,7 +10462,7 @@
                         <a:defRPr/>
                       </a:pPr>
                       <a:r>
-                        <a:rPr lang="en-US" altLang="zh-CN" sz="1400" smtClean="0">
+                        <a:rPr lang="en-US" altLang="zh-CN" sz="1400">
                           <a:solidFill>
                             <a:srgbClr val="3F6E74"/>
                           </a:solidFill>
@@ -10260,7 +10471,7 @@
                         <a:t>AutoreleasePoolPage</a:t>
                       </a:r>
                       <a:r>
-                        <a:rPr lang="en-US" altLang="zh-CN" sz="1400" smtClean="0">
+                        <a:rPr lang="en-US" altLang="zh-CN" sz="1400">
                           <a:solidFill>
                             <a:srgbClr val="000000"/>
                           </a:solidFill>
@@ -10310,6 +10521,11 @@
                     </a:lnB>
                   </a:tcPr>
                 </a:tc>
+                <a:extLst>
+                  <a:ext uri="{0D108BD9-81ED-4DB2-BD59-A6C34878D82A}">
+                    <a16:rowId xmlns:a16="http://schemas.microsoft.com/office/drawing/2014/main" val="10005"/>
+                  </a:ext>
+                </a:extLst>
               </a:tr>
               <a:tr h="370840">
                 <a:tc>
@@ -10335,7 +10551,7 @@
                         <a:defRPr/>
                       </a:pPr>
                       <a:r>
-                        <a:rPr lang="en-US" altLang="zh-CN" sz="1400" smtClean="0">
+                        <a:rPr lang="en-US" altLang="zh-CN" sz="1400">
                           <a:solidFill>
                             <a:srgbClr val="5C2699"/>
                           </a:solidFill>
@@ -10344,7 +10560,7 @@
                         <a:t>uint32_t</a:t>
                       </a:r>
                       <a:r>
-                        <a:rPr lang="en-US" altLang="zh-CN" sz="1400" smtClean="0">
+                        <a:rPr lang="en-US" altLang="zh-CN" sz="1400">
                           <a:solidFill>
                             <a:srgbClr val="000000"/>
                           </a:solidFill>
@@ -10394,6 +10610,11 @@
                     </a:lnB>
                   </a:tcPr>
                 </a:tc>
+                <a:extLst>
+                  <a:ext uri="{0D108BD9-81ED-4DB2-BD59-A6C34878D82A}">
+                    <a16:rowId xmlns:a16="http://schemas.microsoft.com/office/drawing/2014/main" val="10006"/>
+                  </a:ext>
+                </a:extLst>
               </a:tr>
               <a:tr h="370840">
                 <a:tc>
@@ -10419,7 +10640,7 @@
                         <a:defRPr/>
                       </a:pPr>
                       <a:r>
-                        <a:rPr lang="en-US" altLang="zh-CN" sz="1400" smtClean="0">
+                        <a:rPr lang="en-US" altLang="zh-CN" sz="1400">
                           <a:solidFill>
                             <a:srgbClr val="5C2699"/>
                           </a:solidFill>
@@ -10428,7 +10649,7 @@
                         <a:t>uint32_t</a:t>
                       </a:r>
                       <a:r>
-                        <a:rPr lang="en-US" altLang="zh-CN" sz="1400" smtClean="0">
+                        <a:rPr lang="en-US" altLang="zh-CN" sz="1400">
                           <a:solidFill>
                             <a:srgbClr val="000000"/>
                           </a:solidFill>
@@ -10478,6 +10699,11 @@
                     </a:lnB>
                   </a:tcPr>
                 </a:tc>
+                <a:extLst>
+                  <a:ext uri="{0D108BD9-81ED-4DB2-BD59-A6C34878D82A}">
+                    <a16:rowId xmlns:a16="http://schemas.microsoft.com/office/drawing/2014/main" val="10007"/>
+                  </a:ext>
+                </a:extLst>
               </a:tr>
               <a:tr h="370840">
                 <a:tc>
@@ -10556,6 +10782,11 @@
                     </a:lnB>
                   </a:tcPr>
                 </a:tc>
+                <a:extLst>
+                  <a:ext uri="{0D108BD9-81ED-4DB2-BD59-A6C34878D82A}">
+                    <a16:rowId xmlns:a16="http://schemas.microsoft.com/office/drawing/2014/main" val="10008"/>
+                  </a:ext>
+                </a:extLst>
               </a:tr>
               <a:tr h="370840">
                 <a:tc>
@@ -10634,6 +10865,11 @@
                     </a:lnB>
                   </a:tcPr>
                 </a:tc>
+                <a:extLst>
+                  <a:ext uri="{0D108BD9-81ED-4DB2-BD59-A6C34878D82A}">
+                    <a16:rowId xmlns:a16="http://schemas.microsoft.com/office/drawing/2014/main" val="10009"/>
+                  </a:ext>
+                </a:extLst>
               </a:tr>
               <a:tr h="370840">
                 <a:tc>
@@ -10712,6 +10948,11 @@
                     </a:lnB>
                   </a:tcPr>
                 </a:tc>
+                <a:extLst>
+                  <a:ext uri="{0D108BD9-81ED-4DB2-BD59-A6C34878D82A}">
+                    <a16:rowId xmlns:a16="http://schemas.microsoft.com/office/drawing/2014/main" val="10010"/>
+                  </a:ext>
+                </a:extLst>
               </a:tr>
             </a:tbl>
           </a:graphicData>
@@ -11966,7 +12207,7 @@
           <p:cNvPr id="4" name="标题 3">
             <a:extLst>
               <a:ext uri="{FF2B5EF4-FFF2-40B4-BE49-F238E27FC236}">
-                <a16:creationId xmlns="" xmlns:a16="http://schemas.microsoft.com/office/drawing/2014/main" id="{5DCC7AE5-7EF9-4964-8408-F84B72D5D253}"/>
+                <a16:creationId xmlns:a16="http://schemas.microsoft.com/office/drawing/2014/main" id="{5DCC7AE5-7EF9-4964-8408-F84B72D5D253}"/>
               </a:ext>
             </a:extLst>
           </p:cNvPr>
@@ -12573,7 +12814,7 @@
           <p:cNvPr id="4" name="标题 3">
             <a:extLst>
               <a:ext uri="{FF2B5EF4-FFF2-40B4-BE49-F238E27FC236}">
-                <a16:creationId xmlns="" xmlns:a16="http://schemas.microsoft.com/office/drawing/2014/main" id="{5DCC7AE5-7EF9-4964-8408-F84B72D5D253}"/>
+                <a16:creationId xmlns:a16="http://schemas.microsoft.com/office/drawing/2014/main" id="{5DCC7AE5-7EF9-4964-8408-F84B72D5D253}"/>
               </a:ext>
             </a:extLst>
           </p:cNvPr>
@@ -12626,7 +12867,7 @@
               <a:buChar char="n"/>
             </a:pPr>
             <a:r>
-              <a:rPr lang="zh-CN" altLang="en-US" sz="1600">
+              <a:rPr lang="zh-CN" altLang="en-US" sz="1600" dirty="0">
                 <a:solidFill>
                   <a:schemeClr val="tx1">
                     <a:lumMod val="65000"/>
@@ -12639,7 +12880,7 @@
               <a:t>使用</a:t>
             </a:r>
             <a:r>
-              <a:rPr lang="en-US" altLang="zh-CN" sz="1600">
+              <a:rPr lang="en-US" altLang="zh-CN" sz="1600" dirty="0" err="1">
                 <a:solidFill>
                   <a:schemeClr val="tx1">
                     <a:lumMod val="65000"/>
@@ -12652,7 +12893,7 @@
               <a:t>CADisplayLink</a:t>
             </a:r>
             <a:r>
-              <a:rPr lang="zh-CN" altLang="en-US" sz="1600">
+              <a:rPr lang="zh-CN" altLang="en-US" sz="1600" dirty="0">
                 <a:solidFill>
                   <a:schemeClr val="tx1">
                     <a:lumMod val="65000"/>
@@ -12665,7 +12906,7 @@
               <a:t>、</a:t>
             </a:r>
             <a:r>
-              <a:rPr lang="en-US" altLang="zh-CN" sz="1600">
+              <a:rPr lang="en-US" altLang="zh-CN" sz="1600" dirty="0" err="1">
                 <a:solidFill>
                   <a:schemeClr val="tx1">
                     <a:lumMod val="65000"/>
@@ -12678,7 +12919,7 @@
               <a:t>NSTimer</a:t>
             </a:r>
             <a:r>
-              <a:rPr lang="zh-CN" altLang="en-US" sz="1600">
+              <a:rPr lang="zh-CN" altLang="en-US" sz="1600" dirty="0">
                 <a:solidFill>
                   <a:schemeClr val="tx1">
                     <a:lumMod val="65000"/>
@@ -12690,7 +12931,7 @@
               </a:rPr>
               <a:t>有什么注意点？</a:t>
             </a:r>
-            <a:endParaRPr lang="en-US" altLang="zh-CN" sz="1600">
+            <a:endParaRPr lang="en-US" altLang="zh-CN" sz="1600" dirty="0">
               <a:solidFill>
                 <a:schemeClr val="tx1">
                   <a:lumMod val="65000"/>
@@ -12709,7 +12950,7 @@
               <a:buFont typeface="Wingdings" charset="2"/>
               <a:buChar char="n"/>
             </a:pPr>
-            <a:endParaRPr lang="en-US" altLang="zh-CN" sz="1600">
+            <a:endParaRPr lang="en-US" altLang="zh-CN" sz="1600" dirty="0">
               <a:solidFill>
                 <a:schemeClr val="tx1">
                   <a:lumMod val="65000"/>
@@ -12729,7 +12970,7 @@
               <a:buChar char="n"/>
             </a:pPr>
             <a:r>
-              <a:rPr lang="zh-CN" altLang="en-US" sz="1600">
+              <a:rPr lang="zh-CN" altLang="en-US" sz="1600" dirty="0">
                 <a:solidFill>
                   <a:schemeClr val="tx1">
                     <a:lumMod val="65000"/>
@@ -12741,7 +12982,7 @@
               </a:rPr>
               <a:t>介绍下内存的几大区域</a:t>
             </a:r>
-            <a:endParaRPr lang="en-US" altLang="zh-CN" sz="1600">
+            <a:endParaRPr lang="en-US" altLang="zh-CN" sz="1600" dirty="0">
               <a:solidFill>
                 <a:schemeClr val="tx1">
                   <a:lumMod val="65000"/>
@@ -12760,7 +13001,7 @@
               <a:buFont typeface="Wingdings" charset="2"/>
               <a:buChar char="n"/>
             </a:pPr>
-            <a:endParaRPr lang="en-US" altLang="zh-CN" sz="1600">
+            <a:endParaRPr lang="en-US" altLang="zh-CN" sz="1600" dirty="0">
               <a:solidFill>
                 <a:schemeClr val="tx1">
                   <a:lumMod val="65000"/>
@@ -12780,7 +13021,7 @@
               <a:buChar char="n"/>
             </a:pPr>
             <a:r>
-              <a:rPr lang="zh-CN" altLang="en-US" sz="1600">
+              <a:rPr lang="zh-CN" altLang="en-US" sz="1600" dirty="0">
                 <a:solidFill>
                   <a:schemeClr val="tx1">
                     <a:lumMod val="65000"/>
@@ -12793,7 +13034,7 @@
               <a:t>讲一下你对 </a:t>
             </a:r>
             <a:r>
-              <a:rPr lang="en-US" altLang="zh-CN" sz="1600">
+              <a:rPr lang="en-US" altLang="zh-CN" sz="1600" dirty="0">
                 <a:solidFill>
                   <a:schemeClr val="tx1">
                     <a:lumMod val="65000"/>
@@ -12806,7 +13047,7 @@
               <a:t>iOS </a:t>
             </a:r>
             <a:r>
-              <a:rPr lang="zh-CN" altLang="en-US" sz="1600">
+              <a:rPr lang="zh-CN" altLang="en-US" sz="1600" dirty="0">
                 <a:solidFill>
                   <a:schemeClr val="tx1">
                     <a:lumMod val="65000"/>
@@ -12818,7 +13059,7 @@
               </a:rPr>
               <a:t>内存管理的理解</a:t>
             </a:r>
-            <a:endParaRPr lang="en-US" altLang="zh-CN" sz="1600">
+            <a:endParaRPr lang="en-US" altLang="zh-CN" sz="1600" dirty="0">
               <a:solidFill>
                 <a:schemeClr val="tx1">
                   <a:lumMod val="65000"/>
@@ -12837,7 +13078,7 @@
               <a:buFont typeface="Wingdings" charset="2"/>
               <a:buChar char="n"/>
             </a:pPr>
-            <a:endParaRPr lang="en-US" altLang="zh-CN" sz="1600">
+            <a:endParaRPr lang="en-US" altLang="zh-CN" sz="1600" dirty="0">
               <a:solidFill>
                 <a:schemeClr val="tx1">
                   <a:lumMod val="65000"/>
@@ -12857,7 +13098,7 @@
               <a:buChar char="n"/>
             </a:pPr>
             <a:r>
-              <a:rPr lang="en-US" altLang="zh-CN" sz="1600">
+              <a:rPr lang="en-US" altLang="zh-CN" sz="1600" dirty="0">
                 <a:solidFill>
                   <a:schemeClr val="tx1">
                     <a:lumMod val="65000"/>
@@ -12870,7 +13111,7 @@
               <a:t>ARC </a:t>
             </a:r>
             <a:r>
-              <a:rPr lang="zh-CN" altLang="en-US" sz="1600">
+              <a:rPr lang="zh-CN" altLang="en-US" sz="1600" dirty="0">
                 <a:solidFill>
                   <a:schemeClr val="tx1">
                     <a:lumMod val="65000"/>
@@ -12882,7 +13123,7 @@
               </a:rPr>
               <a:t>都帮我们做了什么？</a:t>
             </a:r>
-            <a:endParaRPr lang="en-US" altLang="zh-CN" sz="1600">
+            <a:endParaRPr lang="en-US" altLang="zh-CN" sz="1600" dirty="0">
               <a:solidFill>
                 <a:schemeClr val="tx1">
                   <a:lumMod val="65000"/>
@@ -12902,7 +13143,7 @@
               <a:buChar char="p"/>
             </a:pPr>
             <a:r>
-              <a:rPr lang="en-US" altLang="zh-CN" sz="1600">
+              <a:rPr lang="en-US" altLang="zh-CN" sz="1600" dirty="0">
                 <a:solidFill>
                   <a:schemeClr val="tx1">
                     <a:lumMod val="65000"/>
@@ -12915,7 +13156,7 @@
               <a:t>LLVM</a:t>
             </a:r>
             <a:r>
-              <a:rPr lang="zh-CN" altLang="en-US" sz="1600">
+              <a:rPr lang="zh-CN" altLang="en-US" sz="1600" dirty="0">
                 <a:solidFill>
                   <a:schemeClr val="tx1">
                     <a:lumMod val="65000"/>
@@ -12928,7 +13169,7 @@
               <a:t> </a:t>
             </a:r>
             <a:r>
-              <a:rPr lang="en-US" altLang="zh-CN" sz="1600">
+              <a:rPr lang="en-US" altLang="zh-CN" sz="1600" dirty="0">
                 <a:solidFill>
                   <a:schemeClr val="tx1">
                     <a:lumMod val="65000"/>
@@ -12941,7 +13182,7 @@
               <a:t>+</a:t>
             </a:r>
             <a:r>
-              <a:rPr lang="zh-CN" altLang="en-US" sz="1600">
+              <a:rPr lang="zh-CN" altLang="en-US" sz="1600" dirty="0">
                 <a:solidFill>
                   <a:schemeClr val="tx1">
                     <a:lumMod val="65000"/>
@@ -12954,7 +13195,7 @@
               <a:t> </a:t>
             </a:r>
             <a:r>
-              <a:rPr lang="en-US" altLang="zh-CN" sz="1600">
+              <a:rPr lang="en-US" altLang="zh-CN" sz="1600" dirty="0">
                 <a:solidFill>
                   <a:schemeClr val="tx1">
                     <a:lumMod val="65000"/>
@@ -12966,16 +13207,20 @@
               </a:rPr>
               <a:t>Runtime</a:t>
             </a:r>
-          </a:p>
-          <a:p>
-            <a:pPr marL="342900" indent="-342900">
-              <a:lnSpc>
-                <a:spcPts val="2200"/>
-              </a:lnSpc>
-              <a:buFont typeface="Wingdings" charset="2"/>
-              <a:buChar char="n"/>
-            </a:pPr>
-            <a:endParaRPr lang="en-US" altLang="zh-CN" sz="1600">
+            <a:r>
+              <a:rPr lang="zh-CN" altLang="en-US" sz="1600" dirty="0">
+                <a:solidFill>
+                  <a:schemeClr val="tx1">
+                    <a:lumMod val="65000"/>
+                    <a:lumOff val="35000"/>
+                  </a:schemeClr>
+                </a:solidFill>
+                <a:latin typeface="微软雅黑" panose="020B0503020204020204" pitchFamily="34" charset="-122"/>
+                <a:ea typeface="微软雅黑" panose="020B0503020204020204" pitchFamily="34" charset="-122"/>
+              </a:rPr>
+              <a:t>相互协作的结果</a:t>
+            </a:r>
+            <a:endParaRPr lang="en-US" altLang="zh-CN" sz="1600" dirty="0">
               <a:solidFill>
                 <a:schemeClr val="tx1">
                   <a:lumMod val="65000"/>
@@ -12994,33 +13239,7 @@
               <a:buFont typeface="Wingdings" charset="2"/>
               <a:buChar char="n"/>
             </a:pPr>
-            <a:r>
-              <a:rPr lang="en-US" altLang="zh-CN" sz="1600">
-                <a:solidFill>
-                  <a:schemeClr val="tx1">
-                    <a:lumMod val="65000"/>
-                    <a:lumOff val="35000"/>
-                  </a:schemeClr>
-                </a:solidFill>
-                <a:latin typeface="微软雅黑" panose="020B0503020204020204" pitchFamily="34" charset="-122"/>
-                <a:ea typeface="微软雅黑" panose="020B0503020204020204" pitchFamily="34" charset="-122"/>
-              </a:rPr>
-              <a:t>weak</a:t>
-            </a:r>
-            <a:r>
-              <a:rPr lang="zh-CN" altLang="en-US" sz="1600">
-                <a:solidFill>
-                  <a:schemeClr val="tx1">
-                    <a:lumMod val="65000"/>
-                    <a:lumOff val="35000"/>
-                  </a:schemeClr>
-                </a:solidFill>
-                <a:latin typeface="微软雅黑" panose="020B0503020204020204" pitchFamily="34" charset="-122"/>
-                <a:ea typeface="微软雅黑" panose="020B0503020204020204" pitchFamily="34" charset="-122"/>
-              </a:rPr>
-              <a:t>指针的实现原理</a:t>
-            </a:r>
-            <a:endParaRPr lang="en-US" altLang="zh-CN" sz="1600">
+            <a:endParaRPr lang="en-US" altLang="zh-CN" sz="1600" dirty="0">
               <a:solidFill>
                 <a:schemeClr val="tx1">
                   <a:lumMod val="65000"/>
@@ -13039,7 +13258,33 @@
               <a:buFont typeface="Wingdings" charset="2"/>
               <a:buChar char="n"/>
             </a:pPr>
-            <a:endParaRPr lang="en-US" altLang="zh-CN" sz="1600">
+            <a:r>
+              <a:rPr lang="en-US" altLang="zh-CN" sz="1600" dirty="0">
+                <a:solidFill>
+                  <a:schemeClr val="tx1">
+                    <a:lumMod val="65000"/>
+                    <a:lumOff val="35000"/>
+                  </a:schemeClr>
+                </a:solidFill>
+                <a:latin typeface="微软雅黑" panose="020B0503020204020204" pitchFamily="34" charset="-122"/>
+                <a:ea typeface="微软雅黑" panose="020B0503020204020204" pitchFamily="34" charset="-122"/>
+              </a:rPr>
+              <a:t>weak</a:t>
+            </a:r>
+            <a:r>
+              <a:rPr lang="zh-CN" altLang="en-US" sz="1600" dirty="0">
+                <a:solidFill>
+                  <a:schemeClr val="tx1">
+                    <a:lumMod val="65000"/>
+                    <a:lumOff val="35000"/>
+                  </a:schemeClr>
+                </a:solidFill>
+                <a:latin typeface="微软雅黑" panose="020B0503020204020204" pitchFamily="34" charset="-122"/>
+                <a:ea typeface="微软雅黑" panose="020B0503020204020204" pitchFamily="34" charset="-122"/>
+              </a:rPr>
+              <a:t>指针的实现原理</a:t>
+            </a:r>
+            <a:endParaRPr lang="en-US" altLang="zh-CN" sz="1600" dirty="0">
               <a:solidFill>
                 <a:schemeClr val="tx1">
                   <a:lumMod val="65000"/>
@@ -13059,54 +13304,192 @@
               <a:buChar char="n"/>
             </a:pPr>
             <a:r>
-              <a:rPr lang="en-US" altLang="zh-CN" sz="1600">
-                <a:solidFill>
-                  <a:schemeClr val="tx1">
-                    <a:lumMod val="65000"/>
-                    <a:lumOff val="35000"/>
-                  </a:schemeClr>
-                </a:solidFill>
-                <a:latin typeface="微软雅黑" panose="020B0503020204020204" pitchFamily="34" charset="-122"/>
-                <a:ea typeface="微软雅黑" panose="020B0503020204020204" pitchFamily="34" charset="-122"/>
-              </a:rPr>
-              <a:t>autorelease</a:t>
-            </a:r>
-            <a:r>
-              <a:rPr lang="zh-CN" altLang="en-US" sz="1600">
-                <a:solidFill>
-                  <a:schemeClr val="tx1">
-                    <a:lumMod val="65000"/>
-                    <a:lumOff val="35000"/>
-                  </a:schemeClr>
-                </a:solidFill>
-                <a:latin typeface="微软雅黑" panose="020B0503020204020204" pitchFamily="34" charset="-122"/>
-                <a:ea typeface="微软雅黑" panose="020B0503020204020204" pitchFamily="34" charset="-122"/>
-              </a:rPr>
-              <a:t>对象在什么时机会被调用</a:t>
-            </a:r>
-            <a:r>
-              <a:rPr lang="en-US" altLang="zh-CN" sz="1600">
-                <a:solidFill>
-                  <a:schemeClr val="tx1">
-                    <a:lumMod val="65000"/>
-                    <a:lumOff val="35000"/>
-                  </a:schemeClr>
-                </a:solidFill>
-                <a:latin typeface="微软雅黑" panose="020B0503020204020204" pitchFamily="34" charset="-122"/>
-                <a:ea typeface="微软雅黑" panose="020B0503020204020204" pitchFamily="34" charset="-122"/>
-              </a:rPr>
-              <a:t>release</a:t>
-            </a:r>
+              <a:rPr lang="zh-CN" altLang="en-US" sz="1600" dirty="0">
+                <a:solidFill>
+                  <a:schemeClr val="tx1">
+                    <a:lumMod val="65000"/>
+                    <a:lumOff val="35000"/>
+                  </a:schemeClr>
+                </a:solidFill>
+                <a:latin typeface="微软雅黑" panose="020B0503020204020204" pitchFamily="34" charset="-122"/>
+                <a:ea typeface="微软雅黑" panose="020B0503020204020204" pitchFamily="34" charset="-122"/>
+              </a:rPr>
+              <a:t>不对被引用的对象进行</a:t>
+            </a:r>
+            <a:r>
+              <a:rPr lang="en" altLang="zh-CN" sz="1600" dirty="0">
+                <a:solidFill>
+                  <a:schemeClr val="tx1">
+                    <a:lumMod val="65000"/>
+                    <a:lumOff val="35000"/>
+                  </a:schemeClr>
+                </a:solidFill>
+                <a:latin typeface="微软雅黑" panose="020B0503020204020204" pitchFamily="34" charset="-122"/>
+                <a:ea typeface="微软雅黑" panose="020B0503020204020204" pitchFamily="34" charset="-122"/>
+              </a:rPr>
+              <a:t>retain,</a:t>
+            </a:r>
+            <a:r>
+              <a:rPr lang="zh-CN" altLang="en-US" sz="1600" dirty="0">
+                <a:solidFill>
+                  <a:schemeClr val="tx1">
+                    <a:lumMod val="65000"/>
+                    <a:lumOff val="35000"/>
+                  </a:schemeClr>
+                </a:solidFill>
+                <a:latin typeface="微软雅黑" panose="020B0503020204020204" pitchFamily="34" charset="-122"/>
+                <a:ea typeface="微软雅黑" panose="020B0503020204020204" pitchFamily="34" charset="-122"/>
+              </a:rPr>
+              <a:t>而是利用哈希表对</a:t>
+            </a:r>
+            <a:r>
+              <a:rPr lang="en" altLang="zh-CN" sz="1600" dirty="0">
+                <a:solidFill>
+                  <a:schemeClr val="tx1">
+                    <a:lumMod val="65000"/>
+                    <a:lumOff val="35000"/>
+                  </a:schemeClr>
+                </a:solidFill>
+                <a:latin typeface="微软雅黑" panose="020B0503020204020204" pitchFamily="34" charset="-122"/>
+                <a:ea typeface="微软雅黑" panose="020B0503020204020204" pitchFamily="34" charset="-122"/>
+              </a:rPr>
+              <a:t>weak</a:t>
+            </a:r>
+            <a:r>
+              <a:rPr lang="zh-CN" altLang="en-US" sz="1600" dirty="0">
+                <a:solidFill>
+                  <a:schemeClr val="tx1">
+                    <a:lumMod val="65000"/>
+                    <a:lumOff val="35000"/>
+                  </a:schemeClr>
+                </a:solidFill>
+                <a:latin typeface="微软雅黑" panose="020B0503020204020204" pitchFamily="34" charset="-122"/>
+                <a:ea typeface="微软雅黑" panose="020B0503020204020204" pitchFamily="34" charset="-122"/>
+              </a:rPr>
+              <a:t>指针与被指向的对象进行标记、关联。当对象销毁释放内存时通过之前的标记对</a:t>
+            </a:r>
+            <a:r>
+              <a:rPr lang="en" altLang="zh-CN" sz="1600" dirty="0">
+                <a:solidFill>
+                  <a:schemeClr val="tx1">
+                    <a:lumMod val="65000"/>
+                    <a:lumOff val="35000"/>
+                  </a:schemeClr>
+                </a:solidFill>
+                <a:latin typeface="微软雅黑" panose="020B0503020204020204" pitchFamily="34" charset="-122"/>
+                <a:ea typeface="微软雅黑" panose="020B0503020204020204" pitchFamily="34" charset="-122"/>
+              </a:rPr>
+              <a:t>weak</a:t>
+            </a:r>
+            <a:r>
+              <a:rPr lang="zh-CN" altLang="en-US" sz="1600" dirty="0">
+                <a:solidFill>
+                  <a:schemeClr val="tx1">
+                    <a:lumMod val="65000"/>
+                    <a:lumOff val="35000"/>
+                  </a:schemeClr>
+                </a:solidFill>
+                <a:latin typeface="微软雅黑" panose="020B0503020204020204" pitchFamily="34" charset="-122"/>
+                <a:ea typeface="微软雅黑" panose="020B0503020204020204" pitchFamily="34" charset="-122"/>
+              </a:rPr>
+              <a:t>指针地址进行查找</a:t>
+            </a:r>
+            <a:r>
+              <a:rPr lang="en-US" altLang="zh-CN" sz="1600" dirty="0">
+                <a:solidFill>
+                  <a:schemeClr val="tx1">
+                    <a:lumMod val="65000"/>
+                    <a:lumOff val="35000"/>
+                  </a:schemeClr>
+                </a:solidFill>
+                <a:latin typeface="微软雅黑" panose="020B0503020204020204" pitchFamily="34" charset="-122"/>
+                <a:ea typeface="微软雅黑" panose="020B0503020204020204" pitchFamily="34" charset="-122"/>
+              </a:rPr>
+              <a:t>,</a:t>
+            </a:r>
+            <a:r>
+              <a:rPr lang="zh-CN" altLang="en-US" sz="1600" dirty="0">
+                <a:solidFill>
+                  <a:schemeClr val="tx1">
+                    <a:lumMod val="65000"/>
+                    <a:lumOff val="35000"/>
+                  </a:schemeClr>
+                </a:solidFill>
+                <a:latin typeface="微软雅黑" panose="020B0503020204020204" pitchFamily="34" charset="-122"/>
+                <a:ea typeface="微软雅黑" panose="020B0503020204020204" pitchFamily="34" charset="-122"/>
+              </a:rPr>
+              <a:t>最后把</a:t>
+            </a:r>
+            <a:r>
+              <a:rPr lang="en" altLang="zh-CN" sz="1600" dirty="0">
+                <a:solidFill>
+                  <a:schemeClr val="tx1">
+                    <a:lumMod val="65000"/>
+                    <a:lumOff val="35000"/>
+                  </a:schemeClr>
+                </a:solidFill>
+                <a:latin typeface="微软雅黑" panose="020B0503020204020204" pitchFamily="34" charset="-122"/>
+                <a:ea typeface="微软雅黑" panose="020B0503020204020204" pitchFamily="34" charset="-122"/>
+              </a:rPr>
+              <a:t>weak</a:t>
+            </a:r>
+            <a:r>
+              <a:rPr lang="zh-CN" altLang="en-US" sz="1600" dirty="0">
+                <a:solidFill>
+                  <a:schemeClr val="tx1">
+                    <a:lumMod val="65000"/>
+                    <a:lumOff val="35000"/>
+                  </a:schemeClr>
+                </a:solidFill>
+                <a:latin typeface="微软雅黑" panose="020B0503020204020204" pitchFamily="34" charset="-122"/>
+                <a:ea typeface="微软雅黑" panose="020B0503020204020204" pitchFamily="34" charset="-122"/>
+              </a:rPr>
+              <a:t>指针的指向置为</a:t>
+            </a:r>
+            <a:r>
+              <a:rPr lang="en" altLang="zh-CN" sz="1600" dirty="0">
+                <a:solidFill>
+                  <a:schemeClr val="tx1">
+                    <a:lumMod val="65000"/>
+                    <a:lumOff val="35000"/>
+                  </a:schemeClr>
+                </a:solidFill>
+                <a:latin typeface="微软雅黑" panose="020B0503020204020204" pitchFamily="34" charset="-122"/>
+                <a:ea typeface="微软雅黑" panose="020B0503020204020204" pitchFamily="34" charset="-122"/>
+              </a:rPr>
+              <a:t>nil</a:t>
+            </a:r>
+            <a:r>
+              <a:rPr lang="zh-CN" altLang="en-US" sz="1600" dirty="0">
+                <a:solidFill>
+                  <a:schemeClr val="tx1">
+                    <a:lumMod val="65000"/>
+                    <a:lumOff val="35000"/>
+                  </a:schemeClr>
+                </a:solidFill>
+                <a:latin typeface="微软雅黑" panose="020B0503020204020204" pitchFamily="34" charset="-122"/>
+                <a:ea typeface="微软雅黑" panose="020B0503020204020204" pitchFamily="34" charset="-122"/>
+              </a:rPr>
+              <a:t>。</a:t>
+            </a:r>
+            <a:endParaRPr lang="en-US" altLang="zh-CN" sz="1600" dirty="0">
+              <a:solidFill>
+                <a:schemeClr val="tx1">
+                  <a:lumMod val="65000"/>
+                  <a:lumOff val="35000"/>
+                </a:schemeClr>
+              </a:solidFill>
+              <a:latin typeface="微软雅黑" panose="020B0503020204020204" pitchFamily="34" charset="-122"/>
+              <a:ea typeface="微软雅黑" panose="020B0503020204020204" pitchFamily="34" charset="-122"/>
+            </a:endParaRPr>
           </a:p>
           <a:p>
-            <a:pPr marL="342900" indent="-342900">
+            <a:pPr>
               <a:lnSpc>
                 <a:spcPts val="2200"/>
               </a:lnSpc>
-              <a:buFont typeface="Wingdings" charset="2"/>
-              <a:buChar char="n"/>
             </a:pPr>
-            <a:endParaRPr lang="en-US" altLang="zh-CN" sz="1600">
+            <a:endParaRPr lang="en-US" altLang="zh-CN" sz="1600" dirty="0">
               <a:solidFill>
                 <a:schemeClr val="tx1">
                   <a:lumMod val="65000"/>
@@ -13126,17 +13509,43 @@
               <a:buChar char="n"/>
             </a:pPr>
             <a:r>
-              <a:rPr lang="zh-CN" altLang="en-US" sz="1600">
-                <a:solidFill>
-                  <a:schemeClr val="tx1">
-                    <a:lumMod val="65000"/>
-                    <a:lumOff val="35000"/>
-                  </a:schemeClr>
-                </a:solidFill>
-                <a:latin typeface="微软雅黑" panose="020B0503020204020204" pitchFamily="34" charset="-122"/>
-                <a:ea typeface="微软雅黑" panose="020B0503020204020204" pitchFamily="34" charset="-122"/>
-              </a:rPr>
-              <a:t>方法里有局部对象， 出了方法后会立即释放吗</a:t>
+              <a:rPr lang="en-US" altLang="zh-CN" sz="1600" dirty="0" err="1">
+                <a:solidFill>
+                  <a:schemeClr val="tx1">
+                    <a:lumMod val="65000"/>
+                    <a:lumOff val="35000"/>
+                  </a:schemeClr>
+                </a:solidFill>
+                <a:latin typeface="微软雅黑" panose="020B0503020204020204" pitchFamily="34" charset="-122"/>
+                <a:ea typeface="微软雅黑" panose="020B0503020204020204" pitchFamily="34" charset="-122"/>
+              </a:rPr>
+              <a:t>autorelease</a:t>
+            </a:r>
+            <a:r>
+              <a:rPr lang="zh-CN" altLang="en-US" sz="1600" dirty="0">
+                <a:solidFill>
+                  <a:schemeClr val="tx1">
+                    <a:lumMod val="65000"/>
+                    <a:lumOff val="35000"/>
+                  </a:schemeClr>
+                </a:solidFill>
+                <a:latin typeface="微软雅黑" panose="020B0503020204020204" pitchFamily="34" charset="-122"/>
+                <a:ea typeface="微软雅黑" panose="020B0503020204020204" pitchFamily="34" charset="-122"/>
+              </a:rPr>
+              <a:t>对象在什么时机会被调用</a:t>
+            </a:r>
+            <a:r>
+              <a:rPr lang="en-US" altLang="zh-CN" sz="1600" dirty="0">
+                <a:solidFill>
+                  <a:schemeClr val="tx1">
+                    <a:lumMod val="65000"/>
+                    <a:lumOff val="35000"/>
+                  </a:schemeClr>
+                </a:solidFill>
+                <a:latin typeface="微软雅黑" panose="020B0503020204020204" pitchFamily="34" charset="-122"/>
+                <a:ea typeface="微软雅黑" panose="020B0503020204020204" pitchFamily="34" charset="-122"/>
+              </a:rPr>
+              <a:t>release</a:t>
             </a:r>
           </a:p>
           <a:p>
@@ -13147,7 +13556,7 @@
               <a:buFont typeface="Wingdings" charset="2"/>
               <a:buChar char="n"/>
             </a:pPr>
-            <a:endParaRPr lang="en-US" altLang="zh-CN" sz="1600">
+            <a:endParaRPr lang="en-US" altLang="zh-CN" sz="1600" dirty="0">
               <a:solidFill>
                 <a:schemeClr val="tx1">
                   <a:lumMod val="65000"/>
@@ -13166,7 +13575,48 @@
               <a:buFont typeface="Wingdings" charset="2"/>
               <a:buChar char="n"/>
             </a:pPr>
-            <a:endParaRPr lang="zh-CN" altLang="en-US" sz="1600">
+            <a:r>
+              <a:rPr lang="zh-CN" altLang="en-US" sz="1600" dirty="0">
+                <a:solidFill>
+                  <a:schemeClr val="tx1">
+                    <a:lumMod val="65000"/>
+                    <a:lumOff val="35000"/>
+                  </a:schemeClr>
+                </a:solidFill>
+                <a:latin typeface="微软雅黑" panose="020B0503020204020204" pitchFamily="34" charset="-122"/>
+                <a:ea typeface="微软雅黑" panose="020B0503020204020204" pitchFamily="34" charset="-122"/>
+              </a:rPr>
+              <a:t>方法里有局部对象， 出了方法后会立即释放吗</a:t>
+            </a:r>
+          </a:p>
+          <a:p>
+            <a:pPr marL="342900" indent="-342900">
+              <a:lnSpc>
+                <a:spcPts val="2200"/>
+              </a:lnSpc>
+              <a:buFont typeface="Wingdings" charset="2"/>
+              <a:buChar char="n"/>
+            </a:pPr>
+            <a:endParaRPr lang="en-US" altLang="zh-CN" sz="1600" dirty="0">
+              <a:solidFill>
+                <a:schemeClr val="tx1">
+                  <a:lumMod val="65000"/>
+                  <a:lumOff val="35000"/>
+                </a:schemeClr>
+              </a:solidFill>
+              <a:latin typeface="微软雅黑" panose="020B0503020204020204" pitchFamily="34" charset="-122"/>
+              <a:ea typeface="微软雅黑" panose="020B0503020204020204" pitchFamily="34" charset="-122"/>
+            </a:endParaRPr>
+          </a:p>
+          <a:p>
+            <a:pPr marL="342900" indent="-342900">
+              <a:lnSpc>
+                <a:spcPts val="2200"/>
+              </a:lnSpc>
+              <a:buFont typeface="Wingdings" charset="2"/>
+              <a:buChar char="n"/>
+            </a:pPr>
+            <a:endParaRPr lang="zh-CN" altLang="en-US" sz="1600" dirty="0">
               <a:solidFill>
                 <a:schemeClr val="tx1">
                   <a:lumMod val="65000"/>
@@ -13591,7 +14041,7 @@
                                         <p:tgtEl>
                                           <p:spTgt spid="44">
                                             <p:txEl>
-                                              <p:pRg st="11" end="11"/>
+                                              <p:pRg st="10" end="10"/>
                                             </p:txEl>
                                           </p:spTgt>
                                         </p:tgtEl>
@@ -13609,7 +14059,7 @@
                                         <p:tgtEl>
                                           <p:spTgt spid="44">
                                             <p:txEl>
-                                              <p:pRg st="11" end="11"/>
+                                              <p:pRg st="10" end="10"/>
                                             </p:txEl>
                                           </p:spTgt>
                                         </p:tgtEl>
@@ -13652,7 +14102,7 @@
                                         <p:tgtEl>
                                           <p:spTgt spid="44">
                                             <p:txEl>
-                                              <p:pRg st="13" end="13"/>
+                                              <p:pRg st="12" end="12"/>
                                             </p:txEl>
                                           </p:spTgt>
                                         </p:tgtEl>
@@ -13670,7 +14120,68 @@
                                         <p:tgtEl>
                                           <p:spTgt spid="44">
                                             <p:txEl>
-                                              <p:pRg st="13" end="13"/>
+                                              <p:pRg st="12" end="12"/>
+                                            </p:txEl>
+                                          </p:spTgt>
+                                        </p:tgtEl>
+                                      </p:cBhvr>
+                                    </p:animEffect>
+                                  </p:childTnLst>
+                                </p:cTn>
+                              </p:par>
+                            </p:childTnLst>
+                          </p:cTn>
+                        </p:par>
+                      </p:childTnLst>
+                    </p:cTn>
+                  </p:par>
+                  <p:par>
+                    <p:cTn id="43" fill="hold">
+                      <p:stCondLst>
+                        <p:cond delay="indefinite"/>
+                      </p:stCondLst>
+                      <p:childTnLst>
+                        <p:par>
+                          <p:cTn id="44" fill="hold">
+                            <p:stCondLst>
+                              <p:cond delay="0"/>
+                            </p:stCondLst>
+                            <p:childTnLst>
+                              <p:par>
+                                <p:cTn id="45" presetID="22" presetClass="entr" presetSubtype="8" fill="hold" nodeType="clickEffect">
+                                  <p:stCondLst>
+                                    <p:cond delay="0"/>
+                                  </p:stCondLst>
+                                  <p:childTnLst>
+                                    <p:set>
+                                      <p:cBhvr>
+                                        <p:cTn id="46" dur="1" fill="hold">
+                                          <p:stCondLst>
+                                            <p:cond delay="0"/>
+                                          </p:stCondLst>
+                                        </p:cTn>
+                                        <p:tgtEl>
+                                          <p:spTgt spid="44">
+                                            <p:txEl>
+                                              <p:pRg st="14" end="14"/>
+                                            </p:txEl>
+                                          </p:spTgt>
+                                        </p:tgtEl>
+                                        <p:attrNameLst>
+                                          <p:attrName>style.visibility</p:attrName>
+                                        </p:attrNameLst>
+                                      </p:cBhvr>
+                                      <p:to>
+                                        <p:strVal val="visible"/>
+                                      </p:to>
+                                    </p:set>
+                                    <p:animEffect transition="in" filter="wipe(left)">
+                                      <p:cBhvr>
+                                        <p:cTn id="47" dur="500"/>
+                                        <p:tgtEl>
+                                          <p:spTgt spid="44">
+                                            <p:txEl>
+                                              <p:pRg st="14" end="14"/>
                                             </p:txEl>
                                           </p:spTgt>
                                         </p:tgtEl>
@@ -13732,7 +14243,7 @@
           <p:cNvPr id="4" name="标题 3">
             <a:extLst>
               <a:ext uri="{FF2B5EF4-FFF2-40B4-BE49-F238E27FC236}">
-                <a16:creationId xmlns="" xmlns:a16="http://schemas.microsoft.com/office/drawing/2014/main" id="{5DCC7AE5-7EF9-4964-8408-F84B72D5D253}"/>
+                <a16:creationId xmlns:a16="http://schemas.microsoft.com/office/drawing/2014/main" id="{5DCC7AE5-7EF9-4964-8408-F84B72D5D253}"/>
               </a:ext>
             </a:extLst>
           </p:cNvPr>
@@ -14551,7 +15062,7 @@
           <p:cNvPr id="4" name="标题 3">
             <a:extLst>
               <a:ext uri="{FF2B5EF4-FFF2-40B4-BE49-F238E27FC236}">
-                <a16:creationId xmlns="" xmlns:a16="http://schemas.microsoft.com/office/drawing/2014/main" id="{5DCC7AE5-7EF9-4964-8408-F84B72D5D253}"/>
+                <a16:creationId xmlns:a16="http://schemas.microsoft.com/office/drawing/2014/main" id="{5DCC7AE5-7EF9-4964-8408-F84B72D5D253}"/>
               </a:ext>
             </a:extLst>
           </p:cNvPr>
@@ -14568,19 +15079,19 @@
           <a:lstStyle/>
           <a:p>
             <a:r>
-              <a:rPr lang="en-US" altLang="zh-CN"/>
+              <a:rPr lang="en-US" altLang="zh-CN" dirty="0" err="1"/>
               <a:t>CADisplayLink</a:t>
             </a:r>
             <a:r>
-              <a:rPr lang="zh-CN" altLang="en-US"/>
+              <a:rPr lang="zh-CN" altLang="en-US" dirty="0"/>
               <a:t>、</a:t>
             </a:r>
             <a:r>
-              <a:rPr lang="en-US" altLang="zh-CN"/>
+              <a:rPr lang="en-US" altLang="zh-CN" dirty="0" err="1"/>
               <a:t>NSTimer</a:t>
             </a:r>
             <a:r>
-              <a:rPr lang="zh-CN" altLang="en-US"/>
+              <a:rPr lang="zh-CN" altLang="en-US" dirty="0"/>
               <a:t>使用注意</a:t>
             </a:r>
           </a:p>
@@ -14616,7 +15127,7 @@
               <a:buChar char="n"/>
             </a:pPr>
             <a:r>
-              <a:rPr lang="en-US" altLang="zh-CN" sz="1600">
+              <a:rPr lang="en-US" altLang="zh-CN" sz="1600" dirty="0" err="1">
                 <a:solidFill>
                   <a:schemeClr val="tx1">
                     <a:lumMod val="65000"/>
@@ -14629,7 +15140,7 @@
               <a:t>CADisplayLink</a:t>
             </a:r>
             <a:r>
-              <a:rPr lang="zh-CN" altLang="en-US" sz="1600">
+              <a:rPr lang="zh-CN" altLang="en-US" sz="1600" dirty="0">
                 <a:solidFill>
                   <a:schemeClr val="tx1">
                     <a:lumMod val="65000"/>
@@ -14642,7 +15153,7 @@
               <a:t>、</a:t>
             </a:r>
             <a:r>
-              <a:rPr lang="en-US" altLang="zh-CN" sz="1600">
+              <a:rPr lang="en-US" altLang="zh-CN" sz="1600" dirty="0" err="1">
                 <a:solidFill>
                   <a:schemeClr val="tx1">
                     <a:lumMod val="65000"/>
@@ -14655,7 +15166,7 @@
               <a:t>NSTimer</a:t>
             </a:r>
             <a:r>
-              <a:rPr lang="zh-CN" altLang="en-US" sz="1600">
+              <a:rPr lang="zh-CN" altLang="en-US" sz="1600" dirty="0">
                 <a:solidFill>
                   <a:schemeClr val="tx1">
                     <a:lumMod val="65000"/>
@@ -14668,7 +15179,7 @@
               <a:t>会对</a:t>
             </a:r>
             <a:r>
-              <a:rPr lang="en-US" altLang="zh-CN" sz="1600">
+              <a:rPr lang="en-US" altLang="zh-CN" sz="1600" dirty="0">
                 <a:solidFill>
                   <a:schemeClr val="tx1">
                     <a:lumMod val="65000"/>
@@ -14681,7 +15192,7 @@
               <a:t>target</a:t>
             </a:r>
             <a:r>
-              <a:rPr lang="zh-CN" altLang="en-US" sz="1600">
+              <a:rPr lang="zh-CN" altLang="en-US" sz="1600" dirty="0">
                 <a:solidFill>
                   <a:schemeClr val="tx1">
                     <a:lumMod val="65000"/>
@@ -14694,7 +15205,7 @@
               <a:t>产生强引用，如果</a:t>
             </a:r>
             <a:r>
-              <a:rPr lang="en-US" altLang="zh-CN" sz="1600">
+              <a:rPr lang="en-US" altLang="zh-CN" sz="1600" dirty="0">
                 <a:solidFill>
                   <a:schemeClr val="tx1">
                     <a:lumMod val="65000"/>
@@ -14707,7 +15218,7 @@
               <a:t>target</a:t>
             </a:r>
             <a:r>
-              <a:rPr lang="zh-CN" altLang="en-US" sz="1600">
+              <a:rPr lang="zh-CN" altLang="en-US" sz="1600" dirty="0">
                 <a:solidFill>
                   <a:schemeClr val="tx1">
                     <a:lumMod val="65000"/>
@@ -14719,7 +15230,7 @@
               </a:rPr>
               <a:t>又对它们产生强引用，那么就会引发循环引用</a:t>
             </a:r>
-            <a:endParaRPr lang="en-US" altLang="zh-CN" sz="1600">
+            <a:endParaRPr lang="en-US" altLang="zh-CN" sz="1600" dirty="0">
               <a:solidFill>
                 <a:schemeClr val="tx1">
                   <a:lumMod val="65000"/>
@@ -14738,7 +15249,7 @@
               <a:buFont typeface="Wingdings" charset="2"/>
               <a:buChar char="n"/>
             </a:pPr>
-            <a:endParaRPr lang="en-US" altLang="zh-CN" sz="1600">
+            <a:endParaRPr lang="en-US" altLang="zh-CN" sz="1600" dirty="0">
               <a:solidFill>
                 <a:schemeClr val="tx1">
                   <a:lumMod val="65000"/>
@@ -14758,7 +15269,7 @@
               <a:buChar char="n"/>
             </a:pPr>
             <a:r>
-              <a:rPr lang="zh-CN" altLang="en-US" sz="1600">
+              <a:rPr lang="zh-CN" altLang="en-US" sz="1600" dirty="0">
                 <a:solidFill>
                   <a:schemeClr val="tx1">
                     <a:lumMod val="65000"/>
@@ -14770,7 +15281,7 @@
               </a:rPr>
               <a:t>解决方案</a:t>
             </a:r>
-            <a:endParaRPr lang="en-US" altLang="zh-CN" sz="1600">
+            <a:endParaRPr lang="en-US" altLang="zh-CN" sz="1600" dirty="0">
               <a:solidFill>
                 <a:schemeClr val="tx1">
                   <a:lumMod val="65000"/>
@@ -14790,7 +15301,7 @@
               <a:buChar char="p"/>
             </a:pPr>
             <a:r>
-              <a:rPr lang="zh-CN" altLang="en-US" sz="1600">
+              <a:rPr lang="zh-CN" altLang="en-US" sz="1600" dirty="0">
                 <a:solidFill>
                   <a:schemeClr val="tx1">
                     <a:lumMod val="65000"/>
@@ -14803,7 +15314,7 @@
               <a:t>使用</a:t>
             </a:r>
             <a:r>
-              <a:rPr lang="en-US" altLang="zh-CN" sz="1600">
+              <a:rPr lang="en-US" altLang="zh-CN" sz="1600" dirty="0">
                 <a:solidFill>
                   <a:schemeClr val="tx1">
                     <a:lumMod val="65000"/>
@@ -14815,7 +15326,7 @@
               </a:rPr>
               <a:t>block</a:t>
             </a:r>
-            <a:endParaRPr lang="zh-CN" altLang="en-US" sz="1600">
+            <a:endParaRPr lang="zh-CN" altLang="en-US" sz="1600" dirty="0">
               <a:solidFill>
                 <a:schemeClr val="tx1">
                   <a:lumMod val="65000"/>
@@ -14858,7 +15369,7 @@
               <a:buChar char="p"/>
             </a:pPr>
             <a:r>
-              <a:rPr lang="zh-CN" altLang="en-US" sz="1600">
+              <a:rPr lang="zh-CN" altLang="en-US" sz="1600" dirty="0">
                 <a:solidFill>
                   <a:schemeClr val="tx1">
                     <a:lumMod val="65000"/>
@@ -14871,7 +15382,7 @@
               <a:t>使用代理对象（</a:t>
             </a:r>
             <a:r>
-              <a:rPr lang="en-US" altLang="zh-CN" sz="1600">
+              <a:rPr lang="en-US" altLang="zh-CN" sz="1600" dirty="0" err="1">
                 <a:solidFill>
                   <a:schemeClr val="tx1">
                     <a:lumMod val="65000"/>
@@ -14884,7 +15395,7 @@
               <a:t>NSProxy</a:t>
             </a:r>
             <a:r>
-              <a:rPr lang="zh-CN" altLang="en-US" sz="1600">
+              <a:rPr lang="zh-CN" altLang="en-US" sz="1600" dirty="0">
                 <a:solidFill>
                   <a:schemeClr val="tx1">
                     <a:lumMod val="65000"/>
@@ -15758,13 +16269,6 @@
   <p:clrMapOvr>
     <a:masterClrMapping/>
   </p:clrMapOvr>
-  <p:timing>
-    <p:tnLst>
-      <p:par>
-        <p:cTn id="1" dur="indefinite" restart="never" nodeType="tmRoot"/>
-      </p:par>
-    </p:tnLst>
-  </p:timing>
 </p:sld>
 </file>
 
@@ -15790,7 +16294,7 @@
           <p:cNvPr id="4" name="标题 3">
             <a:extLst>
               <a:ext uri="{FF2B5EF4-FFF2-40B4-BE49-F238E27FC236}">
-                <a16:creationId xmlns="" xmlns:a16="http://schemas.microsoft.com/office/drawing/2014/main" id="{5DCC7AE5-7EF9-4964-8408-F84B72D5D253}"/>
+                <a16:creationId xmlns:a16="http://schemas.microsoft.com/office/drawing/2014/main" id="{5DCC7AE5-7EF9-4964-8408-F84B72D5D253}"/>
               </a:ext>
             </a:extLst>
           </p:cNvPr>
@@ -15847,7 +16351,7 @@
               <a:buChar char="n"/>
             </a:pPr>
             <a:r>
-              <a:rPr lang="en-US" altLang="zh-CN" sz="1600">
+              <a:rPr lang="en-US" altLang="zh-CN" sz="1600" dirty="0" err="1">
                 <a:solidFill>
                   <a:schemeClr val="tx1">
                     <a:lumMod val="65000"/>
@@ -15860,7 +16364,7 @@
               <a:t>NSTimer</a:t>
             </a:r>
             <a:r>
-              <a:rPr lang="zh-CN" altLang="en-US" sz="1600">
+              <a:rPr lang="zh-CN" altLang="en-US" sz="1600" dirty="0">
                 <a:solidFill>
                   <a:schemeClr val="tx1">
                     <a:lumMod val="65000"/>
@@ -15873,7 +16377,7 @@
               <a:t>依赖于</a:t>
             </a:r>
             <a:r>
-              <a:rPr lang="en-US" altLang="zh-CN" sz="1600">
+              <a:rPr lang="en-US" altLang="zh-CN" sz="1600" dirty="0" err="1">
                 <a:solidFill>
                   <a:schemeClr val="tx1">
                     <a:lumMod val="65000"/>
@@ -15886,7 +16390,7 @@
               <a:t>RunLoop</a:t>
             </a:r>
             <a:r>
-              <a:rPr lang="zh-CN" altLang="en-US" sz="1600">
+              <a:rPr lang="zh-CN" altLang="en-US" sz="1600" dirty="0">
                 <a:solidFill>
                   <a:schemeClr val="tx1">
                     <a:lumMod val="65000"/>
@@ -15899,7 +16403,7 @@
               <a:t>，如果</a:t>
             </a:r>
             <a:r>
-              <a:rPr lang="en-US" altLang="zh-CN" sz="1600">
+              <a:rPr lang="en-US" altLang="zh-CN" sz="1600" dirty="0" err="1">
                 <a:solidFill>
                   <a:schemeClr val="tx1">
                     <a:lumMod val="65000"/>
@@ -15912,7 +16416,7 @@
               <a:t>RunLoop</a:t>
             </a:r>
             <a:r>
-              <a:rPr lang="zh-CN" altLang="en-US" sz="1600">
+              <a:rPr lang="zh-CN" altLang="en-US" sz="1600" dirty="0">
                 <a:solidFill>
                   <a:schemeClr val="tx1">
                     <a:lumMod val="65000"/>
@@ -15925,7 +16429,7 @@
               <a:t>的任务过于繁重，可能会导致</a:t>
             </a:r>
             <a:r>
-              <a:rPr lang="en-US" altLang="zh-CN" sz="1600">
+              <a:rPr lang="en-US" altLang="zh-CN" sz="1600" dirty="0" err="1">
                 <a:solidFill>
                   <a:schemeClr val="tx1">
                     <a:lumMod val="65000"/>
@@ -15938,7 +16442,7 @@
               <a:t>NSTimer</a:t>
             </a:r>
             <a:r>
-              <a:rPr lang="zh-CN" altLang="en-US" sz="1600">
+              <a:rPr lang="zh-CN" altLang="en-US" sz="1600" dirty="0">
                 <a:solidFill>
                   <a:schemeClr val="tx1">
                     <a:lumMod val="65000"/>
@@ -15950,7 +16454,7 @@
               </a:rPr>
               <a:t>不准时</a:t>
             </a:r>
-            <a:endParaRPr lang="en-US" altLang="zh-CN" sz="1600">
+            <a:endParaRPr lang="en-US" altLang="zh-CN" sz="1600" dirty="0">
               <a:solidFill>
                 <a:schemeClr val="tx1">
                   <a:lumMod val="65000"/>
@@ -15969,7 +16473,7 @@
               <a:buFont typeface="Wingdings" charset="2"/>
               <a:buChar char="n"/>
             </a:pPr>
-            <a:endParaRPr lang="en-US" altLang="zh-CN" sz="1600">
+            <a:endParaRPr lang="en-US" altLang="zh-CN" sz="1600" dirty="0">
               <a:solidFill>
                 <a:schemeClr val="tx1">
                   <a:lumMod val="65000"/>
@@ -15989,7 +16493,7 @@
               <a:buChar char="n"/>
             </a:pPr>
             <a:r>
-              <a:rPr lang="zh-CN" altLang="en-US" sz="1600">
+              <a:rPr lang="zh-CN" altLang="en-US" sz="1600" dirty="0">
                 <a:solidFill>
                   <a:schemeClr val="tx1">
                     <a:lumMod val="65000"/>
@@ -16002,7 +16506,7 @@
               <a:t>而</a:t>
             </a:r>
             <a:r>
-              <a:rPr lang="en-US" altLang="zh-CN" sz="1600">
+              <a:rPr lang="en-US" altLang="zh-CN" sz="1600" dirty="0">
                 <a:solidFill>
                   <a:schemeClr val="tx1">
                     <a:lumMod val="65000"/>
@@ -16015,7 +16519,7 @@
               <a:t>GCD</a:t>
             </a:r>
             <a:r>
-              <a:rPr lang="zh-CN" altLang="en-US" sz="1600">
+              <a:rPr lang="zh-CN" altLang="en-US" sz="1600" dirty="0">
                 <a:solidFill>
                   <a:schemeClr val="tx1">
                     <a:lumMod val="65000"/>
@@ -16291,7 +16795,7 @@
           <p:cNvPr id="4" name="标题 3">
             <a:extLst>
               <a:ext uri="{FF2B5EF4-FFF2-40B4-BE49-F238E27FC236}">
-                <a16:creationId xmlns="" xmlns:a16="http://schemas.microsoft.com/office/drawing/2014/main" id="{5DCC7AE5-7EF9-4964-8408-F84B72D5D253}"/>
+                <a16:creationId xmlns:a16="http://schemas.microsoft.com/office/drawing/2014/main" id="{5DCC7AE5-7EF9-4964-8408-F84B72D5D253}"/>
               </a:ext>
             </a:extLst>
           </p:cNvPr>
@@ -16840,7 +17344,7 @@
           <a:p>
             <a:pPr algn="ctr"/>
             <a:r>
-              <a:rPr kumimoji="1" lang="zh-CN" altLang="en-US"/>
+              <a:rPr kumimoji="1" lang="zh-CN" altLang="en-US" dirty="0"/>
               <a:t>内核区</a:t>
             </a:r>
           </a:p>
@@ -18270,7 +18774,7 @@
           <p:cNvPr id="4" name="标题 3">
             <a:extLst>
               <a:ext uri="{FF2B5EF4-FFF2-40B4-BE49-F238E27FC236}">
-                <a16:creationId xmlns="" xmlns:a16="http://schemas.microsoft.com/office/drawing/2014/main" id="{5DCC7AE5-7EF9-4964-8408-F84B72D5D253}"/>
+                <a16:creationId xmlns:a16="http://schemas.microsoft.com/office/drawing/2014/main" id="{5DCC7AE5-7EF9-4964-8408-F84B72D5D253}"/>
               </a:ext>
             </a:extLst>
           </p:cNvPr>
@@ -18323,7 +18827,7 @@
               <a:buChar char="n"/>
             </a:pPr>
             <a:r>
-              <a:rPr lang="zh-CN" altLang="en-US" sz="1600">
+              <a:rPr lang="zh-CN" altLang="en-US" sz="1600" dirty="0">
                 <a:solidFill>
                   <a:schemeClr val="tx1">
                     <a:lumMod val="65000"/>
@@ -18336,7 +18840,7 @@
               <a:t>从</a:t>
             </a:r>
             <a:r>
-              <a:rPr lang="en-US" altLang="zh-CN" sz="1600">
+              <a:rPr lang="en-US" altLang="zh-CN" sz="1600" dirty="0">
                 <a:solidFill>
                   <a:schemeClr val="tx1">
                     <a:lumMod val="65000"/>
@@ -18349,7 +18853,7 @@
               <a:t>64bit</a:t>
             </a:r>
             <a:r>
-              <a:rPr lang="zh-CN" altLang="en-US" sz="1600">
+              <a:rPr lang="zh-CN" altLang="en-US" sz="1600" dirty="0">
                 <a:solidFill>
                   <a:schemeClr val="tx1">
                     <a:lumMod val="65000"/>
@@ -18362,7 +18866,7 @@
               <a:t>开始，</a:t>
             </a:r>
             <a:r>
-              <a:rPr lang="en-US" altLang="zh-CN" sz="1600">
+              <a:rPr lang="en-US" altLang="zh-CN" sz="1600" dirty="0">
                 <a:solidFill>
                   <a:schemeClr val="tx1">
                     <a:lumMod val="65000"/>
@@ -18375,7 +18879,7 @@
               <a:t>iOS</a:t>
             </a:r>
             <a:r>
-              <a:rPr lang="zh-CN" altLang="en-US" sz="1600">
+              <a:rPr lang="zh-CN" altLang="en-US" sz="1600" dirty="0">
                 <a:solidFill>
                   <a:schemeClr val="tx1">
                     <a:lumMod val="65000"/>
@@ -18388,7 +18892,7 @@
               <a:t>引入了</a:t>
             </a:r>
             <a:r>
-              <a:rPr lang="en-US" altLang="zh-CN" sz="1600">
+              <a:rPr lang="en-US" altLang="zh-CN" sz="1600" dirty="0">
                 <a:solidFill>
                   <a:schemeClr val="tx1">
                     <a:lumMod val="65000"/>
@@ -18401,7 +18905,7 @@
               <a:t>Tagged</a:t>
             </a:r>
             <a:r>
-              <a:rPr lang="zh-CN" altLang="en-US" sz="1600">
+              <a:rPr lang="zh-CN" altLang="en-US" sz="1600" dirty="0">
                 <a:solidFill>
                   <a:schemeClr val="tx1">
                     <a:lumMod val="65000"/>
@@ -18414,7 +18918,7 @@
               <a:t> </a:t>
             </a:r>
             <a:r>
-              <a:rPr lang="en-US" altLang="zh-CN" sz="1600">
+              <a:rPr lang="en-US" altLang="zh-CN" sz="1600" dirty="0">
                 <a:solidFill>
                   <a:schemeClr val="tx1">
                     <a:lumMod val="65000"/>
@@ -18427,7 +18931,7 @@
               <a:t>Pointer</a:t>
             </a:r>
             <a:r>
-              <a:rPr lang="zh-CN" altLang="en-US" sz="1600">
+              <a:rPr lang="zh-CN" altLang="en-US" sz="1600" dirty="0">
                 <a:solidFill>
                   <a:schemeClr val="tx1">
                     <a:lumMod val="65000"/>
@@ -18440,7 +18944,7 @@
               <a:t>技术，用于优化</a:t>
             </a:r>
             <a:r>
-              <a:rPr lang="en-US" altLang="zh-CN" sz="1600">
+              <a:rPr lang="en-US" altLang="zh-CN" sz="1600" dirty="0" err="1">
                 <a:solidFill>
                   <a:schemeClr val="tx1">
                     <a:lumMod val="65000"/>
@@ -18453,7 +18957,7 @@
               <a:t>NSNumber</a:t>
             </a:r>
             <a:r>
-              <a:rPr lang="zh-CN" altLang="en-US" sz="1600">
+              <a:rPr lang="zh-CN" altLang="en-US" sz="1600" dirty="0">
                 <a:solidFill>
                   <a:schemeClr val="tx1">
                     <a:lumMod val="65000"/>
@@ -18466,7 +18970,7 @@
               <a:t>、</a:t>
             </a:r>
             <a:r>
-              <a:rPr lang="en-US" altLang="zh-CN" sz="1600">
+              <a:rPr lang="en-US" altLang="zh-CN" sz="1600" dirty="0" err="1">
                 <a:solidFill>
                   <a:schemeClr val="tx1">
                     <a:lumMod val="65000"/>
@@ -18479,7 +18983,7 @@
               <a:t>NSDate</a:t>
             </a:r>
             <a:r>
-              <a:rPr lang="zh-CN" altLang="en-US" sz="1600">
+              <a:rPr lang="zh-CN" altLang="en-US" sz="1600" dirty="0">
                 <a:solidFill>
                   <a:schemeClr val="tx1">
                     <a:lumMod val="65000"/>
@@ -18492,7 +18996,7 @@
               <a:t>、</a:t>
             </a:r>
             <a:r>
-              <a:rPr lang="en-US" altLang="zh-CN" sz="1600">
+              <a:rPr lang="en-US" altLang="zh-CN" sz="1600" dirty="0" err="1">
                 <a:solidFill>
                   <a:schemeClr val="tx1">
                     <a:lumMod val="65000"/>
@@ -18505,7 +19009,7 @@
               <a:t>NSString</a:t>
             </a:r>
             <a:r>
-              <a:rPr lang="zh-CN" altLang="en-US" sz="1600">
+              <a:rPr lang="zh-CN" altLang="en-US" sz="1600" dirty="0">
                 <a:solidFill>
                   <a:schemeClr val="tx1">
                     <a:lumMod val="65000"/>
@@ -18517,7 +19021,7 @@
               </a:rPr>
               <a:t>等小对象的存储</a:t>
             </a:r>
-            <a:endParaRPr lang="en-US" altLang="zh-CN" sz="1600">
+            <a:endParaRPr lang="en-US" altLang="zh-CN" sz="1600" dirty="0">
               <a:solidFill>
                 <a:schemeClr val="tx1">
                   <a:lumMod val="65000"/>
@@ -18536,7 +19040,7 @@
               <a:buFont typeface="Wingdings" charset="2"/>
               <a:buChar char="n"/>
             </a:pPr>
-            <a:endParaRPr lang="en-US" altLang="zh-CN" sz="1600">
+            <a:endParaRPr lang="en-US" altLang="zh-CN" sz="1600" dirty="0">
               <a:solidFill>
                 <a:schemeClr val="tx1">
                   <a:lumMod val="65000"/>
@@ -18556,7 +19060,7 @@
               <a:buChar char="n"/>
             </a:pPr>
             <a:r>
-              <a:rPr lang="zh-CN" altLang="en-US" sz="1600">
+              <a:rPr lang="zh-CN" altLang="en-US" sz="1600" dirty="0">
                 <a:solidFill>
                   <a:schemeClr val="tx1">
                     <a:lumMod val="65000"/>
@@ -18569,7 +19073,7 @@
               <a:t>在没有使用</a:t>
             </a:r>
             <a:r>
-              <a:rPr lang="en-US" altLang="zh-CN" sz="1600">
+              <a:rPr lang="en-US" altLang="zh-CN" sz="1600" dirty="0">
                 <a:solidFill>
                   <a:schemeClr val="tx1">
                     <a:lumMod val="65000"/>
@@ -18582,7 +19086,7 @@
               <a:t>Tagged</a:t>
             </a:r>
             <a:r>
-              <a:rPr lang="zh-CN" altLang="en-US" sz="1600">
+              <a:rPr lang="zh-CN" altLang="en-US" sz="1600" dirty="0">
                 <a:solidFill>
                   <a:schemeClr val="tx1">
                     <a:lumMod val="65000"/>
@@ -18595,7 +19099,7 @@
               <a:t> </a:t>
             </a:r>
             <a:r>
-              <a:rPr lang="en-US" altLang="zh-CN" sz="1600">
+              <a:rPr lang="en-US" altLang="zh-CN" sz="1600" dirty="0">
                 <a:solidFill>
                   <a:schemeClr val="tx1">
                     <a:lumMod val="65000"/>
@@ -18608,7 +19112,7 @@
               <a:t>Pointer</a:t>
             </a:r>
             <a:r>
-              <a:rPr lang="zh-CN" altLang="en-US" sz="1600">
+              <a:rPr lang="zh-CN" altLang="en-US" sz="1600" dirty="0">
                 <a:solidFill>
                   <a:schemeClr val="tx1">
                     <a:lumMod val="65000"/>
@@ -18621,20 +19125,33 @@
               <a:t>之前，</a:t>
             </a:r>
             <a:r>
-              <a:rPr lang="en-US" altLang="zh-CN" sz="1600">
-                <a:solidFill>
-                  <a:schemeClr val="tx1">
-                    <a:lumMod val="65000"/>
-                    <a:lumOff val="35000"/>
-                  </a:schemeClr>
-                </a:solidFill>
-                <a:latin typeface="微软雅黑" panose="020B0503020204020204" pitchFamily="34" charset="-122"/>
-                <a:ea typeface="微软雅黑" panose="020B0503020204020204" pitchFamily="34" charset="-122"/>
-              </a:rPr>
-              <a:t> NSNumber</a:t>
-            </a:r>
-            <a:r>
-              <a:rPr lang="zh-CN" altLang="en-US" sz="1600">
+              <a:rPr lang="en-US" altLang="zh-CN" sz="1600" dirty="0">
+                <a:solidFill>
+                  <a:schemeClr val="tx1">
+                    <a:lumMod val="65000"/>
+                    <a:lumOff val="35000"/>
+                  </a:schemeClr>
+                </a:solidFill>
+                <a:latin typeface="微软雅黑" panose="020B0503020204020204" pitchFamily="34" charset="-122"/>
+                <a:ea typeface="微软雅黑" panose="020B0503020204020204" pitchFamily="34" charset="-122"/>
+              </a:rPr>
+              <a:t> </a:t>
+            </a:r>
+            <a:r>
+              <a:rPr lang="en-US" altLang="zh-CN" sz="1600" dirty="0" err="1">
+                <a:solidFill>
+                  <a:schemeClr val="tx1">
+                    <a:lumMod val="65000"/>
+                    <a:lumOff val="35000"/>
+                  </a:schemeClr>
+                </a:solidFill>
+                <a:latin typeface="微软雅黑" panose="020B0503020204020204" pitchFamily="34" charset="-122"/>
+                <a:ea typeface="微软雅黑" panose="020B0503020204020204" pitchFamily="34" charset="-122"/>
+              </a:rPr>
+              <a:t>NSNumber</a:t>
+            </a:r>
+            <a:r>
+              <a:rPr lang="zh-CN" altLang="en-US" sz="1600" dirty="0">
                 <a:solidFill>
                   <a:schemeClr val="tx1">
                     <a:lumMod val="65000"/>
@@ -18647,7 +19164,7 @@
               <a:t>等对象需要动态分配内存、维护引用计数等，</a:t>
             </a:r>
             <a:r>
-              <a:rPr lang="en-US" altLang="zh-CN" sz="1600">
+              <a:rPr lang="en-US" altLang="zh-CN" sz="1600" dirty="0" err="1">
                 <a:solidFill>
                   <a:schemeClr val="tx1">
                     <a:lumMod val="65000"/>
@@ -18660,7 +19177,7 @@
               <a:t>NSNumber</a:t>
             </a:r>
             <a:r>
-              <a:rPr lang="zh-CN" altLang="en-US" sz="1600">
+              <a:rPr lang="zh-CN" altLang="en-US" sz="1600" dirty="0">
                 <a:solidFill>
                   <a:schemeClr val="tx1">
                     <a:lumMod val="65000"/>
@@ -18673,7 +19190,7 @@
               <a:t>指针存储的是堆中</a:t>
             </a:r>
             <a:r>
-              <a:rPr lang="en-US" altLang="zh-CN" sz="1600">
+              <a:rPr lang="en-US" altLang="zh-CN" sz="1600" dirty="0" err="1">
                 <a:solidFill>
                   <a:schemeClr val="tx1">
                     <a:lumMod val="65000"/>
@@ -18686,7 +19203,7 @@
               <a:t>NSNumber</a:t>
             </a:r>
             <a:r>
-              <a:rPr lang="zh-CN" altLang="en-US" sz="1600">
+              <a:rPr lang="zh-CN" altLang="en-US" sz="1600" dirty="0">
                 <a:solidFill>
                   <a:schemeClr val="tx1">
                     <a:lumMod val="65000"/>
@@ -18698,7 +19215,7 @@
               </a:rPr>
               <a:t>对象的地址值</a:t>
             </a:r>
-            <a:endParaRPr lang="en-US" altLang="zh-CN" sz="1600">
+            <a:endParaRPr lang="en-US" altLang="zh-CN" sz="1600" dirty="0">
               <a:solidFill>
                 <a:schemeClr val="tx1">
                   <a:lumMod val="65000"/>
@@ -18717,7 +19234,7 @@
               <a:buFont typeface="Wingdings" charset="2"/>
               <a:buChar char="n"/>
             </a:pPr>
-            <a:endParaRPr lang="en-US" altLang="zh-CN" sz="1600">
+            <a:endParaRPr lang="en-US" altLang="zh-CN" sz="1600" dirty="0">
               <a:solidFill>
                 <a:schemeClr val="tx1">
                   <a:lumMod val="65000"/>
@@ -18737,7 +19254,7 @@
               <a:buChar char="n"/>
             </a:pPr>
             <a:r>
-              <a:rPr lang="zh-CN" altLang="en-US" sz="1600">
+              <a:rPr lang="zh-CN" altLang="en-US" sz="1600" dirty="0">
                 <a:solidFill>
                   <a:schemeClr val="tx1">
                     <a:lumMod val="65000"/>
@@ -18750,7 +19267,7 @@
               <a:t>使用</a:t>
             </a:r>
             <a:r>
-              <a:rPr lang="en-US" altLang="zh-CN" sz="1600">
+              <a:rPr lang="en-US" altLang="zh-CN" sz="1600" dirty="0">
                 <a:solidFill>
                   <a:schemeClr val="tx1">
                     <a:lumMod val="65000"/>
@@ -18763,7 +19280,7 @@
               <a:t>Tagged</a:t>
             </a:r>
             <a:r>
-              <a:rPr lang="zh-CN" altLang="en-US" sz="1600">
+              <a:rPr lang="zh-CN" altLang="en-US" sz="1600" dirty="0">
                 <a:solidFill>
                   <a:schemeClr val="tx1">
                     <a:lumMod val="65000"/>
@@ -18776,7 +19293,7 @@
               <a:t> </a:t>
             </a:r>
             <a:r>
-              <a:rPr lang="en-US" altLang="zh-CN" sz="1600">
+              <a:rPr lang="en-US" altLang="zh-CN" sz="1600" dirty="0">
                 <a:solidFill>
                   <a:schemeClr val="tx1">
                     <a:lumMod val="65000"/>
@@ -18789,7 +19306,7 @@
               <a:t>Pointer</a:t>
             </a:r>
             <a:r>
-              <a:rPr lang="zh-CN" altLang="en-US" sz="1600">
+              <a:rPr lang="zh-CN" altLang="en-US" sz="1600" dirty="0">
                 <a:solidFill>
                   <a:schemeClr val="tx1">
                     <a:lumMod val="65000"/>
@@ -18802,7 +19319,7 @@
               <a:t>之后，</a:t>
             </a:r>
             <a:r>
-              <a:rPr lang="en-US" altLang="zh-CN" sz="1600">
+              <a:rPr lang="en-US" altLang="zh-CN" sz="1600" dirty="0" err="1">
                 <a:solidFill>
                   <a:schemeClr val="tx1">
                     <a:lumMod val="65000"/>
@@ -18815,7 +19332,7 @@
               <a:t>NSNumber</a:t>
             </a:r>
             <a:r>
-              <a:rPr lang="zh-CN" altLang="en-US" sz="1600">
+              <a:rPr lang="zh-CN" altLang="en-US" sz="1600" dirty="0">
                 <a:solidFill>
                   <a:schemeClr val="tx1">
                     <a:lumMod val="65000"/>
@@ -18828,7 +19345,7 @@
               <a:t>指针里面存储的数据变成了：</a:t>
             </a:r>
             <a:r>
-              <a:rPr lang="en-US" altLang="zh-CN" sz="1600">
+              <a:rPr lang="en-US" altLang="zh-CN" sz="1600" dirty="0">
                 <a:solidFill>
                   <a:schemeClr val="tx1">
                     <a:lumMod val="65000"/>
@@ -18841,7 +19358,7 @@
               <a:t>Tag</a:t>
             </a:r>
             <a:r>
-              <a:rPr lang="zh-CN" altLang="en-US" sz="1600">
+              <a:rPr lang="zh-CN" altLang="en-US" sz="1600" dirty="0">
                 <a:solidFill>
                   <a:schemeClr val="tx1">
                     <a:lumMod val="65000"/>
@@ -18854,7 +19371,7 @@
               <a:t> </a:t>
             </a:r>
             <a:r>
-              <a:rPr lang="en-US" altLang="zh-CN" sz="1600">
+              <a:rPr lang="en-US" altLang="zh-CN" sz="1600" dirty="0">
                 <a:solidFill>
                   <a:schemeClr val="tx1">
                     <a:lumMod val="65000"/>
@@ -18867,7 +19384,7 @@
               <a:t>+</a:t>
             </a:r>
             <a:r>
-              <a:rPr lang="zh-CN" altLang="en-US" sz="1600">
+              <a:rPr lang="zh-CN" altLang="en-US" sz="1600" dirty="0">
                 <a:solidFill>
                   <a:schemeClr val="tx1">
                     <a:lumMod val="65000"/>
@@ -18880,7 +19397,7 @@
               <a:t> </a:t>
             </a:r>
             <a:r>
-              <a:rPr lang="en-US" altLang="zh-CN" sz="1600">
+              <a:rPr lang="en-US" altLang="zh-CN" sz="1600" dirty="0">
                 <a:solidFill>
                   <a:schemeClr val="tx1">
                     <a:lumMod val="65000"/>
@@ -18893,7 +19410,7 @@
               <a:t>Data</a:t>
             </a:r>
             <a:r>
-              <a:rPr lang="zh-CN" altLang="en-US" sz="1600">
+              <a:rPr lang="zh-CN" altLang="en-US" sz="1600" dirty="0">
                 <a:solidFill>
                   <a:schemeClr val="tx1">
                     <a:lumMod val="65000"/>
@@ -18905,7 +19422,7 @@
               </a:rPr>
               <a:t>，也就是将数据直接存储在了指针中</a:t>
             </a:r>
-            <a:endParaRPr lang="en-US" altLang="zh-CN" sz="1600">
+            <a:endParaRPr lang="en-US" altLang="zh-CN" sz="1600" dirty="0">
               <a:solidFill>
                 <a:schemeClr val="tx1">
                   <a:lumMod val="65000"/>
@@ -18924,7 +19441,7 @@
               <a:buFont typeface="Wingdings" charset="2"/>
               <a:buChar char="n"/>
             </a:pPr>
-            <a:endParaRPr lang="en-US" altLang="zh-CN" sz="1600">
+            <a:endParaRPr lang="en-US" altLang="zh-CN" sz="1600" dirty="0">
               <a:solidFill>
                 <a:schemeClr val="tx1">
                   <a:lumMod val="65000"/>
@@ -18944,7 +19461,7 @@
               <a:buChar char="n"/>
             </a:pPr>
             <a:r>
-              <a:rPr lang="zh-CN" altLang="en-US" sz="1600">
+              <a:rPr lang="zh-CN" altLang="en-US" sz="1600" dirty="0">
                 <a:solidFill>
                   <a:schemeClr val="tx1">
                     <a:lumMod val="65000"/>
@@ -18956,7 +19473,7 @@
               </a:rPr>
               <a:t>当指针不够存储数据时，才会使用动态分配内存的方式来存储数据</a:t>
             </a:r>
-            <a:endParaRPr lang="en-US" altLang="zh-CN" sz="1600">
+            <a:endParaRPr lang="en-US" altLang="zh-CN" sz="1600" dirty="0">
               <a:solidFill>
                 <a:schemeClr val="tx1">
                   <a:lumMod val="65000"/>
@@ -18975,7 +19492,7 @@
               <a:buFont typeface="Wingdings" charset="2"/>
               <a:buChar char="n"/>
             </a:pPr>
-            <a:endParaRPr lang="en-US" altLang="zh-CN" sz="1600">
+            <a:endParaRPr lang="en-US" altLang="zh-CN" sz="1600" dirty="0">
               <a:solidFill>
                 <a:schemeClr val="tx1">
                   <a:lumMod val="65000"/>
@@ -18995,7 +19512,7 @@
               <a:buChar char="n"/>
             </a:pPr>
             <a:r>
-              <a:rPr lang="en-US" altLang="zh-CN" sz="1600">
+              <a:rPr lang="en-US" altLang="zh-CN" sz="1600" dirty="0" err="1">
                 <a:solidFill>
                   <a:schemeClr val="tx1">
                     <a:lumMod val="65000"/>
@@ -19008,7 +19525,7 @@
               <a:t>objc_msgSend</a:t>
             </a:r>
             <a:r>
-              <a:rPr lang="zh-CN" altLang="en-US" sz="1600">
+              <a:rPr lang="zh-CN" altLang="en-US" sz="1600" dirty="0">
                 <a:solidFill>
                   <a:schemeClr val="tx1">
                     <a:lumMod val="65000"/>
@@ -19021,7 +19538,7 @@
               <a:t>能识别</a:t>
             </a:r>
             <a:r>
-              <a:rPr lang="en-US" altLang="zh-CN" sz="1600">
+              <a:rPr lang="en-US" altLang="zh-CN" sz="1600" dirty="0">
                 <a:solidFill>
                   <a:schemeClr val="tx1">
                     <a:lumMod val="65000"/>
@@ -19034,7 +19551,7 @@
               <a:t>Tagged</a:t>
             </a:r>
             <a:r>
-              <a:rPr lang="zh-CN" altLang="en-US" sz="1600">
+              <a:rPr lang="zh-CN" altLang="en-US" sz="1600" dirty="0">
                 <a:solidFill>
                   <a:schemeClr val="tx1">
                     <a:lumMod val="65000"/>
@@ -19047,7 +19564,7 @@
               <a:t> </a:t>
             </a:r>
             <a:r>
-              <a:rPr lang="en-US" altLang="zh-CN" sz="1600">
+              <a:rPr lang="en-US" altLang="zh-CN" sz="1600" dirty="0">
                 <a:solidFill>
                   <a:schemeClr val="tx1">
                     <a:lumMod val="65000"/>
@@ -19060,7 +19577,7 @@
               <a:t>Pointer</a:t>
             </a:r>
             <a:r>
-              <a:rPr lang="zh-CN" altLang="en-US" sz="1600">
+              <a:rPr lang="zh-CN" altLang="en-US" sz="1600" dirty="0">
                 <a:solidFill>
                   <a:schemeClr val="tx1">
                     <a:lumMod val="65000"/>
@@ -19073,7 +19590,7 @@
               <a:t>，比如</a:t>
             </a:r>
             <a:r>
-              <a:rPr lang="en-US" altLang="zh-CN" sz="1600">
+              <a:rPr lang="en-US" altLang="zh-CN" sz="1600" dirty="0" err="1">
                 <a:solidFill>
                   <a:schemeClr val="tx1">
                     <a:lumMod val="65000"/>
@@ -19086,7 +19603,7 @@
               <a:t>NSNumber</a:t>
             </a:r>
             <a:r>
-              <a:rPr lang="zh-CN" altLang="en-US" sz="1600">
+              <a:rPr lang="zh-CN" altLang="en-US" sz="1600" dirty="0">
                 <a:solidFill>
                   <a:schemeClr val="tx1">
                     <a:lumMod val="65000"/>
@@ -19099,7 +19616,7 @@
               <a:t>的</a:t>
             </a:r>
             <a:r>
-              <a:rPr lang="en-US" altLang="zh-CN" sz="1600">
+              <a:rPr lang="en-US" altLang="zh-CN" sz="1600" dirty="0" err="1">
                 <a:solidFill>
                   <a:schemeClr val="tx1">
                     <a:lumMod val="65000"/>
@@ -19112,7 +19629,7 @@
               <a:t>intValue</a:t>
             </a:r>
             <a:r>
-              <a:rPr lang="zh-CN" altLang="en-US" sz="1600">
+              <a:rPr lang="zh-CN" altLang="en-US" sz="1600" dirty="0">
                 <a:solidFill>
                   <a:schemeClr val="tx1">
                     <a:lumMod val="65000"/>
@@ -19124,7 +19641,7 @@
               </a:rPr>
               <a:t>方法，直接从指针提取数据，节省了以前的调用开销</a:t>
             </a:r>
-            <a:endParaRPr lang="en-US" altLang="zh-CN" sz="1600">
+            <a:endParaRPr lang="en-US" altLang="zh-CN" sz="1600" dirty="0">
               <a:solidFill>
                 <a:schemeClr val="tx1">
                   <a:lumMod val="65000"/>
@@ -19143,7 +19660,7 @@
               <a:buFont typeface="Wingdings" charset="2"/>
               <a:buChar char="n"/>
             </a:pPr>
-            <a:endParaRPr lang="en-US" altLang="zh-CN" sz="1600">
+            <a:endParaRPr lang="en-US" altLang="zh-CN" sz="1600" dirty="0">
               <a:solidFill>
                 <a:schemeClr val="tx1">
                   <a:lumMod val="65000"/>
@@ -19163,7 +19680,7 @@
               <a:buChar char="n"/>
             </a:pPr>
             <a:r>
-              <a:rPr lang="zh-CN" altLang="en-US" sz="1600">
+              <a:rPr lang="zh-CN" altLang="en-US" sz="1600" dirty="0">
                 <a:solidFill>
                   <a:schemeClr val="tx1">
                     <a:lumMod val="65000"/>
@@ -19176,7 +19693,7 @@
               <a:t>如何判断一个指针是否为</a:t>
             </a:r>
             <a:r>
-              <a:rPr lang="en-US" altLang="zh-CN" sz="1600">
+              <a:rPr lang="en-US" altLang="zh-CN" sz="1600" dirty="0">
                 <a:solidFill>
                   <a:schemeClr val="tx1">
                     <a:lumMod val="65000"/>
@@ -19189,7 +19706,7 @@
               <a:t>Tagged</a:t>
             </a:r>
             <a:r>
-              <a:rPr lang="zh-CN" altLang="en-US" sz="1600">
+              <a:rPr lang="zh-CN" altLang="en-US" sz="1600" dirty="0">
                 <a:solidFill>
                   <a:schemeClr val="tx1">
                     <a:lumMod val="65000"/>
@@ -19202,7 +19719,7 @@
               <a:t> </a:t>
             </a:r>
             <a:r>
-              <a:rPr lang="en-US" altLang="zh-CN" sz="1600">
+              <a:rPr lang="en-US" altLang="zh-CN" sz="1600" dirty="0">
                 <a:solidFill>
                   <a:schemeClr val="tx1">
                     <a:lumMod val="65000"/>
@@ -19215,7 +19732,7 @@
               <a:t>Pointer</a:t>
             </a:r>
             <a:r>
-              <a:rPr lang="zh-CN" altLang="en-US" sz="1600">
+              <a:rPr lang="zh-CN" altLang="en-US" sz="1600" dirty="0">
                 <a:solidFill>
                   <a:schemeClr val="tx1">
                     <a:lumMod val="65000"/>
@@ -19227,7 +19744,7 @@
               </a:rPr>
               <a:t>？</a:t>
             </a:r>
-            <a:endParaRPr lang="en-US" altLang="zh-CN" sz="1600">
+            <a:endParaRPr lang="en-US" altLang="zh-CN" sz="1600" dirty="0">
               <a:solidFill>
                 <a:schemeClr val="tx1">
                   <a:lumMod val="65000"/>
@@ -19247,7 +19764,7 @@
               <a:buChar char="p"/>
             </a:pPr>
             <a:r>
-              <a:rPr lang="en-US" altLang="zh-CN" sz="1600">
+              <a:rPr lang="en-US" altLang="zh-CN" sz="1600" dirty="0">
                 <a:solidFill>
                   <a:schemeClr val="tx1">
                     <a:lumMod val="65000"/>
@@ -19260,7 +19777,7 @@
               <a:t>iOS</a:t>
             </a:r>
             <a:r>
-              <a:rPr lang="zh-CN" altLang="en-US" sz="1600">
+              <a:rPr lang="zh-CN" altLang="en-US" sz="1600" dirty="0">
                 <a:solidFill>
                   <a:schemeClr val="tx1">
                     <a:lumMod val="65000"/>
@@ -19273,7 +19790,7 @@
               <a:t>平台，最高有效位是</a:t>
             </a:r>
             <a:r>
-              <a:rPr lang="en-US" altLang="zh-CN" sz="1600">
+              <a:rPr lang="en-US" altLang="zh-CN" sz="1600" dirty="0">
                 <a:solidFill>
                   <a:schemeClr val="tx1">
                     <a:lumMod val="65000"/>
@@ -19286,7 +19803,7 @@
               <a:t>1</a:t>
             </a:r>
             <a:r>
-              <a:rPr lang="zh-CN" altLang="en-US" sz="1600">
+              <a:rPr lang="zh-CN" altLang="en-US" sz="1600" dirty="0">
                 <a:solidFill>
                   <a:schemeClr val="tx1">
                     <a:lumMod val="65000"/>
@@ -19299,7 +19816,7 @@
               <a:t>（第</a:t>
             </a:r>
             <a:r>
-              <a:rPr lang="en-US" altLang="zh-CN" sz="1600">
+              <a:rPr lang="en-US" altLang="zh-CN" sz="1600" dirty="0">
                 <a:solidFill>
                   <a:schemeClr val="tx1">
                     <a:lumMod val="65000"/>
@@ -19312,7 +19829,7 @@
               <a:t>64bit</a:t>
             </a:r>
             <a:r>
-              <a:rPr lang="zh-CN" altLang="en-US" sz="1600">
+              <a:rPr lang="zh-CN" altLang="en-US" sz="1600" dirty="0">
                 <a:solidFill>
                   <a:schemeClr val="tx1">
                     <a:lumMod val="65000"/>
@@ -19324,7 +19841,7 @@
               </a:rPr>
               <a:t>）</a:t>
             </a:r>
-            <a:endParaRPr lang="en-US" altLang="zh-CN" sz="1600">
+            <a:endParaRPr lang="en-US" altLang="zh-CN" sz="1600" dirty="0">
               <a:solidFill>
                 <a:schemeClr val="tx1">
                   <a:lumMod val="65000"/>
@@ -19344,7 +19861,7 @@
               <a:buChar char="p"/>
             </a:pPr>
             <a:r>
-              <a:rPr lang="en-US" altLang="zh-CN" sz="1600">
+              <a:rPr lang="en-US" altLang="zh-CN" sz="1600" dirty="0">
                 <a:solidFill>
                   <a:schemeClr val="tx1">
                     <a:lumMod val="65000"/>
@@ -19357,7 +19874,7 @@
               <a:t>Mac</a:t>
             </a:r>
             <a:r>
-              <a:rPr lang="zh-CN" altLang="en-US" sz="1600">
+              <a:rPr lang="zh-CN" altLang="en-US" sz="1600" dirty="0">
                 <a:solidFill>
                   <a:schemeClr val="tx1">
                     <a:lumMod val="65000"/>
@@ -19370,7 +19887,7 @@
               <a:t>平台，最低有效位是</a:t>
             </a:r>
             <a:r>
-              <a:rPr lang="en-US" altLang="zh-CN" sz="1600">
+              <a:rPr lang="en-US" altLang="zh-CN" sz="1600" dirty="0">
                 <a:solidFill>
                   <a:schemeClr val="tx1">
                     <a:lumMod val="65000"/>
@@ -19382,7 +19899,7 @@
               </a:rPr>
               <a:t>1</a:t>
             </a:r>
-            <a:endParaRPr lang="zh-CN" altLang="en-US" sz="1600">
+            <a:endParaRPr lang="zh-CN" altLang="en-US" sz="1600" dirty="0">
               <a:solidFill>
                 <a:schemeClr val="tx1">
                   <a:lumMod val="65000"/>
@@ -19948,7 +20465,7 @@
           <p:cNvPr id="4" name="标题 3">
             <a:extLst>
               <a:ext uri="{FF2B5EF4-FFF2-40B4-BE49-F238E27FC236}">
-                <a16:creationId xmlns="" xmlns:a16="http://schemas.microsoft.com/office/drawing/2014/main" id="{5DCC7AE5-7EF9-4964-8408-F84B72D5D253}"/>
+                <a16:creationId xmlns:a16="http://schemas.microsoft.com/office/drawing/2014/main" id="{5DCC7AE5-7EF9-4964-8408-F84B72D5D253}"/>
               </a:ext>
             </a:extLst>
           </p:cNvPr>
@@ -20524,13 +21041,6 @@
   <p:clrMapOvr>
     <a:masterClrMapping/>
   </p:clrMapOvr>
-  <p:timing>
-    <p:tnLst>
-      <p:par>
-        <p:cTn id="1" dur="indefinite" restart="never" nodeType="tmRoot"/>
-      </p:par>
-    </p:tnLst>
-  </p:timing>
 </p:sld>
 </file>
 

--- a/document/底层课件/05-内存管理.pptx
+++ b/document/底层课件/05-内存管理.pptx
@@ -12264,7 +12264,7 @@
               <a:buChar char="n"/>
             </a:pPr>
             <a:r>
-              <a:rPr lang="zh-CN" altLang="en-US" sz="1600">
+              <a:rPr lang="zh-CN" altLang="en-US" sz="1600" dirty="0">
                 <a:solidFill>
                   <a:schemeClr val="tx1">
                     <a:lumMod val="65000"/>
@@ -12277,7 +12277,7 @@
               <a:t>调用</a:t>
             </a:r>
             <a:r>
-              <a:rPr lang="en-US" altLang="zh-CN" sz="1600">
+              <a:rPr lang="en-US" altLang="zh-CN" sz="1600" dirty="0">
                 <a:solidFill>
                   <a:schemeClr val="tx1">
                     <a:lumMod val="65000"/>
@@ -12290,7 +12290,7 @@
               <a:t>push</a:t>
             </a:r>
             <a:r>
-              <a:rPr lang="zh-CN" altLang="en-US" sz="1600">
+              <a:rPr lang="zh-CN" altLang="en-US" sz="1600" dirty="0">
                 <a:solidFill>
                   <a:schemeClr val="tx1">
                     <a:lumMod val="65000"/>
@@ -12303,7 +12303,7 @@
               <a:t>方法会将一个</a:t>
             </a:r>
             <a:r>
-              <a:rPr lang="en-US" altLang="zh-CN" sz="1600">
+              <a:rPr lang="en-US" altLang="zh-CN" sz="1600" dirty="0">
                 <a:solidFill>
                   <a:srgbClr val="643820"/>
                 </a:solidFill>
@@ -12312,7 +12312,7 @@
               <a:t>POOL_BOUNDARY</a:t>
             </a:r>
             <a:r>
-              <a:rPr lang="zh-CN" altLang="en-US" sz="1600">
+              <a:rPr lang="zh-CN" altLang="en-US" sz="1600" dirty="0">
                 <a:solidFill>
                   <a:schemeClr val="tx1">
                     <a:lumMod val="65000"/>
@@ -12324,7 +12324,7 @@
               </a:rPr>
               <a:t>入栈，并且返回其存放的内存地址</a:t>
             </a:r>
-            <a:endParaRPr lang="en-US" altLang="zh-CN" sz="1600">
+            <a:endParaRPr lang="en-US" altLang="zh-CN" sz="1600" dirty="0">
               <a:solidFill>
                 <a:schemeClr val="tx1">
                   <a:lumMod val="65000"/>
@@ -12343,7 +12343,7 @@
               <a:buFont typeface="Wingdings" charset="2"/>
               <a:buChar char="n"/>
             </a:pPr>
-            <a:endParaRPr lang="en-US" altLang="zh-CN" sz="1600">
+            <a:endParaRPr lang="en-US" altLang="zh-CN" sz="1600" dirty="0">
               <a:solidFill>
                 <a:schemeClr val="tx1">
                   <a:lumMod val="65000"/>
@@ -12363,7 +12363,7 @@
               <a:buChar char="n"/>
             </a:pPr>
             <a:r>
-              <a:rPr lang="zh-CN" altLang="en-US" sz="1600">
+              <a:rPr lang="zh-CN" altLang="en-US" sz="1600" dirty="0">
                 <a:solidFill>
                   <a:schemeClr val="tx1">
                     <a:lumMod val="65000"/>
@@ -12376,7 +12376,7 @@
               <a:t>调用</a:t>
             </a:r>
             <a:r>
-              <a:rPr lang="en-US" altLang="zh-CN" sz="1600">
+              <a:rPr lang="en-US" altLang="zh-CN" sz="1600" dirty="0">
                 <a:solidFill>
                   <a:schemeClr val="tx1">
                     <a:lumMod val="65000"/>
@@ -12389,7 +12389,7 @@
               <a:t>pop</a:t>
             </a:r>
             <a:r>
-              <a:rPr lang="zh-CN" altLang="en-US" sz="1600">
+              <a:rPr lang="zh-CN" altLang="en-US" sz="1600" dirty="0">
                 <a:solidFill>
                   <a:schemeClr val="tx1">
                     <a:lumMod val="65000"/>
@@ -12402,7 +12402,7 @@
               <a:t>方法时传入一个</a:t>
             </a:r>
             <a:r>
-              <a:rPr lang="en-US" altLang="zh-CN" sz="1600">
+              <a:rPr lang="en-US" altLang="zh-CN" sz="1600" dirty="0">
                 <a:solidFill>
                   <a:srgbClr val="643820"/>
                 </a:solidFill>
@@ -12411,7 +12411,7 @@
               <a:t>POOL_BOUNDARY</a:t>
             </a:r>
             <a:r>
-              <a:rPr lang="zh-CN" altLang="en-US" sz="1600">
+              <a:rPr lang="zh-CN" altLang="en-US" sz="1600" dirty="0">
                 <a:solidFill>
                   <a:schemeClr val="tx1">
                     <a:lumMod val="65000"/>
@@ -12424,7 +12424,7 @@
               <a:t>的内存地址，会从最后一个入栈的对象开始发送</a:t>
             </a:r>
             <a:r>
-              <a:rPr lang="en-US" altLang="zh-CN" sz="1600">
+              <a:rPr lang="en-US" altLang="zh-CN" sz="1600" dirty="0">
                 <a:solidFill>
                   <a:schemeClr val="tx1">
                     <a:lumMod val="65000"/>
@@ -12437,7 +12437,7 @@
               <a:t>release</a:t>
             </a:r>
             <a:r>
-              <a:rPr lang="zh-CN" altLang="en-US" sz="1600">
+              <a:rPr lang="zh-CN" altLang="en-US" sz="1600" dirty="0">
                 <a:solidFill>
                   <a:schemeClr val="tx1">
                     <a:lumMod val="65000"/>
@@ -12450,7 +12450,7 @@
               <a:t>消息，直到遇到这个</a:t>
             </a:r>
             <a:r>
-              <a:rPr lang="en-US" altLang="zh-CN" sz="1600">
+              <a:rPr lang="en-US" altLang="zh-CN" sz="1600" dirty="0">
                 <a:solidFill>
                   <a:srgbClr val="643820"/>
                 </a:solidFill>
@@ -12458,7 +12458,7 @@
               </a:rPr>
               <a:t>POOL_BOUNDARY</a:t>
             </a:r>
-            <a:endParaRPr lang="en-US" altLang="zh-CN" sz="1600">
+            <a:endParaRPr lang="en-US" altLang="zh-CN" sz="1600" dirty="0">
               <a:solidFill>
                 <a:schemeClr val="tx1">
                   <a:lumMod val="65000"/>
@@ -12477,7 +12477,7 @@
               <a:buFont typeface="Wingdings" charset="2"/>
               <a:buChar char="n"/>
             </a:pPr>
-            <a:endParaRPr lang="en-US" altLang="zh-CN" sz="1600">
+            <a:endParaRPr lang="en-US" altLang="zh-CN" sz="1600" dirty="0">
               <a:solidFill>
                 <a:schemeClr val="tx1">
                   <a:lumMod val="65000"/>
@@ -12497,7 +12497,7 @@
               <a:buChar char="n"/>
             </a:pPr>
             <a:r>
-              <a:rPr lang="en-US" altLang="zh-CN" sz="1600">
+              <a:rPr lang="en-US" altLang="zh-CN" sz="1600" dirty="0">
                 <a:solidFill>
                   <a:srgbClr val="AA0D91"/>
                 </a:solidFill>
@@ -12506,7 +12506,7 @@
               <a:t>id</a:t>
             </a:r>
             <a:r>
-              <a:rPr lang="en-US" altLang="zh-CN" sz="1600">
+              <a:rPr lang="en-US" altLang="zh-CN" sz="1600" dirty="0">
                 <a:solidFill>
                   <a:srgbClr val="000000"/>
                 </a:solidFill>
@@ -12515,7 +12515,7 @@
               <a:t> *next</a:t>
             </a:r>
             <a:r>
-              <a:rPr lang="zh-CN" altLang="en-US" sz="1600">
+              <a:rPr lang="zh-CN" altLang="en-US" sz="1600" dirty="0">
                 <a:solidFill>
                   <a:schemeClr val="tx1">
                     <a:lumMod val="65000"/>
@@ -12528,7 +12528,7 @@
               <a:t>指向了下一个能存放</a:t>
             </a:r>
             <a:r>
-              <a:rPr lang="en-US" altLang="zh-CN" sz="1600">
+              <a:rPr lang="en-US" altLang="zh-CN" sz="1600" dirty="0" err="1">
                 <a:solidFill>
                   <a:schemeClr val="tx1">
                     <a:lumMod val="65000"/>
@@ -12541,7 +12541,7 @@
               <a:t>autorelease</a:t>
             </a:r>
             <a:r>
-              <a:rPr lang="zh-CN" altLang="en-US" sz="1600">
+              <a:rPr lang="zh-CN" altLang="en-US" sz="1600" dirty="0">
                 <a:solidFill>
                   <a:schemeClr val="tx1">
                     <a:lumMod val="65000"/>
@@ -12553,7 +12553,7 @@
               </a:rPr>
               <a:t>对象地址的区域  </a:t>
             </a:r>
-            <a:endParaRPr lang="en-US" altLang="zh-CN" sz="1600">
+            <a:endParaRPr lang="en-US" altLang="zh-CN" sz="1600" dirty="0">
               <a:solidFill>
                 <a:schemeClr val="tx1">
                   <a:lumMod val="65000"/>

--- a/document/底层课件/05-内存管理.pptx
+++ b/document/底层课件/05-内存管理.pptx
@@ -333,7 +333,7 @@
           <a:p>
             <a:fld id="{2B87634C-074B-4260-9010-E574428551B5}" type="datetimeFigureOut">
               <a:rPr lang="zh-CN" altLang="en-US" smtClean="0"/>
-              <a:t>2019/12/19</a:t>
+              <a:t>2023/10/14</a:t>
             </a:fld>
             <a:endParaRPr lang="zh-CN" altLang="en-US"/>
           </a:p>
@@ -510,7 +510,7 @@
           <a:p>
             <a:fld id="{C25591C1-7BBD-4BAD-9912-0ADD21A74F01}" type="datetimeFigureOut">
               <a:rPr lang="zh-CN" altLang="en-US" smtClean="0"/>
-              <a:t>2019/12/19</a:t>
+              <a:t>2023/10/14</a:t>
             </a:fld>
             <a:endParaRPr lang="zh-CN" altLang="en-US"/>
           </a:p>
@@ -1565,7 +1565,7 @@
           <a:p>
             <a:fld id="{72D8E73B-0927-45CC-BC19-B5A752C4C781}" type="datetimeFigureOut">
               <a:rPr lang="zh-CN" altLang="en-US" smtClean="0"/>
-              <a:t>2019/12/19</a:t>
+              <a:t>2023/10/14</a:t>
             </a:fld>
             <a:endParaRPr lang="zh-CN" altLang="en-US"/>
           </a:p>
@@ -2321,7 +2321,7 @@
               <a:buChar char="n"/>
             </a:pPr>
             <a:r>
-              <a:rPr lang="zh-CN" altLang="en-US" sz="1600" dirty="0">
+              <a:rPr lang="zh-CN" altLang="en-US" sz="1600">
                 <a:solidFill>
                   <a:schemeClr val="tx1">
                     <a:lumMod val="65000"/>
@@ -2334,7 +2334,7 @@
               <a:t>思考以下</a:t>
             </a:r>
             <a:r>
-              <a:rPr lang="en-US" altLang="zh-CN" sz="1600" dirty="0">
+              <a:rPr lang="en-US" altLang="zh-CN" sz="1600">
                 <a:solidFill>
                   <a:schemeClr val="tx1">
                     <a:lumMod val="65000"/>
@@ -2347,7 +2347,7 @@
               <a:t>2</a:t>
             </a:r>
             <a:r>
-              <a:rPr lang="zh-CN" altLang="en-US" sz="1600" dirty="0">
+              <a:rPr lang="zh-CN" altLang="en-US" sz="1600">
                 <a:solidFill>
                   <a:schemeClr val="tx1">
                     <a:lumMod val="65000"/>
@@ -2378,7 +2378,7 @@
         </p:blipFill>
         <p:spPr>
           <a:xfrm>
-            <a:off x="412235" y="1698171"/>
+            <a:off x="343592" y="1692234"/>
             <a:ext cx="7076659" cy="1543793"/>
           </a:xfrm>
           <a:prstGeom prst="rect">
@@ -2420,6 +2420,61 @@
           </a:ln>
         </p:spPr>
       </p:pic>
+      <p:sp>
+        <p:nvSpPr>
+          <p:cNvPr id="7" name="文本框 6">
+            <a:extLst>
+              <a:ext uri="{FF2B5EF4-FFF2-40B4-BE49-F238E27FC236}">
+                <a16:creationId xmlns:a16="http://schemas.microsoft.com/office/drawing/2014/main" id="{506E4EC8-E0E0-0341-A951-110A8D6288FC}"/>
+              </a:ext>
+            </a:extLst>
+          </p:cNvPr>
+          <p:cNvSpPr txBox="1"/>
+          <p:nvPr/>
+        </p:nvSpPr>
+        <p:spPr>
+          <a:xfrm flipH="1">
+            <a:off x="7851448" y="1676890"/>
+            <a:ext cx="2846350" cy="954107"/>
+          </a:xfrm>
+          <a:prstGeom prst="rect">
+            <a:avLst/>
+          </a:prstGeom>
+          <a:noFill/>
+        </p:spPr>
+        <p:txBody>
+          <a:bodyPr wrap="square">
+            <a:spAutoFit/>
+          </a:bodyPr>
+          <a:lstStyle/>
+          <a:p>
+            <a:r>
+              <a:rPr lang="zh-CN" altLang="en-US" sz="1400" dirty="0"/>
+              <a:t>对象</a:t>
+            </a:r>
+            <a:r>
+              <a:rPr lang="en" altLang="zh-CN" sz="1400" dirty="0"/>
+              <a:t>set</a:t>
+            </a:r>
+            <a:r>
+              <a:rPr lang="zh-CN" altLang="en-US" sz="1400" dirty="0"/>
+              <a:t>方法底层的实现：先释放旧对象，再赋值新对象，多线程中对一个已经释放的对象调用</a:t>
+            </a:r>
+            <a:r>
+              <a:rPr lang="en" altLang="zh-CN" sz="1400" dirty="0"/>
+              <a:t>release</a:t>
+            </a:r>
+            <a:r>
+              <a:rPr lang="zh-CN" altLang="en-US" sz="1400" dirty="0"/>
+              <a:t>会</a:t>
+            </a:r>
+            <a:r>
+              <a:rPr lang="en" altLang="zh-CN" sz="1400" dirty="0"/>
+              <a:t>crash</a:t>
+            </a:r>
+          </a:p>
+        </p:txBody>
+      </p:sp>
     </p:spTree>
     <p:extLst>
       <p:ext uri="{BB962C8B-B14F-4D97-AF65-F5344CB8AC3E}">
@@ -2672,7 +2727,7 @@
         <p:spPr>
           <a:xfrm>
             <a:off x="343592" y="1203432"/>
-            <a:ext cx="11501313" cy="3843581"/>
+            <a:ext cx="11501313" cy="5487925"/>
           </a:xfrm>
           <a:prstGeom prst="rect">
             <a:avLst/>
@@ -2693,7 +2748,7 @@
               <a:buChar char="n"/>
             </a:pPr>
             <a:r>
-              <a:rPr lang="zh-CN" altLang="en-US" sz="1600" dirty="0">
+              <a:rPr lang="zh-CN" altLang="en-US" sz="1400" dirty="0">
                 <a:solidFill>
                   <a:schemeClr val="tx1">
                     <a:lumMod val="65000"/>
@@ -2706,7 +2761,7 @@
               <a:t>在</a:t>
             </a:r>
             <a:r>
-              <a:rPr lang="en-US" altLang="zh-CN" sz="1600" dirty="0">
+              <a:rPr lang="en-US" altLang="zh-CN" sz="1400" dirty="0">
                 <a:solidFill>
                   <a:schemeClr val="tx1">
                     <a:lumMod val="65000"/>
@@ -2719,7 +2774,7 @@
               <a:t>iOS</a:t>
             </a:r>
             <a:r>
-              <a:rPr lang="zh-CN" altLang="en-US" sz="1600" dirty="0">
+              <a:rPr lang="zh-CN" altLang="en-US" sz="1400" dirty="0">
                 <a:solidFill>
                   <a:schemeClr val="tx1">
                     <a:lumMod val="65000"/>
@@ -2732,7 +2787,7 @@
               <a:t>中，使用</a:t>
             </a:r>
             <a:r>
-              <a:rPr lang="zh-CN" altLang="en-US" sz="1600" dirty="0">
+              <a:rPr lang="zh-CN" altLang="en-US" sz="1400" dirty="0">
                 <a:solidFill>
                   <a:srgbClr val="FF0000"/>
                 </a:solidFill>
@@ -2742,7 +2797,7 @@
               <a:t>引用计数</a:t>
             </a:r>
             <a:r>
-              <a:rPr lang="zh-CN" altLang="en-US" sz="1600" dirty="0">
+              <a:rPr lang="zh-CN" altLang="en-US" sz="1400" dirty="0">
                 <a:solidFill>
                   <a:schemeClr val="tx1">
                     <a:lumMod val="65000"/>
@@ -2755,7 +2810,7 @@
               <a:t>来管理</a:t>
             </a:r>
             <a:r>
-              <a:rPr lang="en-US" altLang="zh-CN" sz="1600" dirty="0">
+              <a:rPr lang="en-US" altLang="zh-CN" sz="1400" dirty="0">
                 <a:solidFill>
                   <a:schemeClr val="tx1">
                     <a:lumMod val="65000"/>
@@ -2768,7 +2823,7 @@
               <a:t>OC</a:t>
             </a:r>
             <a:r>
-              <a:rPr lang="zh-CN" altLang="en-US" sz="1600" dirty="0">
+              <a:rPr lang="zh-CN" altLang="en-US" sz="1400" dirty="0">
                 <a:solidFill>
                   <a:schemeClr val="tx1">
                     <a:lumMod val="65000"/>
@@ -2780,7 +2835,7 @@
               </a:rPr>
               <a:t>对象的内存</a:t>
             </a:r>
-            <a:endParaRPr lang="en-US" altLang="zh-CN" sz="1600" dirty="0">
+            <a:endParaRPr lang="en-US" altLang="zh-CN" sz="1400" dirty="0">
               <a:solidFill>
                 <a:schemeClr val="tx1">
                   <a:lumMod val="65000"/>
@@ -2799,7 +2854,7 @@
               <a:buFont typeface="Wingdings" charset="2"/>
               <a:buChar char="n"/>
             </a:pPr>
-            <a:endParaRPr lang="en-US" altLang="zh-CN" sz="1600" dirty="0">
+            <a:endParaRPr lang="en-US" altLang="zh-CN" sz="1400" dirty="0">
               <a:solidFill>
                 <a:schemeClr val="tx1">
                   <a:lumMod val="65000"/>
@@ -2819,7 +2874,7 @@
               <a:buChar char="n"/>
             </a:pPr>
             <a:r>
-              <a:rPr lang="zh-CN" altLang="en-US" sz="1600" dirty="0">
+              <a:rPr lang="zh-CN" altLang="en-US" sz="1400" dirty="0">
                 <a:solidFill>
                   <a:schemeClr val="tx1">
                     <a:lumMod val="65000"/>
@@ -2832,7 +2887,7 @@
               <a:t>一个新创建的</a:t>
             </a:r>
             <a:r>
-              <a:rPr lang="en-US" altLang="zh-CN" sz="1600" dirty="0">
+              <a:rPr lang="en-US" altLang="zh-CN" sz="1400" dirty="0">
                 <a:solidFill>
                   <a:schemeClr val="tx1">
                     <a:lumMod val="65000"/>
@@ -2845,7 +2900,7 @@
               <a:t>OC</a:t>
             </a:r>
             <a:r>
-              <a:rPr lang="zh-CN" altLang="en-US" sz="1600" dirty="0">
+              <a:rPr lang="zh-CN" altLang="en-US" sz="1400" dirty="0">
                 <a:solidFill>
                   <a:schemeClr val="tx1">
                     <a:lumMod val="65000"/>
@@ -2858,7 +2913,7 @@
               <a:t>对象引用计数默认是</a:t>
             </a:r>
             <a:r>
-              <a:rPr lang="en-US" altLang="zh-CN" sz="1600" dirty="0">
+              <a:rPr lang="en-US" altLang="zh-CN" sz="1400" dirty="0">
                 <a:solidFill>
                   <a:schemeClr val="tx1">
                     <a:lumMod val="65000"/>
@@ -2871,7 +2926,7 @@
               <a:t>1</a:t>
             </a:r>
             <a:r>
-              <a:rPr lang="zh-CN" altLang="en-US" sz="1600" dirty="0">
+              <a:rPr lang="zh-CN" altLang="en-US" sz="1400" dirty="0">
                 <a:solidFill>
                   <a:schemeClr val="tx1">
                     <a:lumMod val="65000"/>
@@ -2884,7 +2939,7 @@
               <a:t>，当引用计数减为</a:t>
             </a:r>
             <a:r>
-              <a:rPr lang="en-US" altLang="zh-CN" sz="1600" dirty="0">
+              <a:rPr lang="en-US" altLang="zh-CN" sz="1400" dirty="0">
                 <a:solidFill>
                   <a:schemeClr val="tx1">
                     <a:lumMod val="65000"/>
@@ -2897,7 +2952,7 @@
               <a:t>0</a:t>
             </a:r>
             <a:r>
-              <a:rPr lang="zh-CN" altLang="en-US" sz="1600" dirty="0">
+              <a:rPr lang="zh-CN" altLang="en-US" sz="1400" dirty="0">
                 <a:solidFill>
                   <a:schemeClr val="tx1">
                     <a:lumMod val="65000"/>
@@ -2910,7 +2965,7 @@
               <a:t>，</a:t>
             </a:r>
             <a:r>
-              <a:rPr lang="en-US" altLang="zh-CN" sz="1600" dirty="0">
+              <a:rPr lang="en-US" altLang="zh-CN" sz="1400" dirty="0">
                 <a:solidFill>
                   <a:schemeClr val="tx1">
                     <a:lumMod val="65000"/>
@@ -2923,7 +2978,7 @@
               <a:t>OC</a:t>
             </a:r>
             <a:r>
-              <a:rPr lang="zh-CN" altLang="en-US" sz="1600" dirty="0">
+              <a:rPr lang="zh-CN" altLang="en-US" sz="1400" dirty="0">
                 <a:solidFill>
                   <a:schemeClr val="tx1">
                     <a:lumMod val="65000"/>
@@ -2935,7 +2990,7 @@
               </a:rPr>
               <a:t>对象就会销毁，释放其占用的内存空间</a:t>
             </a:r>
-            <a:endParaRPr lang="en-US" altLang="zh-CN" sz="1600" dirty="0">
+            <a:endParaRPr lang="en-US" altLang="zh-CN" sz="1400" dirty="0">
               <a:solidFill>
                 <a:schemeClr val="tx1">
                   <a:lumMod val="65000"/>
@@ -2954,7 +3009,7 @@
               <a:buFont typeface="Wingdings" charset="2"/>
               <a:buChar char="n"/>
             </a:pPr>
-            <a:endParaRPr lang="en-US" altLang="zh-CN" sz="1600" dirty="0">
+            <a:endParaRPr lang="en-US" altLang="zh-CN" sz="1400" dirty="0">
               <a:solidFill>
                 <a:schemeClr val="tx1">
                   <a:lumMod val="65000"/>
@@ -2974,7 +3029,7 @@
               <a:buChar char="n"/>
             </a:pPr>
             <a:r>
-              <a:rPr lang="zh-CN" altLang="en-US" sz="1600" dirty="0">
+              <a:rPr lang="zh-CN" altLang="en-US" sz="1400" dirty="0">
                 <a:solidFill>
                   <a:schemeClr val="tx1">
                     <a:lumMod val="65000"/>
@@ -2987,7 +3042,7 @@
               <a:t>调用</a:t>
             </a:r>
             <a:r>
-              <a:rPr lang="en-US" altLang="zh-CN" sz="1600" dirty="0">
+              <a:rPr lang="en-US" altLang="zh-CN" sz="1400" dirty="0">
                 <a:solidFill>
                   <a:schemeClr val="tx1">
                     <a:lumMod val="65000"/>
@@ -3000,7 +3055,7 @@
               <a:t>retain</a:t>
             </a:r>
             <a:r>
-              <a:rPr lang="zh-CN" altLang="en-US" sz="1600" dirty="0">
+              <a:rPr lang="zh-CN" altLang="en-US" sz="1400" dirty="0">
                 <a:solidFill>
                   <a:schemeClr val="tx1">
                     <a:lumMod val="65000"/>
@@ -3013,7 +3068,7 @@
               <a:t>会让</a:t>
             </a:r>
             <a:r>
-              <a:rPr lang="en-US" altLang="zh-CN" sz="1600" dirty="0">
+              <a:rPr lang="en-US" altLang="zh-CN" sz="1400" dirty="0">
                 <a:solidFill>
                   <a:schemeClr val="tx1">
                     <a:lumMod val="65000"/>
@@ -3026,7 +3081,7 @@
               <a:t>OC</a:t>
             </a:r>
             <a:r>
-              <a:rPr lang="zh-CN" altLang="en-US" sz="1600" dirty="0">
+              <a:rPr lang="zh-CN" altLang="en-US" sz="1400" dirty="0">
                 <a:solidFill>
                   <a:schemeClr val="tx1">
                     <a:lumMod val="65000"/>
@@ -3039,7 +3094,7 @@
               <a:t>对象的引用计数</a:t>
             </a:r>
             <a:r>
-              <a:rPr lang="en-US" altLang="zh-CN" sz="1600" dirty="0">
+              <a:rPr lang="en-US" altLang="zh-CN" sz="1400" dirty="0">
                 <a:solidFill>
                   <a:schemeClr val="tx1">
                     <a:lumMod val="65000"/>
@@ -3052,7 +3107,7 @@
               <a:t>+1</a:t>
             </a:r>
             <a:r>
-              <a:rPr lang="zh-CN" altLang="en-US" sz="1600" dirty="0">
+              <a:rPr lang="zh-CN" altLang="en-US" sz="1400" dirty="0">
                 <a:solidFill>
                   <a:schemeClr val="tx1">
                     <a:lumMod val="65000"/>
@@ -3065,7 +3120,7 @@
               <a:t>，调用</a:t>
             </a:r>
             <a:r>
-              <a:rPr lang="en-US" altLang="zh-CN" sz="1600" dirty="0">
+              <a:rPr lang="en-US" altLang="zh-CN" sz="1400" dirty="0">
                 <a:solidFill>
                   <a:schemeClr val="tx1">
                     <a:lumMod val="65000"/>
@@ -3078,7 +3133,7 @@
               <a:t>release</a:t>
             </a:r>
             <a:r>
-              <a:rPr lang="zh-CN" altLang="en-US" sz="1600" dirty="0">
+              <a:rPr lang="zh-CN" altLang="en-US" sz="1400" dirty="0">
                 <a:solidFill>
                   <a:schemeClr val="tx1">
                     <a:lumMod val="65000"/>
@@ -3091,7 +3146,7 @@
               <a:t>会让</a:t>
             </a:r>
             <a:r>
-              <a:rPr lang="en-US" altLang="zh-CN" sz="1600" dirty="0">
+              <a:rPr lang="en-US" altLang="zh-CN" sz="1400" dirty="0">
                 <a:solidFill>
                   <a:schemeClr val="tx1">
                     <a:lumMod val="65000"/>
@@ -3104,7 +3159,7 @@
               <a:t>OC</a:t>
             </a:r>
             <a:r>
-              <a:rPr lang="zh-CN" altLang="en-US" sz="1600" dirty="0">
+              <a:rPr lang="zh-CN" altLang="en-US" sz="1400" dirty="0">
                 <a:solidFill>
                   <a:schemeClr val="tx1">
                     <a:lumMod val="65000"/>
@@ -3117,7 +3172,7 @@
               <a:t>对象的引用计数</a:t>
             </a:r>
             <a:r>
-              <a:rPr lang="en-US" altLang="zh-CN" sz="1600" dirty="0">
+              <a:rPr lang="en-US" altLang="zh-CN" sz="1400" dirty="0">
                 <a:solidFill>
                   <a:schemeClr val="tx1">
                     <a:lumMod val="65000"/>
@@ -3138,7 +3193,7 @@
               <a:buFont typeface="Wingdings" charset="2"/>
               <a:buChar char="n"/>
             </a:pPr>
-            <a:endParaRPr lang="en-US" altLang="zh-CN" sz="1600" dirty="0">
+            <a:endParaRPr lang="en-US" altLang="zh-CN" sz="1400" dirty="0">
               <a:solidFill>
                 <a:schemeClr val="tx1">
                   <a:lumMod val="65000"/>
@@ -3158,7 +3213,7 @@
               <a:buChar char="n"/>
             </a:pPr>
             <a:r>
-              <a:rPr lang="zh-CN" altLang="en-US" sz="1600" dirty="0">
+              <a:rPr lang="zh-CN" altLang="en-US" sz="1400" dirty="0">
                 <a:solidFill>
                   <a:schemeClr val="tx1">
                     <a:lumMod val="65000"/>
@@ -3170,7 +3225,7 @@
               </a:rPr>
               <a:t>内存管理的经验总结</a:t>
             </a:r>
-            <a:endParaRPr lang="en-US" altLang="zh-CN" sz="1600" dirty="0">
+            <a:endParaRPr lang="en-US" altLang="zh-CN" sz="1400" dirty="0">
               <a:solidFill>
                 <a:schemeClr val="tx1">
                   <a:lumMod val="65000"/>
@@ -3190,7 +3245,7 @@
               <a:buChar char="p"/>
             </a:pPr>
             <a:r>
-              <a:rPr lang="zh-CN" altLang="en-US" sz="1600" dirty="0">
+              <a:rPr lang="zh-CN" altLang="en-US" sz="1400" dirty="0">
                 <a:solidFill>
                   <a:schemeClr val="tx1">
                     <a:lumMod val="65000"/>
@@ -3203,7 +3258,7 @@
               <a:t>当调用</a:t>
             </a:r>
             <a:r>
-              <a:rPr lang="en-US" altLang="zh-CN" sz="1600" dirty="0" err="1">
+              <a:rPr lang="en-US" altLang="zh-CN" sz="1400" dirty="0" err="1">
                 <a:solidFill>
                   <a:schemeClr val="tx1">
                     <a:lumMod val="65000"/>
@@ -3216,7 +3271,7 @@
               <a:t>alloc</a:t>
             </a:r>
             <a:r>
-              <a:rPr lang="zh-CN" altLang="en-US" sz="1600" dirty="0">
+              <a:rPr lang="zh-CN" altLang="en-US" sz="1400" dirty="0">
                 <a:solidFill>
                   <a:schemeClr val="tx1">
                     <a:lumMod val="65000"/>
@@ -3229,7 +3284,7 @@
               <a:t>、</a:t>
             </a:r>
             <a:r>
-              <a:rPr lang="en-US" altLang="zh-CN" sz="1600" dirty="0">
+              <a:rPr lang="en-US" altLang="zh-CN" sz="1400" dirty="0">
                 <a:solidFill>
                   <a:schemeClr val="tx1">
                     <a:lumMod val="65000"/>
@@ -3242,7 +3297,7 @@
               <a:t>new</a:t>
             </a:r>
             <a:r>
-              <a:rPr lang="zh-CN" altLang="en-US" sz="1600" dirty="0">
+              <a:rPr lang="zh-CN" altLang="en-US" sz="1400" dirty="0">
                 <a:solidFill>
                   <a:schemeClr val="tx1">
                     <a:lumMod val="65000"/>
@@ -3255,7 +3310,7 @@
               <a:t>、</a:t>
             </a:r>
             <a:r>
-              <a:rPr lang="en-US" altLang="zh-CN" sz="1600" dirty="0">
+              <a:rPr lang="en-US" altLang="zh-CN" sz="1400" dirty="0">
                 <a:solidFill>
                   <a:schemeClr val="tx1">
                     <a:lumMod val="65000"/>
@@ -3268,7 +3323,7 @@
               <a:t>copy</a:t>
             </a:r>
             <a:r>
-              <a:rPr lang="zh-CN" altLang="en-US" sz="1600" dirty="0">
+              <a:rPr lang="zh-CN" altLang="en-US" sz="1400" dirty="0">
                 <a:solidFill>
                   <a:schemeClr val="tx1">
                     <a:lumMod val="65000"/>
@@ -3281,7 +3336,7 @@
               <a:t>、</a:t>
             </a:r>
             <a:r>
-              <a:rPr lang="en-US" altLang="zh-CN" sz="1600" dirty="0" err="1">
+              <a:rPr lang="en-US" altLang="zh-CN" sz="1400" dirty="0" err="1">
                 <a:solidFill>
                   <a:schemeClr val="tx1">
                     <a:lumMod val="65000"/>
@@ -3294,7 +3349,7 @@
               <a:t>mutableCopy</a:t>
             </a:r>
             <a:r>
-              <a:rPr lang="zh-CN" altLang="en-US" sz="1600" dirty="0">
+              <a:rPr lang="zh-CN" altLang="en-US" sz="1400" dirty="0">
                 <a:solidFill>
                   <a:schemeClr val="tx1">
                     <a:lumMod val="65000"/>
@@ -3307,7 +3362,7 @@
               <a:t>方法返回了一个对象，在不需要这个对象时，要调用</a:t>
             </a:r>
             <a:r>
-              <a:rPr lang="en-US" altLang="zh-CN" sz="1600" dirty="0">
+              <a:rPr lang="en-US" altLang="zh-CN" sz="1400" dirty="0">
                 <a:solidFill>
                   <a:schemeClr val="tx1">
                     <a:lumMod val="65000"/>
@@ -3320,7 +3375,7 @@
               <a:t>release</a:t>
             </a:r>
             <a:r>
-              <a:rPr lang="zh-CN" altLang="en-US" sz="1600" dirty="0">
+              <a:rPr lang="zh-CN" altLang="en-US" sz="1400" dirty="0">
                 <a:solidFill>
                   <a:schemeClr val="tx1">
                     <a:lumMod val="65000"/>
@@ -3333,7 +3388,7 @@
               <a:t>或者</a:t>
             </a:r>
             <a:r>
-              <a:rPr lang="en-US" altLang="zh-CN" sz="1600" dirty="0" err="1">
+              <a:rPr lang="en-US" altLang="zh-CN" sz="1400" dirty="0" err="1">
                 <a:solidFill>
                   <a:schemeClr val="tx1">
                     <a:lumMod val="65000"/>
@@ -3346,7 +3401,7 @@
               <a:t>autorelease</a:t>
             </a:r>
             <a:r>
-              <a:rPr lang="zh-CN" altLang="en-US" sz="1600" dirty="0">
+              <a:rPr lang="zh-CN" altLang="en-US" sz="1400" dirty="0">
                 <a:solidFill>
                   <a:schemeClr val="tx1">
                     <a:lumMod val="65000"/>
@@ -3358,7 +3413,7 @@
               </a:rPr>
               <a:t>来释放它</a:t>
             </a:r>
-            <a:endParaRPr lang="en-US" altLang="zh-CN" sz="1600" dirty="0">
+            <a:endParaRPr lang="en-US" altLang="zh-CN" sz="1400" dirty="0">
               <a:solidFill>
                 <a:schemeClr val="tx1">
                   <a:lumMod val="65000"/>
@@ -3378,7 +3433,7 @@
               <a:buChar char="p"/>
             </a:pPr>
             <a:r>
-              <a:rPr lang="zh-CN" altLang="en-US" sz="1600" dirty="0">
+              <a:rPr lang="zh-CN" altLang="en-US" sz="1400" dirty="0">
                 <a:solidFill>
                   <a:schemeClr val="tx1">
                     <a:lumMod val="65000"/>
@@ -3391,7 +3446,7 @@
               <a:t>想拥有某个对象，就让它的引用计数</a:t>
             </a:r>
             <a:r>
-              <a:rPr lang="en-US" altLang="zh-CN" sz="1600" dirty="0">
+              <a:rPr lang="en-US" altLang="zh-CN" sz="1400" dirty="0">
                 <a:solidFill>
                   <a:schemeClr val="tx1">
                     <a:lumMod val="65000"/>
@@ -3404,7 +3459,7 @@
               <a:t>+1</a:t>
             </a:r>
             <a:r>
-              <a:rPr lang="zh-CN" altLang="en-US" sz="1600" dirty="0">
+              <a:rPr lang="zh-CN" altLang="en-US" sz="1400" dirty="0">
                 <a:solidFill>
                   <a:schemeClr val="tx1">
                     <a:lumMod val="65000"/>
@@ -3417,7 +3472,7 @@
               <a:t>；不想再拥有某个对象，就让它的引用计数</a:t>
             </a:r>
             <a:r>
-              <a:rPr lang="en-US" altLang="zh-CN" sz="1600" dirty="0">
+              <a:rPr lang="en-US" altLang="zh-CN" sz="1400" dirty="0">
                 <a:solidFill>
                   <a:schemeClr val="tx1">
                     <a:lumMod val="65000"/>
@@ -3438,7 +3493,7 @@
               <a:buFont typeface="Wingdings" charset="2"/>
               <a:buChar char="p"/>
             </a:pPr>
-            <a:endParaRPr lang="en-US" altLang="zh-CN" sz="1600" dirty="0">
+            <a:endParaRPr lang="en-US" altLang="zh-CN" sz="1400" dirty="0">
               <a:solidFill>
                 <a:schemeClr val="tx1">
                   <a:lumMod val="65000"/>
@@ -3458,7 +3513,7 @@
               <a:buChar char="n"/>
             </a:pPr>
             <a:r>
-              <a:rPr lang="zh-CN" altLang="en-US" sz="1600" dirty="0">
+              <a:rPr lang="zh-CN" altLang="en-US" sz="1400" dirty="0">
                 <a:solidFill>
                   <a:schemeClr val="tx1">
                     <a:lumMod val="65000"/>
@@ -3470,7 +3525,7 @@
               </a:rPr>
               <a:t>可以通过以下私有函数来查看自动释放池的情况</a:t>
             </a:r>
-            <a:endParaRPr lang="en-US" altLang="zh-CN" sz="1600" dirty="0">
+            <a:endParaRPr lang="en-US" altLang="zh-CN" sz="1400" dirty="0">
               <a:solidFill>
                 <a:schemeClr val="tx1">
                   <a:lumMod val="65000"/>
@@ -3490,7 +3545,7 @@
               <a:buChar char="p"/>
             </a:pPr>
             <a:r>
-              <a:rPr lang="en-US" altLang="zh-CN" sz="1600" dirty="0">
+              <a:rPr lang="en-US" altLang="zh-CN" sz="1400" dirty="0">
                 <a:solidFill>
                   <a:srgbClr val="AA0D91"/>
                 </a:solidFill>
@@ -3499,7 +3554,7 @@
               <a:t>extern</a:t>
             </a:r>
             <a:r>
-              <a:rPr lang="en-US" altLang="zh-CN" sz="1600" dirty="0">
+              <a:rPr lang="en-US" altLang="zh-CN" sz="1400" dirty="0">
                 <a:solidFill>
                   <a:srgbClr val="000000"/>
                 </a:solidFill>
@@ -3508,7 +3563,7 @@
               <a:t> </a:t>
             </a:r>
             <a:r>
-              <a:rPr lang="en-US" altLang="zh-CN" sz="1600" dirty="0">
+              <a:rPr lang="en-US" altLang="zh-CN" sz="1400" dirty="0">
                 <a:solidFill>
                   <a:srgbClr val="AA0D91"/>
                 </a:solidFill>
@@ -3517,7 +3572,7 @@
               <a:t>void</a:t>
             </a:r>
             <a:r>
-              <a:rPr lang="en-US" altLang="zh-CN" sz="1600" dirty="0">
+              <a:rPr lang="en-US" altLang="zh-CN" sz="1400" dirty="0">
                 <a:solidFill>
                   <a:srgbClr val="000000"/>
                 </a:solidFill>
@@ -3526,7 +3581,7 @@
               <a:t> _</a:t>
             </a:r>
             <a:r>
-              <a:rPr lang="en-US" altLang="zh-CN" sz="1600" dirty="0" err="1">
+              <a:rPr lang="en-US" altLang="zh-CN" sz="1400" dirty="0" err="1">
                 <a:solidFill>
                   <a:srgbClr val="000000"/>
                 </a:solidFill>
@@ -3535,7 +3590,7 @@
               <a:t>objc_autoreleasePoolPrint</a:t>
             </a:r>
             <a:r>
-              <a:rPr lang="en-US" altLang="zh-CN" sz="1600" dirty="0">
+              <a:rPr lang="en-US" altLang="zh-CN" sz="1400" dirty="0">
                 <a:solidFill>
                   <a:srgbClr val="000000"/>
                 </a:solidFill>
@@ -3544,7 +3599,7 @@
               <a:t>(</a:t>
             </a:r>
             <a:r>
-              <a:rPr lang="en-US" altLang="zh-CN" sz="1600" dirty="0">
+              <a:rPr lang="en-US" altLang="zh-CN" sz="1400" dirty="0">
                 <a:solidFill>
                   <a:srgbClr val="AA0D91"/>
                 </a:solidFill>
@@ -3553,7 +3608,7 @@
               <a:t>void</a:t>
             </a:r>
             <a:r>
-              <a:rPr lang="en-US" altLang="zh-CN" sz="1600" dirty="0">
+              <a:rPr lang="en-US" altLang="zh-CN" sz="1400" dirty="0">
                 <a:solidFill>
                   <a:srgbClr val="000000"/>
                 </a:solidFill>
@@ -3561,7 +3616,606 @@
               </a:rPr>
               <a:t>);</a:t>
             </a:r>
-            <a:endParaRPr lang="en-US" altLang="zh-CN" sz="1600" dirty="0">
+          </a:p>
+          <a:p>
+            <a:pPr marL="342900" indent="-342900">
+              <a:lnSpc>
+                <a:spcPts val="2200"/>
+              </a:lnSpc>
+              <a:buFont typeface="Wingdings" charset="2"/>
+              <a:buChar char="p"/>
+            </a:pPr>
+            <a:endParaRPr lang="en-US" altLang="zh-CN" sz="1400" dirty="0">
+              <a:solidFill>
+                <a:srgbClr val="000000"/>
+              </a:solidFill>
+              <a:latin typeface="Menlo-Regular" charset="0"/>
+              <a:ea typeface="微软雅黑" panose="020B0503020204020204" pitchFamily="34" charset="-122"/>
+            </a:endParaRPr>
+          </a:p>
+          <a:p>
+            <a:pPr marL="342900" indent="-342900">
+              <a:lnSpc>
+                <a:spcPts val="2200"/>
+              </a:lnSpc>
+              <a:buFont typeface="Wingdings" charset="2"/>
+              <a:buChar char="p"/>
+            </a:pPr>
+            <a:r>
+              <a:rPr lang="en-US" altLang="zh-CN" sz="1400" dirty="0">
+                <a:solidFill>
+                  <a:srgbClr val="000000"/>
+                </a:solidFill>
+                <a:latin typeface="Menlo-Regular" charset="0"/>
+                <a:ea typeface="微软雅黑" panose="020B0503020204020204" pitchFamily="34" charset="-122"/>
+              </a:rPr>
+              <a:t>__strong</a:t>
+            </a:r>
+            <a:r>
+              <a:rPr lang="zh-CN" altLang="en-US" sz="1400" dirty="0">
+                <a:solidFill>
+                  <a:srgbClr val="000000"/>
+                </a:solidFill>
+                <a:latin typeface="Menlo-Regular" charset="0"/>
+                <a:ea typeface="微软雅黑" panose="020B0503020204020204" pitchFamily="34" charset="-122"/>
+              </a:rPr>
+              <a:t>、</a:t>
+            </a:r>
+            <a:r>
+              <a:rPr lang="en-US" altLang="zh-CN" sz="1400" dirty="0">
+                <a:solidFill>
+                  <a:srgbClr val="000000"/>
+                </a:solidFill>
+                <a:latin typeface="Menlo-Regular" charset="0"/>
+                <a:ea typeface="微软雅黑" panose="020B0503020204020204" pitchFamily="34" charset="-122"/>
+              </a:rPr>
+              <a:t>__weak</a:t>
+            </a:r>
+            <a:r>
+              <a:rPr lang="zh-CN" altLang="en-US" sz="1400" dirty="0">
+                <a:solidFill>
+                  <a:srgbClr val="000000"/>
+                </a:solidFill>
+                <a:latin typeface="Menlo-Regular" charset="0"/>
+                <a:ea typeface="微软雅黑" panose="020B0503020204020204" pitchFamily="34" charset="-122"/>
+              </a:rPr>
+              <a:t>、</a:t>
+            </a:r>
+            <a:r>
+              <a:rPr lang="en-US" altLang="zh-CN" sz="1400" dirty="0">
+                <a:solidFill>
+                  <a:srgbClr val="000000"/>
+                </a:solidFill>
+                <a:latin typeface="Menlo-Regular" charset="0"/>
+                <a:ea typeface="微软雅黑" panose="020B0503020204020204" pitchFamily="34" charset="-122"/>
+              </a:rPr>
+              <a:t>__</a:t>
+            </a:r>
+            <a:r>
+              <a:rPr lang="en-US" altLang="zh-CN" sz="1400" dirty="0" err="1">
+                <a:solidFill>
+                  <a:srgbClr val="000000"/>
+                </a:solidFill>
+                <a:latin typeface="Menlo-Regular" charset="0"/>
+                <a:ea typeface="微软雅黑" panose="020B0503020204020204" pitchFamily="34" charset="-122"/>
+              </a:rPr>
+              <a:t>unsafe_unretained</a:t>
+            </a:r>
+            <a:endParaRPr lang="en-US" altLang="zh-CN" sz="1400" dirty="0">
+              <a:solidFill>
+                <a:srgbClr val="000000"/>
+              </a:solidFill>
+              <a:latin typeface="Menlo-Regular" charset="0"/>
+              <a:ea typeface="微软雅黑" panose="020B0503020204020204" pitchFamily="34" charset="-122"/>
+            </a:endParaRPr>
+          </a:p>
+          <a:p>
+            <a:pPr marL="342900" indent="-342900">
+              <a:lnSpc>
+                <a:spcPts val="2200"/>
+              </a:lnSpc>
+              <a:buFont typeface="Wingdings" charset="2"/>
+              <a:buChar char="p"/>
+            </a:pPr>
+            <a:r>
+              <a:rPr lang="zh-CN" altLang="en-US" sz="1400" dirty="0">
+                <a:solidFill>
+                  <a:schemeClr val="tx1">
+                    <a:lumMod val="65000"/>
+                    <a:lumOff val="35000"/>
+                  </a:schemeClr>
+                </a:solidFill>
+                <a:latin typeface="微软雅黑" panose="020B0503020204020204" pitchFamily="34" charset="-122"/>
+                <a:ea typeface="微软雅黑" panose="020B0503020204020204" pitchFamily="34" charset="-122"/>
+              </a:rPr>
+              <a:t>使用</a:t>
+            </a:r>
+            <a:r>
+              <a:rPr lang="en-US" altLang="zh-CN" sz="1400" dirty="0">
+                <a:solidFill>
+                  <a:schemeClr val="tx1">
+                    <a:lumMod val="65000"/>
+                    <a:lumOff val="35000"/>
+                  </a:schemeClr>
+                </a:solidFill>
+                <a:latin typeface="微软雅黑" panose="020B0503020204020204" pitchFamily="34" charset="-122"/>
+                <a:ea typeface="微软雅黑" panose="020B0503020204020204" pitchFamily="34" charset="-122"/>
+              </a:rPr>
+              <a:t>__</a:t>
+            </a:r>
+            <a:r>
+              <a:rPr lang="en" altLang="zh-CN" sz="1400" dirty="0">
+                <a:solidFill>
+                  <a:schemeClr val="tx1">
+                    <a:lumMod val="65000"/>
+                    <a:lumOff val="35000"/>
+                  </a:schemeClr>
+                </a:solidFill>
+                <a:latin typeface="微软雅黑" panose="020B0503020204020204" pitchFamily="34" charset="-122"/>
+                <a:ea typeface="微软雅黑" panose="020B0503020204020204" pitchFamily="34" charset="-122"/>
+              </a:rPr>
+              <a:t>weak</a:t>
+            </a:r>
+            <a:r>
+              <a:rPr lang="zh-CN" altLang="en-US" sz="1400" dirty="0">
+                <a:solidFill>
+                  <a:schemeClr val="tx1">
+                    <a:lumMod val="65000"/>
+                    <a:lumOff val="35000"/>
+                  </a:schemeClr>
+                </a:solidFill>
+                <a:latin typeface="微软雅黑" panose="020B0503020204020204" pitchFamily="34" charset="-122"/>
+                <a:ea typeface="微软雅黑" panose="020B0503020204020204" pitchFamily="34" charset="-122"/>
+              </a:rPr>
+              <a:t>修饰的</a:t>
+            </a:r>
+            <a:r>
+              <a:rPr lang="en" altLang="zh-CN" sz="1400" dirty="0">
+                <a:solidFill>
+                  <a:schemeClr val="tx1">
+                    <a:lumMod val="65000"/>
+                    <a:lumOff val="35000"/>
+                  </a:schemeClr>
+                </a:solidFill>
+                <a:latin typeface="微软雅黑" panose="020B0503020204020204" pitchFamily="34" charset="-122"/>
+                <a:ea typeface="微软雅黑" panose="020B0503020204020204" pitchFamily="34" charset="-122"/>
+              </a:rPr>
+              <a:t>obj</a:t>
+            </a:r>
+            <a:r>
+              <a:rPr lang="zh-CN" altLang="en-US" sz="1400" dirty="0">
+                <a:solidFill>
+                  <a:schemeClr val="tx1">
+                    <a:lumMod val="65000"/>
+                    <a:lumOff val="35000"/>
+                  </a:schemeClr>
+                </a:solidFill>
+                <a:latin typeface="微软雅黑" panose="020B0503020204020204" pitchFamily="34" charset="-122"/>
+                <a:ea typeface="微软雅黑" panose="020B0503020204020204" pitchFamily="34" charset="-122"/>
+              </a:rPr>
+              <a:t>对象在被释放后，指向对象的指针被置空了，而使用</a:t>
+            </a:r>
+            <a:r>
+              <a:rPr lang="en-US" altLang="zh-CN" sz="1400" dirty="0">
+                <a:solidFill>
+                  <a:schemeClr val="tx1">
+                    <a:lumMod val="65000"/>
+                    <a:lumOff val="35000"/>
+                  </a:schemeClr>
+                </a:solidFill>
+                <a:latin typeface="微软雅黑" panose="020B0503020204020204" pitchFamily="34" charset="-122"/>
+                <a:ea typeface="微软雅黑" panose="020B0503020204020204" pitchFamily="34" charset="-122"/>
+              </a:rPr>
+              <a:t>__</a:t>
+            </a:r>
+            <a:r>
+              <a:rPr lang="en" altLang="zh-CN" sz="1400" dirty="0" err="1">
+                <a:solidFill>
+                  <a:schemeClr val="tx1">
+                    <a:lumMod val="65000"/>
+                    <a:lumOff val="35000"/>
+                  </a:schemeClr>
+                </a:solidFill>
+                <a:latin typeface="微软雅黑" panose="020B0503020204020204" pitchFamily="34" charset="-122"/>
+                <a:ea typeface="微软雅黑" panose="020B0503020204020204" pitchFamily="34" charset="-122"/>
+              </a:rPr>
+              <a:t>unsafe_unretained</a:t>
+            </a:r>
+            <a:r>
+              <a:rPr lang="zh-CN" altLang="en-US" sz="1400" dirty="0">
+                <a:solidFill>
+                  <a:schemeClr val="tx1">
+                    <a:lumMod val="65000"/>
+                    <a:lumOff val="35000"/>
+                  </a:schemeClr>
+                </a:solidFill>
+                <a:latin typeface="微软雅黑" panose="020B0503020204020204" pitchFamily="34" charset="-122"/>
+                <a:ea typeface="微软雅黑" panose="020B0503020204020204" pitchFamily="34" charset="-122"/>
+              </a:rPr>
+              <a:t>修饰的</a:t>
+            </a:r>
+            <a:r>
+              <a:rPr lang="en" altLang="zh-CN" sz="1400" dirty="0">
+                <a:solidFill>
+                  <a:schemeClr val="tx1">
+                    <a:lumMod val="65000"/>
+                    <a:lumOff val="35000"/>
+                  </a:schemeClr>
+                </a:solidFill>
+                <a:latin typeface="微软雅黑" panose="020B0503020204020204" pitchFamily="34" charset="-122"/>
+                <a:ea typeface="微软雅黑" panose="020B0503020204020204" pitchFamily="34" charset="-122"/>
+              </a:rPr>
+              <a:t>obj</a:t>
+            </a:r>
+            <a:r>
+              <a:rPr lang="zh-CN" altLang="en-US" sz="1400" dirty="0">
+                <a:solidFill>
+                  <a:schemeClr val="tx1">
+                    <a:lumMod val="65000"/>
+                    <a:lumOff val="35000"/>
+                  </a:schemeClr>
+                </a:solidFill>
+                <a:latin typeface="微软雅黑" panose="020B0503020204020204" pitchFamily="34" charset="-122"/>
+                <a:ea typeface="微软雅黑" panose="020B0503020204020204" pitchFamily="34" charset="-122"/>
+              </a:rPr>
+              <a:t>对象在被释放后，指向对象的指针成为野指针了，当访问对象</a:t>
+            </a:r>
+            <a:r>
+              <a:rPr lang="en" altLang="zh-CN" sz="1400" dirty="0" err="1">
+                <a:solidFill>
+                  <a:schemeClr val="tx1">
+                    <a:lumMod val="65000"/>
+                    <a:lumOff val="35000"/>
+                  </a:schemeClr>
+                </a:solidFill>
+                <a:latin typeface="微软雅黑" panose="020B0503020204020204" pitchFamily="34" charset="-122"/>
+                <a:ea typeface="微软雅黑" panose="020B0503020204020204" pitchFamily="34" charset="-122"/>
+              </a:rPr>
+              <a:t>addObject</a:t>
+            </a:r>
+            <a:r>
+              <a:rPr lang="zh-CN" altLang="en-US" sz="1400" dirty="0">
+                <a:solidFill>
+                  <a:schemeClr val="tx1">
+                    <a:lumMod val="65000"/>
+                    <a:lumOff val="35000"/>
+                  </a:schemeClr>
+                </a:solidFill>
+                <a:latin typeface="微软雅黑" panose="020B0503020204020204" pitchFamily="34" charset="-122"/>
+                <a:ea typeface="微软雅黑" panose="020B0503020204020204" pitchFamily="34" charset="-122"/>
+              </a:rPr>
+              <a:t>方法的时候，抛出异常。</a:t>
+            </a:r>
+            <a:endParaRPr lang="en-US" altLang="zh-CN" sz="1400" dirty="0">
+              <a:solidFill>
+                <a:schemeClr val="tx1">
+                  <a:lumMod val="65000"/>
+                  <a:lumOff val="35000"/>
+                </a:schemeClr>
+              </a:solidFill>
+              <a:latin typeface="微软雅黑" panose="020B0503020204020204" pitchFamily="34" charset="-122"/>
+              <a:ea typeface="微软雅黑" panose="020B0503020204020204" pitchFamily="34" charset="-122"/>
+            </a:endParaRPr>
+          </a:p>
+          <a:p>
+            <a:pPr marL="342900" indent="-342900">
+              <a:lnSpc>
+                <a:spcPts val="2200"/>
+              </a:lnSpc>
+              <a:buFont typeface="Wingdings" charset="2"/>
+              <a:buChar char="p"/>
+            </a:pPr>
+            <a:r>
+              <a:rPr lang="en-US" altLang="zh-CN" sz="1400" dirty="0">
+                <a:solidFill>
+                  <a:schemeClr val="tx1">
+                    <a:lumMod val="65000"/>
+                    <a:lumOff val="35000"/>
+                  </a:schemeClr>
+                </a:solidFill>
+                <a:latin typeface="微软雅黑" panose="020B0503020204020204" pitchFamily="34" charset="-122"/>
+                <a:ea typeface="微软雅黑" panose="020B0503020204020204" pitchFamily="34" charset="-122"/>
+              </a:rPr>
+              <a:t>__</a:t>
+            </a:r>
+            <a:r>
+              <a:rPr lang="en" altLang="zh-CN" sz="1400" dirty="0" err="1">
+                <a:solidFill>
+                  <a:schemeClr val="tx1">
+                    <a:lumMod val="65000"/>
+                    <a:lumOff val="35000"/>
+                  </a:schemeClr>
+                </a:solidFill>
+                <a:latin typeface="微软雅黑" panose="020B0503020204020204" pitchFamily="34" charset="-122"/>
+                <a:ea typeface="微软雅黑" panose="020B0503020204020204" pitchFamily="34" charset="-122"/>
+              </a:rPr>
+              <a:t>unsafe_unretained</a:t>
+            </a:r>
+            <a:r>
+              <a:rPr lang="zh-CN" altLang="en" sz="1400" dirty="0">
+                <a:solidFill>
+                  <a:schemeClr val="tx1">
+                    <a:lumMod val="65000"/>
+                    <a:lumOff val="35000"/>
+                  </a:schemeClr>
+                </a:solidFill>
+                <a:latin typeface="微软雅黑" panose="020B0503020204020204" pitchFamily="34" charset="-122"/>
+                <a:ea typeface="微软雅黑" panose="020B0503020204020204" pitchFamily="34" charset="-122"/>
+              </a:rPr>
+              <a:t>存在</a:t>
+            </a:r>
+            <a:r>
+              <a:rPr lang="zh-CN" altLang="en-US" sz="1400" dirty="0">
+                <a:solidFill>
+                  <a:schemeClr val="tx1">
+                    <a:lumMod val="65000"/>
+                    <a:lumOff val="35000"/>
+                  </a:schemeClr>
+                </a:solidFill>
+                <a:latin typeface="微软雅黑" panose="020B0503020204020204" pitchFamily="34" charset="-122"/>
+                <a:ea typeface="微软雅黑" panose="020B0503020204020204" pitchFamily="34" charset="-122"/>
+              </a:rPr>
+              <a:t>的意义？</a:t>
+            </a:r>
+            <a:endParaRPr lang="en-US" altLang="zh-CN" sz="1400" dirty="0">
+              <a:solidFill>
+                <a:schemeClr val="tx1">
+                  <a:lumMod val="65000"/>
+                  <a:lumOff val="35000"/>
+                </a:schemeClr>
+              </a:solidFill>
+              <a:latin typeface="微软雅黑" panose="020B0503020204020204" pitchFamily="34" charset="-122"/>
+              <a:ea typeface="微软雅黑" panose="020B0503020204020204" pitchFamily="34" charset="-122"/>
+            </a:endParaRPr>
+          </a:p>
+          <a:p>
+            <a:pPr marL="342900" indent="-342900">
+              <a:lnSpc>
+                <a:spcPts val="2200"/>
+              </a:lnSpc>
+              <a:buFont typeface="Wingdings" charset="2"/>
+              <a:buChar char="p"/>
+            </a:pPr>
+            <a:r>
+              <a:rPr lang="en-US" altLang="zh-CN" sz="1400" dirty="0">
+                <a:solidFill>
+                  <a:schemeClr val="tx1">
+                    <a:lumMod val="65000"/>
+                    <a:lumOff val="35000"/>
+                  </a:schemeClr>
+                </a:solidFill>
+                <a:latin typeface="微软雅黑" panose="020B0503020204020204" pitchFamily="34" charset="-122"/>
+                <a:ea typeface="微软雅黑" panose="020B0503020204020204" pitchFamily="34" charset="-122"/>
+              </a:rPr>
+              <a:t>1.</a:t>
+            </a:r>
+            <a:r>
+              <a:rPr lang="zh-CN" altLang="en-US" sz="1400" dirty="0">
+                <a:solidFill>
+                  <a:schemeClr val="tx1">
+                    <a:lumMod val="65000"/>
+                    <a:lumOff val="35000"/>
+                  </a:schemeClr>
+                </a:solidFill>
+                <a:latin typeface="微软雅黑" panose="020B0503020204020204" pitchFamily="34" charset="-122"/>
+                <a:ea typeface="微软雅黑" panose="020B0503020204020204" pitchFamily="34" charset="-122"/>
+              </a:rPr>
+              <a:t> </a:t>
+            </a:r>
+            <a:r>
+              <a:rPr lang="en-US" altLang="zh-CN" sz="1400" dirty="0">
+                <a:solidFill>
+                  <a:schemeClr val="tx1">
+                    <a:lumMod val="65000"/>
+                    <a:lumOff val="35000"/>
+                  </a:schemeClr>
+                </a:solidFill>
+                <a:latin typeface="微软雅黑" panose="020B0503020204020204" pitchFamily="34" charset="-122"/>
+                <a:ea typeface="微软雅黑" panose="020B0503020204020204" pitchFamily="34" charset="-122"/>
+              </a:rPr>
+              <a:t>iOS5.0</a:t>
+            </a:r>
+            <a:r>
+              <a:rPr lang="zh-CN" altLang="en-US" sz="1400" dirty="0">
+                <a:solidFill>
+                  <a:schemeClr val="tx1">
+                    <a:lumMod val="65000"/>
+                    <a:lumOff val="35000"/>
+                  </a:schemeClr>
+                </a:solidFill>
+                <a:latin typeface="微软雅黑" panose="020B0503020204020204" pitchFamily="34" charset="-122"/>
+                <a:ea typeface="微软雅黑" panose="020B0503020204020204" pitchFamily="34" charset="-122"/>
+              </a:rPr>
+              <a:t>之前没有引入</a:t>
+            </a:r>
+            <a:r>
+              <a:rPr lang="en-US" altLang="zh-CN" sz="1400" dirty="0">
+                <a:solidFill>
+                  <a:schemeClr val="tx1">
+                    <a:lumMod val="65000"/>
+                    <a:lumOff val="35000"/>
+                  </a:schemeClr>
+                </a:solidFill>
+                <a:latin typeface="微软雅黑" panose="020B0503020204020204" pitchFamily="34" charset="-122"/>
+                <a:ea typeface="微软雅黑" panose="020B0503020204020204" pitchFamily="34" charset="-122"/>
+              </a:rPr>
+              <a:t>__weak</a:t>
+            </a:r>
+            <a:r>
+              <a:rPr lang="zh-CN" altLang="en-US" sz="1400" dirty="0">
+                <a:solidFill>
+                  <a:schemeClr val="tx1">
+                    <a:lumMod val="65000"/>
+                    <a:lumOff val="35000"/>
+                  </a:schemeClr>
+                </a:solidFill>
+                <a:latin typeface="微软雅黑" panose="020B0503020204020204" pitchFamily="34" charset="-122"/>
+                <a:ea typeface="微软雅黑" panose="020B0503020204020204" pitchFamily="34" charset="-122"/>
+              </a:rPr>
+              <a:t>，只能用</a:t>
+            </a:r>
+            <a:r>
+              <a:rPr lang="en-US" altLang="zh-CN" sz="1400" dirty="0">
+                <a:solidFill>
+                  <a:schemeClr val="tx1">
+                    <a:lumMod val="65000"/>
+                    <a:lumOff val="35000"/>
+                  </a:schemeClr>
+                </a:solidFill>
+                <a:latin typeface="微软雅黑" panose="020B0503020204020204" pitchFamily="34" charset="-122"/>
+                <a:ea typeface="微软雅黑" panose="020B0503020204020204" pitchFamily="34" charset="-122"/>
+              </a:rPr>
+              <a:t>__</a:t>
+            </a:r>
+            <a:r>
+              <a:rPr lang="en" altLang="zh-CN" sz="1400" dirty="0" err="1">
+                <a:solidFill>
+                  <a:schemeClr val="tx1">
+                    <a:lumMod val="65000"/>
+                    <a:lumOff val="35000"/>
+                  </a:schemeClr>
+                </a:solidFill>
+                <a:latin typeface="微软雅黑" panose="020B0503020204020204" pitchFamily="34" charset="-122"/>
+                <a:ea typeface="微软雅黑" panose="020B0503020204020204" pitchFamily="34" charset="-122"/>
+              </a:rPr>
+              <a:t>unsafe_unretained</a:t>
+            </a:r>
+            <a:endParaRPr lang="en-US" altLang="zh-CN" sz="1400" dirty="0">
+              <a:solidFill>
+                <a:schemeClr val="tx1">
+                  <a:lumMod val="65000"/>
+                  <a:lumOff val="35000"/>
+                </a:schemeClr>
+              </a:solidFill>
+              <a:latin typeface="微软雅黑" panose="020B0503020204020204" pitchFamily="34" charset="-122"/>
+              <a:ea typeface="微软雅黑" panose="020B0503020204020204" pitchFamily="34" charset="-122"/>
+            </a:endParaRPr>
+          </a:p>
+          <a:p>
+            <a:pPr marL="342900" indent="-342900">
+              <a:lnSpc>
+                <a:spcPts val="2200"/>
+              </a:lnSpc>
+              <a:buFont typeface="Wingdings" charset="2"/>
+              <a:buChar char="p"/>
+            </a:pPr>
+            <a:r>
+              <a:rPr lang="en-US" altLang="zh-CN" sz="1400" dirty="0">
+                <a:solidFill>
+                  <a:schemeClr val="tx1">
+                    <a:lumMod val="65000"/>
+                    <a:lumOff val="35000"/>
+                  </a:schemeClr>
+                </a:solidFill>
+                <a:latin typeface="微软雅黑" panose="020B0503020204020204" pitchFamily="34" charset="-122"/>
+                <a:ea typeface="微软雅黑" panose="020B0503020204020204" pitchFamily="34" charset="-122"/>
+              </a:rPr>
+              <a:t>2.</a:t>
+            </a:r>
+            <a:r>
+              <a:rPr lang="zh-CN" altLang="en-US" sz="1400" dirty="0">
+                <a:solidFill>
+                  <a:schemeClr val="tx1">
+                    <a:lumMod val="65000"/>
+                    <a:lumOff val="35000"/>
+                  </a:schemeClr>
+                </a:solidFill>
+                <a:latin typeface="微软雅黑" panose="020B0503020204020204" pitchFamily="34" charset="-122"/>
+                <a:ea typeface="微软雅黑" panose="020B0503020204020204" pitchFamily="34" charset="-122"/>
+              </a:rPr>
+              <a:t> 如果明确的知道对象的生命周期，用</a:t>
+            </a:r>
+            <a:r>
+              <a:rPr lang="en" altLang="zh-CN" sz="1400" dirty="0">
+                <a:solidFill>
+                  <a:schemeClr val="tx1">
+                    <a:lumMod val="65000"/>
+                    <a:lumOff val="35000"/>
+                  </a:schemeClr>
+                </a:solidFill>
+                <a:latin typeface="微软雅黑" panose="020B0503020204020204" pitchFamily="34" charset="-122"/>
+                <a:ea typeface="微软雅黑" panose="020B0503020204020204" pitchFamily="34" charset="-122"/>
+              </a:rPr>
+              <a:t>__</a:t>
+            </a:r>
+            <a:r>
+              <a:rPr lang="en" altLang="zh-CN" sz="1400" dirty="0" err="1">
+                <a:solidFill>
+                  <a:schemeClr val="tx1">
+                    <a:lumMod val="65000"/>
+                    <a:lumOff val="35000"/>
+                  </a:schemeClr>
+                </a:solidFill>
+                <a:latin typeface="微软雅黑" panose="020B0503020204020204" pitchFamily="34" charset="-122"/>
+                <a:ea typeface="微软雅黑" panose="020B0503020204020204" pitchFamily="34" charset="-122"/>
+              </a:rPr>
+              <a:t>unsafe_unretained</a:t>
+            </a:r>
+            <a:r>
+              <a:rPr lang="en" altLang="zh-CN" sz="1400" dirty="0">
+                <a:solidFill>
+                  <a:schemeClr val="tx1">
+                    <a:lumMod val="65000"/>
+                    <a:lumOff val="35000"/>
+                  </a:schemeClr>
+                </a:solidFill>
+                <a:latin typeface="微软雅黑" panose="020B0503020204020204" pitchFamily="34" charset="-122"/>
+                <a:ea typeface="微软雅黑" panose="020B0503020204020204" pitchFamily="34" charset="-122"/>
+              </a:rPr>
+              <a:t> </a:t>
+            </a:r>
+            <a:r>
+              <a:rPr lang="zh-CN" altLang="en-US" sz="1400" dirty="0">
+                <a:solidFill>
+                  <a:schemeClr val="tx1">
+                    <a:lumMod val="65000"/>
+                    <a:lumOff val="35000"/>
+                  </a:schemeClr>
+                </a:solidFill>
+                <a:latin typeface="微软雅黑" panose="020B0503020204020204" pitchFamily="34" charset="-122"/>
+                <a:ea typeface="微软雅黑" panose="020B0503020204020204" pitchFamily="34" charset="-122"/>
+              </a:rPr>
+              <a:t>会有一些性能提升。</a:t>
+            </a:r>
+            <a:endParaRPr lang="en-US" altLang="zh-CN" sz="1400" dirty="0">
+              <a:solidFill>
+                <a:schemeClr val="tx1">
+                  <a:lumMod val="65000"/>
+                  <a:lumOff val="35000"/>
+                </a:schemeClr>
+              </a:solidFill>
+              <a:latin typeface="微软雅黑" panose="020B0503020204020204" pitchFamily="34" charset="-122"/>
+              <a:ea typeface="微软雅黑" panose="020B0503020204020204" pitchFamily="34" charset="-122"/>
+            </a:endParaRPr>
+          </a:p>
+          <a:p>
+            <a:pPr marL="342900" indent="-342900">
+              <a:lnSpc>
+                <a:spcPts val="2200"/>
+              </a:lnSpc>
+              <a:buFont typeface="Wingdings" charset="2"/>
+              <a:buChar char="p"/>
+            </a:pPr>
+            <a:endParaRPr lang="en-US" altLang="zh-CN" sz="1400" dirty="0">
+              <a:solidFill>
+                <a:schemeClr val="tx1">
+                  <a:lumMod val="65000"/>
+                  <a:lumOff val="35000"/>
+                </a:schemeClr>
+              </a:solidFill>
+              <a:latin typeface="微软雅黑" panose="020B0503020204020204" pitchFamily="34" charset="-122"/>
+              <a:ea typeface="微软雅黑" panose="020B0503020204020204" pitchFamily="34" charset="-122"/>
+            </a:endParaRPr>
+          </a:p>
+          <a:p>
+            <a:pPr marL="342900" indent="-342900">
+              <a:lnSpc>
+                <a:spcPts val="2200"/>
+              </a:lnSpc>
+              <a:buFont typeface="Wingdings" charset="2"/>
+              <a:buChar char="p"/>
+            </a:pPr>
+            <a:endParaRPr lang="en-US" altLang="zh-CN" sz="1400" dirty="0">
               <a:solidFill>
                 <a:schemeClr val="tx1">
                   <a:lumMod val="65000"/>
@@ -4080,6 +4734,311 @@
                       </p:childTnLst>
                     </p:cTn>
                   </p:par>
+                  <p:par>
+                    <p:cTn id="43" fill="hold">
+                      <p:stCondLst>
+                        <p:cond delay="indefinite"/>
+                      </p:stCondLst>
+                      <p:childTnLst>
+                        <p:par>
+                          <p:cTn id="44" fill="hold">
+                            <p:stCondLst>
+                              <p:cond delay="0"/>
+                            </p:stCondLst>
+                            <p:childTnLst>
+                              <p:par>
+                                <p:cTn id="45" presetID="22" presetClass="entr" presetSubtype="8" fill="hold" nodeType="clickEffect">
+                                  <p:stCondLst>
+                                    <p:cond delay="0"/>
+                                  </p:stCondLst>
+                                  <p:childTnLst>
+                                    <p:set>
+                                      <p:cBhvr>
+                                        <p:cTn id="46" dur="1" fill="hold">
+                                          <p:stCondLst>
+                                            <p:cond delay="0"/>
+                                          </p:stCondLst>
+                                        </p:cTn>
+                                        <p:tgtEl>
+                                          <p:spTgt spid="44">
+                                            <p:txEl>
+                                              <p:pRg st="13" end="13"/>
+                                            </p:txEl>
+                                          </p:spTgt>
+                                        </p:tgtEl>
+                                        <p:attrNameLst>
+                                          <p:attrName>style.visibility</p:attrName>
+                                        </p:attrNameLst>
+                                      </p:cBhvr>
+                                      <p:to>
+                                        <p:strVal val="visible"/>
+                                      </p:to>
+                                    </p:set>
+                                    <p:animEffect transition="in" filter="wipe(left)">
+                                      <p:cBhvr>
+                                        <p:cTn id="47" dur="500"/>
+                                        <p:tgtEl>
+                                          <p:spTgt spid="44">
+                                            <p:txEl>
+                                              <p:pRg st="13" end="13"/>
+                                            </p:txEl>
+                                          </p:spTgt>
+                                        </p:tgtEl>
+                                      </p:cBhvr>
+                                    </p:animEffect>
+                                  </p:childTnLst>
+                                </p:cTn>
+                              </p:par>
+                            </p:childTnLst>
+                          </p:cTn>
+                        </p:par>
+                      </p:childTnLst>
+                    </p:cTn>
+                  </p:par>
+                  <p:par>
+                    <p:cTn id="48" fill="hold">
+                      <p:stCondLst>
+                        <p:cond delay="indefinite"/>
+                      </p:stCondLst>
+                      <p:childTnLst>
+                        <p:par>
+                          <p:cTn id="49" fill="hold">
+                            <p:stCondLst>
+                              <p:cond delay="0"/>
+                            </p:stCondLst>
+                            <p:childTnLst>
+                              <p:par>
+                                <p:cTn id="50" presetID="22" presetClass="entr" presetSubtype="8" fill="hold" nodeType="clickEffect">
+                                  <p:stCondLst>
+                                    <p:cond delay="0"/>
+                                  </p:stCondLst>
+                                  <p:childTnLst>
+                                    <p:set>
+                                      <p:cBhvr>
+                                        <p:cTn id="51" dur="1" fill="hold">
+                                          <p:stCondLst>
+                                            <p:cond delay="0"/>
+                                          </p:stCondLst>
+                                        </p:cTn>
+                                        <p:tgtEl>
+                                          <p:spTgt spid="44">
+                                            <p:txEl>
+                                              <p:pRg st="14" end="14"/>
+                                            </p:txEl>
+                                          </p:spTgt>
+                                        </p:tgtEl>
+                                        <p:attrNameLst>
+                                          <p:attrName>style.visibility</p:attrName>
+                                        </p:attrNameLst>
+                                      </p:cBhvr>
+                                      <p:to>
+                                        <p:strVal val="visible"/>
+                                      </p:to>
+                                    </p:set>
+                                    <p:animEffect transition="in" filter="wipe(left)">
+                                      <p:cBhvr>
+                                        <p:cTn id="52" dur="500"/>
+                                        <p:tgtEl>
+                                          <p:spTgt spid="44">
+                                            <p:txEl>
+                                              <p:pRg st="14" end="14"/>
+                                            </p:txEl>
+                                          </p:spTgt>
+                                        </p:tgtEl>
+                                      </p:cBhvr>
+                                    </p:animEffect>
+                                  </p:childTnLst>
+                                </p:cTn>
+                              </p:par>
+                            </p:childTnLst>
+                          </p:cTn>
+                        </p:par>
+                      </p:childTnLst>
+                    </p:cTn>
+                  </p:par>
+                  <p:par>
+                    <p:cTn id="53" fill="hold">
+                      <p:stCondLst>
+                        <p:cond delay="indefinite"/>
+                      </p:stCondLst>
+                      <p:childTnLst>
+                        <p:par>
+                          <p:cTn id="54" fill="hold">
+                            <p:stCondLst>
+                              <p:cond delay="0"/>
+                            </p:stCondLst>
+                            <p:childTnLst>
+                              <p:par>
+                                <p:cTn id="55" presetID="22" presetClass="entr" presetSubtype="8" fill="hold" nodeType="clickEffect">
+                                  <p:stCondLst>
+                                    <p:cond delay="0"/>
+                                  </p:stCondLst>
+                                  <p:childTnLst>
+                                    <p:set>
+                                      <p:cBhvr>
+                                        <p:cTn id="56" dur="1" fill="hold">
+                                          <p:stCondLst>
+                                            <p:cond delay="0"/>
+                                          </p:stCondLst>
+                                        </p:cTn>
+                                        <p:tgtEl>
+                                          <p:spTgt spid="44">
+                                            <p:txEl>
+                                              <p:pRg st="15" end="15"/>
+                                            </p:txEl>
+                                          </p:spTgt>
+                                        </p:tgtEl>
+                                        <p:attrNameLst>
+                                          <p:attrName>style.visibility</p:attrName>
+                                        </p:attrNameLst>
+                                      </p:cBhvr>
+                                      <p:to>
+                                        <p:strVal val="visible"/>
+                                      </p:to>
+                                    </p:set>
+                                    <p:animEffect transition="in" filter="wipe(left)">
+                                      <p:cBhvr>
+                                        <p:cTn id="57" dur="500"/>
+                                        <p:tgtEl>
+                                          <p:spTgt spid="44">
+                                            <p:txEl>
+                                              <p:pRg st="15" end="15"/>
+                                            </p:txEl>
+                                          </p:spTgt>
+                                        </p:tgtEl>
+                                      </p:cBhvr>
+                                    </p:animEffect>
+                                  </p:childTnLst>
+                                </p:cTn>
+                              </p:par>
+                            </p:childTnLst>
+                          </p:cTn>
+                        </p:par>
+                      </p:childTnLst>
+                    </p:cTn>
+                  </p:par>
+                  <p:par>
+                    <p:cTn id="58" fill="hold">
+                      <p:stCondLst>
+                        <p:cond delay="indefinite"/>
+                      </p:stCondLst>
+                      <p:childTnLst>
+                        <p:par>
+                          <p:cTn id="59" fill="hold">
+                            <p:stCondLst>
+                              <p:cond delay="0"/>
+                            </p:stCondLst>
+                            <p:childTnLst>
+                              <p:par>
+                                <p:cTn id="60" presetID="22" presetClass="entr" presetSubtype="8" fill="hold" nodeType="clickEffect">
+                                  <p:stCondLst>
+                                    <p:cond delay="0"/>
+                                  </p:stCondLst>
+                                  <p:childTnLst>
+                                    <p:set>
+                                      <p:cBhvr>
+                                        <p:cTn id="61" dur="1" fill="hold">
+                                          <p:stCondLst>
+                                            <p:cond delay="0"/>
+                                          </p:stCondLst>
+                                        </p:cTn>
+                                        <p:tgtEl>
+                                          <p:spTgt spid="44">
+                                            <p:txEl>
+                                              <p:pRg st="16" end="16"/>
+                                            </p:txEl>
+                                          </p:spTgt>
+                                        </p:tgtEl>
+                                        <p:attrNameLst>
+                                          <p:attrName>style.visibility</p:attrName>
+                                        </p:attrNameLst>
+                                      </p:cBhvr>
+                                      <p:to>
+                                        <p:strVal val="visible"/>
+                                      </p:to>
+                                    </p:set>
+                                    <p:animEffect transition="in" filter="wipe(left)">
+                                      <p:cBhvr>
+                                        <p:cTn id="62" dur="500"/>
+                                        <p:tgtEl>
+                                          <p:spTgt spid="44">
+                                            <p:txEl>
+                                              <p:pRg st="16" end="16"/>
+                                            </p:txEl>
+                                          </p:spTgt>
+                                        </p:tgtEl>
+                                      </p:cBhvr>
+                                    </p:animEffect>
+                                  </p:childTnLst>
+                                </p:cTn>
+                              </p:par>
+                            </p:childTnLst>
+                          </p:cTn>
+                        </p:par>
+                      </p:childTnLst>
+                    </p:cTn>
+                  </p:par>
+                  <p:par>
+                    <p:cTn id="63" fill="hold">
+                      <p:stCondLst>
+                        <p:cond delay="indefinite"/>
+                      </p:stCondLst>
+                      <p:childTnLst>
+                        <p:par>
+                          <p:cTn id="64" fill="hold">
+                            <p:stCondLst>
+                              <p:cond delay="0"/>
+                            </p:stCondLst>
+                            <p:childTnLst>
+                              <p:par>
+                                <p:cTn id="65" presetID="22" presetClass="entr" presetSubtype="8" fill="hold" nodeType="clickEffect">
+                                  <p:stCondLst>
+                                    <p:cond delay="0"/>
+                                  </p:stCondLst>
+                                  <p:childTnLst>
+                                    <p:set>
+                                      <p:cBhvr>
+                                        <p:cTn id="66" dur="1" fill="hold">
+                                          <p:stCondLst>
+                                            <p:cond delay="0"/>
+                                          </p:stCondLst>
+                                        </p:cTn>
+                                        <p:tgtEl>
+                                          <p:spTgt spid="44">
+                                            <p:txEl>
+                                              <p:pRg st="17" end="17"/>
+                                            </p:txEl>
+                                          </p:spTgt>
+                                        </p:tgtEl>
+                                        <p:attrNameLst>
+                                          <p:attrName>style.visibility</p:attrName>
+                                        </p:attrNameLst>
+                                      </p:cBhvr>
+                                      <p:to>
+                                        <p:strVal val="visible"/>
+                                      </p:to>
+                                    </p:set>
+                                    <p:animEffect transition="in" filter="wipe(left)">
+                                      <p:cBhvr>
+                                        <p:cTn id="67" dur="500"/>
+                                        <p:tgtEl>
+                                          <p:spTgt spid="44">
+                                            <p:txEl>
+                                              <p:pRg st="17" end="17"/>
+                                            </p:txEl>
+                                          </p:spTgt>
+                                        </p:tgtEl>
+                                      </p:cBhvr>
+                                    </p:animEffect>
+                                  </p:childTnLst>
+                                </p:cTn>
+                              </p:par>
+                            </p:childTnLst>
+                          </p:cTn>
+                        </p:par>
+                      </p:childTnLst>
+                    </p:cTn>
+                  </p:par>
                 </p:childTnLst>
               </p:cTn>
               <p:prevCondLst>
@@ -5025,18 +5984,18 @@
           <a:lstStyle/>
           <a:p>
             <a:r>
-              <a:rPr lang="en-US" altLang="zh-CN" dirty="0"/>
+              <a:rPr lang="en-US" altLang="zh-CN"/>
               <a:t>copy</a:t>
             </a:r>
             <a:r>
-              <a:rPr lang="zh-CN" altLang="en-US" dirty="0"/>
+              <a:rPr lang="zh-CN" altLang="en-US"/>
               <a:t>和</a:t>
             </a:r>
             <a:r>
-              <a:rPr lang="en-US" altLang="zh-CN" dirty="0" err="1"/>
+              <a:rPr lang="en-US" altLang="zh-CN"/>
               <a:t>mutableCopy</a:t>
             </a:r>
-            <a:endParaRPr lang="zh-CN" altLang="en-US" dirty="0"/>
+            <a:endParaRPr lang="zh-CN" altLang="en-US"/>
           </a:p>
         </p:txBody>
       </p:sp>
@@ -5497,14 +6456,14 @@
                     <a:lstStyle/>
                     <a:p>
                       <a:r>
-                        <a:rPr lang="en-US" altLang="zh-CN" dirty="0" err="1">
+                        <a:rPr lang="en-US" altLang="zh-CN">
                           <a:solidFill>
                             <a:srgbClr val="FF0000"/>
                           </a:solidFill>
                         </a:rPr>
                         <a:t>NSDictionary</a:t>
                       </a:r>
-                      <a:endParaRPr lang="zh-CN" altLang="en-US" dirty="0">
+                      <a:endParaRPr lang="zh-CN" altLang="en-US">
                         <a:solidFill>
                           <a:srgbClr val="FF0000"/>
                         </a:solidFill>
@@ -5634,22 +6593,17 @@
                     <a:lstStyle/>
                     <a:p>
                       <a:r>
-                        <a:rPr lang="en-US" altLang="zh-CN" dirty="0" err="1">
+                        <a:rPr lang="en-US" altLang="zh-CN">
                           <a:solidFill>
                             <a:schemeClr val="tx1"/>
                           </a:solidFill>
                         </a:rPr>
                         <a:t>NSMutableDictionary</a:t>
                       </a:r>
-                      <a:endParaRPr lang="en-US" altLang="zh-CN" dirty="0">
-                        <a:solidFill>
-                          <a:schemeClr val="tx1"/>
-                        </a:solidFill>
-                      </a:endParaRPr>
                     </a:p>
                     <a:p>
                       <a:r>
-                        <a:rPr lang="zh-CN" altLang="en-US" dirty="0">
+                        <a:rPr lang="zh-CN" altLang="en-US">
                           <a:solidFill>
                             <a:schemeClr val="tx1"/>
                           </a:solidFill>
@@ -5758,12 +6712,9 @@
               <a:buChar char="n"/>
             </a:pPr>
             <a:r>
-              <a:rPr lang="zh-CN" altLang="en-US" sz="1600">
-                <a:solidFill>
-                  <a:schemeClr val="tx1">
-                    <a:lumMod val="65000"/>
-                    <a:lumOff val="35000"/>
-                  </a:schemeClr>
+              <a:rPr lang="zh-CN" altLang="en-US" sz="1600" dirty="0">
+                <a:solidFill>
+                  <a:srgbClr val="FF0000"/>
                 </a:solidFill>
                 <a:latin typeface="微软雅黑" panose="020B0503020204020204" pitchFamily="34" charset="-122"/>
                 <a:ea typeface="微软雅黑" panose="020B0503020204020204" pitchFamily="34" charset="-122"/>
@@ -5771,12 +6722,9 @@
               <a:t>在</a:t>
             </a:r>
             <a:r>
-              <a:rPr lang="en-US" altLang="zh-CN" sz="1600">
-                <a:solidFill>
-                  <a:schemeClr val="tx1">
-                    <a:lumMod val="65000"/>
-                    <a:lumOff val="35000"/>
-                  </a:schemeClr>
+              <a:rPr lang="en-US" altLang="zh-CN" sz="1600" dirty="0">
+                <a:solidFill>
+                  <a:srgbClr val="FF0000"/>
                 </a:solidFill>
                 <a:latin typeface="微软雅黑" panose="020B0503020204020204" pitchFamily="34" charset="-122"/>
                 <a:ea typeface="微软雅黑" panose="020B0503020204020204" pitchFamily="34" charset="-122"/>
@@ -5784,12 +6732,9 @@
               <a:t>64bit</a:t>
             </a:r>
             <a:r>
-              <a:rPr lang="zh-CN" altLang="en-US" sz="1600">
-                <a:solidFill>
-                  <a:schemeClr val="tx1">
-                    <a:lumMod val="65000"/>
-                    <a:lumOff val="35000"/>
-                  </a:schemeClr>
+              <a:rPr lang="zh-CN" altLang="en-US" sz="1600" dirty="0">
+                <a:solidFill>
+                  <a:srgbClr val="FF0000"/>
                 </a:solidFill>
                 <a:latin typeface="微软雅黑" panose="020B0503020204020204" pitchFamily="34" charset="-122"/>
                 <a:ea typeface="微软雅黑" panose="020B0503020204020204" pitchFamily="34" charset="-122"/>
@@ -5797,12 +6742,9 @@
               <a:t>中，引用计数可以直接存储在优化过的</a:t>
             </a:r>
             <a:r>
-              <a:rPr lang="en-US" altLang="zh-CN" sz="1600">
-                <a:solidFill>
-                  <a:schemeClr val="tx1">
-                    <a:lumMod val="65000"/>
-                    <a:lumOff val="35000"/>
-                  </a:schemeClr>
+              <a:rPr lang="en-US" altLang="zh-CN" sz="1600" dirty="0" err="1">
+                <a:solidFill>
+                  <a:srgbClr val="FF0000"/>
                 </a:solidFill>
                 <a:latin typeface="微软雅黑" panose="020B0503020204020204" pitchFamily="34" charset="-122"/>
                 <a:ea typeface="微软雅黑" panose="020B0503020204020204" pitchFamily="34" charset="-122"/>
@@ -5810,12 +6752,9 @@
               <a:t>isa</a:t>
             </a:r>
             <a:r>
-              <a:rPr lang="zh-CN" altLang="en-US" sz="1600">
-                <a:solidFill>
-                  <a:schemeClr val="tx1">
-                    <a:lumMod val="65000"/>
-                    <a:lumOff val="35000"/>
-                  </a:schemeClr>
+              <a:rPr lang="zh-CN" altLang="en-US" sz="1600" dirty="0">
+                <a:solidFill>
+                  <a:srgbClr val="FF0000"/>
                 </a:solidFill>
                 <a:latin typeface="微软雅黑" panose="020B0503020204020204" pitchFamily="34" charset="-122"/>
                 <a:ea typeface="微软雅黑" panose="020B0503020204020204" pitchFamily="34" charset="-122"/>
@@ -5823,12 +6762,9 @@
               <a:t>指针中，也可能存储在</a:t>
             </a:r>
             <a:r>
-              <a:rPr lang="en-US" altLang="zh-CN" sz="1600">
-                <a:solidFill>
-                  <a:schemeClr val="tx1">
-                    <a:lumMod val="65000"/>
-                    <a:lumOff val="35000"/>
-                  </a:schemeClr>
+              <a:rPr lang="en-US" altLang="zh-CN" sz="1600" dirty="0" err="1">
+                <a:solidFill>
+                  <a:srgbClr val="FF0000"/>
                 </a:solidFill>
                 <a:latin typeface="微软雅黑" panose="020B0503020204020204" pitchFamily="34" charset="-122"/>
                 <a:ea typeface="微软雅黑" panose="020B0503020204020204" pitchFamily="34" charset="-122"/>
@@ -5836,24 +6772,18 @@
               <a:t>SideTable</a:t>
             </a:r>
             <a:r>
-              <a:rPr lang="zh-CN" altLang="en-US" sz="1600">
-                <a:solidFill>
-                  <a:schemeClr val="tx1">
-                    <a:lumMod val="65000"/>
-                    <a:lumOff val="35000"/>
-                  </a:schemeClr>
+              <a:rPr lang="zh-CN" altLang="en-US" sz="1600" dirty="0">
+                <a:solidFill>
+                  <a:srgbClr val="FF0000"/>
                 </a:solidFill>
                 <a:latin typeface="微软雅黑" panose="020B0503020204020204" pitchFamily="34" charset="-122"/>
                 <a:ea typeface="微软雅黑" panose="020B0503020204020204" pitchFamily="34" charset="-122"/>
               </a:rPr>
               <a:t>类中</a:t>
             </a:r>
-            <a:endParaRPr lang="en-US" altLang="zh-CN" sz="1600">
+            <a:endParaRPr lang="en-US" altLang="zh-CN" sz="1600" dirty="0">
               <a:solidFill>
-                <a:schemeClr val="tx1">
-                  <a:lumMod val="65000"/>
-                  <a:lumOff val="35000"/>
-                </a:schemeClr>
+                <a:srgbClr val="FF0000"/>
               </a:solidFill>
               <a:latin typeface="微软雅黑" panose="020B0503020204020204" pitchFamily="34" charset="-122"/>
               <a:ea typeface="微软雅黑" panose="020B0503020204020204" pitchFamily="34" charset="-122"/>
@@ -12264,7 +13194,7 @@
               <a:buChar char="n"/>
             </a:pPr>
             <a:r>
-              <a:rPr lang="zh-CN" altLang="en-US" sz="1600" dirty="0">
+              <a:rPr lang="zh-CN" altLang="en-US" sz="1600">
                 <a:solidFill>
                   <a:schemeClr val="tx1">
                     <a:lumMod val="65000"/>
@@ -12277,7 +13207,7 @@
               <a:t>调用</a:t>
             </a:r>
             <a:r>
-              <a:rPr lang="en-US" altLang="zh-CN" sz="1600" dirty="0">
+              <a:rPr lang="en-US" altLang="zh-CN" sz="1600">
                 <a:solidFill>
                   <a:schemeClr val="tx1">
                     <a:lumMod val="65000"/>
@@ -12290,7 +13220,7 @@
               <a:t>push</a:t>
             </a:r>
             <a:r>
-              <a:rPr lang="zh-CN" altLang="en-US" sz="1600" dirty="0">
+              <a:rPr lang="zh-CN" altLang="en-US" sz="1600">
                 <a:solidFill>
                   <a:schemeClr val="tx1">
                     <a:lumMod val="65000"/>
@@ -12303,7 +13233,7 @@
               <a:t>方法会将一个</a:t>
             </a:r>
             <a:r>
-              <a:rPr lang="en-US" altLang="zh-CN" sz="1600" dirty="0">
+              <a:rPr lang="en-US" altLang="zh-CN" sz="1600">
                 <a:solidFill>
                   <a:srgbClr val="643820"/>
                 </a:solidFill>
@@ -12312,7 +13242,7 @@
               <a:t>POOL_BOUNDARY</a:t>
             </a:r>
             <a:r>
-              <a:rPr lang="zh-CN" altLang="en-US" sz="1600" dirty="0">
+              <a:rPr lang="zh-CN" altLang="en-US" sz="1600">
                 <a:solidFill>
                   <a:schemeClr val="tx1">
                     <a:lumMod val="65000"/>
@@ -12324,7 +13254,7 @@
               </a:rPr>
               <a:t>入栈，并且返回其存放的内存地址</a:t>
             </a:r>
-            <a:endParaRPr lang="en-US" altLang="zh-CN" sz="1600" dirty="0">
+            <a:endParaRPr lang="en-US" altLang="zh-CN" sz="1600">
               <a:solidFill>
                 <a:schemeClr val="tx1">
                   <a:lumMod val="65000"/>
@@ -12343,7 +13273,7 @@
               <a:buFont typeface="Wingdings" charset="2"/>
               <a:buChar char="n"/>
             </a:pPr>
-            <a:endParaRPr lang="en-US" altLang="zh-CN" sz="1600" dirty="0">
+            <a:endParaRPr lang="en-US" altLang="zh-CN" sz="1600">
               <a:solidFill>
                 <a:schemeClr val="tx1">
                   <a:lumMod val="65000"/>
@@ -12363,7 +13293,7 @@
               <a:buChar char="n"/>
             </a:pPr>
             <a:r>
-              <a:rPr lang="zh-CN" altLang="en-US" sz="1600" dirty="0">
+              <a:rPr lang="zh-CN" altLang="en-US" sz="1600">
                 <a:solidFill>
                   <a:schemeClr val="tx1">
                     <a:lumMod val="65000"/>
@@ -12376,7 +13306,7 @@
               <a:t>调用</a:t>
             </a:r>
             <a:r>
-              <a:rPr lang="en-US" altLang="zh-CN" sz="1600" dirty="0">
+              <a:rPr lang="en-US" altLang="zh-CN" sz="1600">
                 <a:solidFill>
                   <a:schemeClr val="tx1">
                     <a:lumMod val="65000"/>
@@ -12389,7 +13319,7 @@
               <a:t>pop</a:t>
             </a:r>
             <a:r>
-              <a:rPr lang="zh-CN" altLang="en-US" sz="1600" dirty="0">
+              <a:rPr lang="zh-CN" altLang="en-US" sz="1600">
                 <a:solidFill>
                   <a:schemeClr val="tx1">
                     <a:lumMod val="65000"/>
@@ -12402,7 +13332,7 @@
               <a:t>方法时传入一个</a:t>
             </a:r>
             <a:r>
-              <a:rPr lang="en-US" altLang="zh-CN" sz="1600" dirty="0">
+              <a:rPr lang="en-US" altLang="zh-CN" sz="1600">
                 <a:solidFill>
                   <a:srgbClr val="643820"/>
                 </a:solidFill>
@@ -12411,7 +13341,7 @@
               <a:t>POOL_BOUNDARY</a:t>
             </a:r>
             <a:r>
-              <a:rPr lang="zh-CN" altLang="en-US" sz="1600" dirty="0">
+              <a:rPr lang="zh-CN" altLang="en-US" sz="1600">
                 <a:solidFill>
                   <a:schemeClr val="tx1">
                     <a:lumMod val="65000"/>
@@ -12424,7 +13354,7 @@
               <a:t>的内存地址，会从最后一个入栈的对象开始发送</a:t>
             </a:r>
             <a:r>
-              <a:rPr lang="en-US" altLang="zh-CN" sz="1600" dirty="0">
+              <a:rPr lang="en-US" altLang="zh-CN" sz="1600">
                 <a:solidFill>
                   <a:schemeClr val="tx1">
                     <a:lumMod val="65000"/>
@@ -12437,7 +13367,7 @@
               <a:t>release</a:t>
             </a:r>
             <a:r>
-              <a:rPr lang="zh-CN" altLang="en-US" sz="1600" dirty="0">
+              <a:rPr lang="zh-CN" altLang="en-US" sz="1600">
                 <a:solidFill>
                   <a:schemeClr val="tx1">
                     <a:lumMod val="65000"/>
@@ -12450,7 +13380,7 @@
               <a:t>消息，直到遇到这个</a:t>
             </a:r>
             <a:r>
-              <a:rPr lang="en-US" altLang="zh-CN" sz="1600" dirty="0">
+              <a:rPr lang="en-US" altLang="zh-CN" sz="1600">
                 <a:solidFill>
                   <a:srgbClr val="643820"/>
                 </a:solidFill>
@@ -12458,7 +13388,7 @@
               </a:rPr>
               <a:t>POOL_BOUNDARY</a:t>
             </a:r>
-            <a:endParaRPr lang="en-US" altLang="zh-CN" sz="1600" dirty="0">
+            <a:endParaRPr lang="en-US" altLang="zh-CN" sz="1600">
               <a:solidFill>
                 <a:schemeClr val="tx1">
                   <a:lumMod val="65000"/>
@@ -12477,7 +13407,7 @@
               <a:buFont typeface="Wingdings" charset="2"/>
               <a:buChar char="n"/>
             </a:pPr>
-            <a:endParaRPr lang="en-US" altLang="zh-CN" sz="1600" dirty="0">
+            <a:endParaRPr lang="en-US" altLang="zh-CN" sz="1600">
               <a:solidFill>
                 <a:schemeClr val="tx1">
                   <a:lumMod val="65000"/>
@@ -12497,7 +13427,7 @@
               <a:buChar char="n"/>
             </a:pPr>
             <a:r>
-              <a:rPr lang="en-US" altLang="zh-CN" sz="1600" dirty="0">
+              <a:rPr lang="en-US" altLang="zh-CN" sz="1600">
                 <a:solidFill>
                   <a:srgbClr val="AA0D91"/>
                 </a:solidFill>
@@ -12506,7 +13436,7 @@
               <a:t>id</a:t>
             </a:r>
             <a:r>
-              <a:rPr lang="en-US" altLang="zh-CN" sz="1600" dirty="0">
+              <a:rPr lang="en-US" altLang="zh-CN" sz="1600">
                 <a:solidFill>
                   <a:srgbClr val="000000"/>
                 </a:solidFill>
@@ -12515,7 +13445,7 @@
               <a:t> *next</a:t>
             </a:r>
             <a:r>
-              <a:rPr lang="zh-CN" altLang="en-US" sz="1600" dirty="0">
+              <a:rPr lang="zh-CN" altLang="en-US" sz="1600">
                 <a:solidFill>
                   <a:schemeClr val="tx1">
                     <a:lumMod val="65000"/>
@@ -12528,7 +13458,7 @@
               <a:t>指向了下一个能存放</a:t>
             </a:r>
             <a:r>
-              <a:rPr lang="en-US" altLang="zh-CN" sz="1600" dirty="0" err="1">
+              <a:rPr lang="en-US" altLang="zh-CN" sz="1600">
                 <a:solidFill>
                   <a:schemeClr val="tx1">
                     <a:lumMod val="65000"/>
@@ -12541,7 +13471,7 @@
               <a:t>autorelease</a:t>
             </a:r>
             <a:r>
-              <a:rPr lang="zh-CN" altLang="en-US" sz="1600" dirty="0">
+              <a:rPr lang="zh-CN" altLang="en-US" sz="1600">
                 <a:solidFill>
                   <a:schemeClr val="tx1">
                     <a:lumMod val="65000"/>
@@ -12553,7 +13483,7 @@
               </a:rPr>
               <a:t>对象地址的区域  </a:t>
             </a:r>
-            <a:endParaRPr lang="en-US" altLang="zh-CN" sz="1600" dirty="0">
+            <a:endParaRPr lang="en-US" altLang="zh-CN" sz="1600">
               <a:solidFill>
                 <a:schemeClr val="tx1">
                   <a:lumMod val="65000"/>
@@ -12906,7 +13836,7 @@
               <a:t>、</a:t>
             </a:r>
             <a:r>
-              <a:rPr lang="en-US" altLang="zh-CN" sz="1600" dirty="0" err="1">
+              <a:rPr lang="en-US" altLang="zh-CN" sz="1600" dirty="0">
                 <a:solidFill>
                   <a:schemeClr val="tx1">
                     <a:lumMod val="65000"/>
@@ -13207,6 +14137,177 @@
               </a:rPr>
               <a:t>Runtime</a:t>
             </a:r>
+          </a:p>
+          <a:p>
+            <a:pPr marL="342900" indent="-342900">
+              <a:lnSpc>
+                <a:spcPts val="2200"/>
+              </a:lnSpc>
+              <a:buFont typeface="Wingdings" charset="2"/>
+              <a:buChar char="n"/>
+            </a:pPr>
+            <a:r>
+              <a:rPr lang="en-US" altLang="zh-CN" sz="1400" dirty="0">
+                <a:solidFill>
+                  <a:schemeClr val="tx1">
+                    <a:lumMod val="65000"/>
+                    <a:lumOff val="35000"/>
+                  </a:schemeClr>
+                </a:solidFill>
+                <a:latin typeface="微软雅黑" panose="020B0503020204020204" pitchFamily="34" charset="-122"/>
+                <a:ea typeface="微软雅黑" panose="020B0503020204020204" pitchFamily="34" charset="-122"/>
+              </a:rPr>
+              <a:t>LLVM</a:t>
+            </a:r>
+            <a:r>
+              <a:rPr lang="zh-CN" altLang="en-US" sz="1400" dirty="0">
+                <a:solidFill>
+                  <a:schemeClr val="tx1">
+                    <a:lumMod val="65000"/>
+                    <a:lumOff val="35000"/>
+                  </a:schemeClr>
+                </a:solidFill>
+                <a:latin typeface="微软雅黑" panose="020B0503020204020204" pitchFamily="34" charset="-122"/>
+                <a:ea typeface="微软雅黑" panose="020B0503020204020204" pitchFamily="34" charset="-122"/>
+              </a:rPr>
+              <a:t>理由编译器自动帮我们生成</a:t>
+            </a:r>
+            <a:r>
+              <a:rPr lang="en-US" altLang="zh-CN" sz="1400" dirty="0">
+                <a:solidFill>
+                  <a:schemeClr val="tx1">
+                    <a:lumMod val="65000"/>
+                    <a:lumOff val="35000"/>
+                  </a:schemeClr>
+                </a:solidFill>
+                <a:latin typeface="微软雅黑" panose="020B0503020204020204" pitchFamily="34" charset="-122"/>
+                <a:ea typeface="微软雅黑" panose="020B0503020204020204" pitchFamily="34" charset="-122"/>
+              </a:rPr>
+              <a:t>release</a:t>
+            </a:r>
+            <a:r>
+              <a:rPr lang="zh-CN" altLang="en-US" sz="1400" dirty="0">
+                <a:solidFill>
+                  <a:schemeClr val="tx1">
+                    <a:lumMod val="65000"/>
+                    <a:lumOff val="35000"/>
+                  </a:schemeClr>
+                </a:solidFill>
+                <a:latin typeface="微软雅黑" panose="020B0503020204020204" pitchFamily="34" charset="-122"/>
+                <a:ea typeface="微软雅黑" panose="020B0503020204020204" pitchFamily="34" charset="-122"/>
+              </a:rPr>
+              <a:t>、</a:t>
+            </a:r>
+            <a:r>
+              <a:rPr lang="en" altLang="zh-CN" sz="1400" dirty="0">
+                <a:solidFill>
+                  <a:schemeClr val="tx1">
+                    <a:lumMod val="65000"/>
+                    <a:lumOff val="35000"/>
+                  </a:schemeClr>
+                </a:solidFill>
+                <a:latin typeface="微软雅黑" panose="020B0503020204020204" pitchFamily="34" charset="-122"/>
+                <a:ea typeface="微软雅黑" panose="020B0503020204020204" pitchFamily="34" charset="-122"/>
+              </a:rPr>
+              <a:t>retrain</a:t>
+            </a:r>
+            <a:r>
+              <a:rPr lang="zh-CN" altLang="en-US" sz="1400" dirty="0">
+                <a:solidFill>
+                  <a:schemeClr val="tx1">
+                    <a:lumMod val="65000"/>
+                    <a:lumOff val="35000"/>
+                  </a:schemeClr>
+                </a:solidFill>
+                <a:latin typeface="微软雅黑" panose="020B0503020204020204" pitchFamily="34" charset="-122"/>
+                <a:ea typeface="微软雅黑" panose="020B0503020204020204" pitchFamily="34" charset="-122"/>
+              </a:rPr>
+              <a:t>、</a:t>
+            </a:r>
+            <a:r>
+              <a:rPr lang="en-US" altLang="zh-CN" sz="1400" dirty="0" err="1">
+                <a:solidFill>
+                  <a:schemeClr val="tx1">
+                    <a:lumMod val="65000"/>
+                    <a:lumOff val="35000"/>
+                  </a:schemeClr>
+                </a:solidFill>
+                <a:latin typeface="微软雅黑" panose="020B0503020204020204" pitchFamily="34" charset="-122"/>
+                <a:ea typeface="微软雅黑" panose="020B0503020204020204" pitchFamily="34" charset="-122"/>
+              </a:rPr>
+              <a:t>autoRelease</a:t>
+            </a:r>
+            <a:r>
+              <a:rPr lang="zh-CN" altLang="en-US" sz="1400" dirty="0">
+                <a:solidFill>
+                  <a:schemeClr val="tx1">
+                    <a:lumMod val="65000"/>
+                    <a:lumOff val="35000"/>
+                  </a:schemeClr>
+                </a:solidFill>
+                <a:latin typeface="微软雅黑" panose="020B0503020204020204" pitchFamily="34" charset="-122"/>
+                <a:ea typeface="微软雅黑" panose="020B0503020204020204" pitchFamily="34" charset="-122"/>
+              </a:rPr>
+              <a:t>等操作，弱引用需要</a:t>
+            </a:r>
+            <a:r>
+              <a:rPr lang="en-US" altLang="zh-CN" sz="1400" dirty="0" err="1">
+                <a:solidFill>
+                  <a:schemeClr val="tx1">
+                    <a:lumMod val="65000"/>
+                    <a:lumOff val="35000"/>
+                  </a:schemeClr>
+                </a:solidFill>
+                <a:latin typeface="微软雅黑" panose="020B0503020204020204" pitchFamily="34" charset="-122"/>
+                <a:ea typeface="微软雅黑" panose="020B0503020204020204" pitchFamily="34" charset="-122"/>
+              </a:rPr>
+              <a:t>runTime</a:t>
+            </a:r>
+            <a:r>
+              <a:rPr lang="zh-CN" altLang="en-US" sz="1400" dirty="0">
+                <a:solidFill>
+                  <a:schemeClr val="tx1">
+                    <a:lumMod val="65000"/>
+                    <a:lumOff val="35000"/>
+                  </a:schemeClr>
+                </a:solidFill>
+                <a:latin typeface="微软雅黑" panose="020B0503020204020204" pitchFamily="34" charset="-122"/>
+                <a:ea typeface="微软雅黑" panose="020B0503020204020204" pitchFamily="34" charset="-122"/>
+              </a:rPr>
+              <a:t>的运行时来置空。</a:t>
+            </a:r>
+            <a:endParaRPr lang="en-US" altLang="zh-CN" sz="1400" dirty="0">
+              <a:solidFill>
+                <a:schemeClr val="tx1">
+                  <a:lumMod val="65000"/>
+                  <a:lumOff val="35000"/>
+                </a:schemeClr>
+              </a:solidFill>
+              <a:latin typeface="微软雅黑" panose="020B0503020204020204" pitchFamily="34" charset="-122"/>
+              <a:ea typeface="微软雅黑" panose="020B0503020204020204" pitchFamily="34" charset="-122"/>
+            </a:endParaRPr>
+          </a:p>
+          <a:p>
+            <a:pPr marL="342900" indent="-342900">
+              <a:lnSpc>
+                <a:spcPts val="2200"/>
+              </a:lnSpc>
+              <a:buFont typeface="Wingdings" charset="2"/>
+              <a:buChar char="n"/>
+            </a:pPr>
+            <a:r>
+              <a:rPr lang="en-US" altLang="zh-CN" sz="1600" dirty="0">
+                <a:solidFill>
+                  <a:schemeClr val="tx1">
+                    <a:lumMod val="65000"/>
+                    <a:lumOff val="35000"/>
+                  </a:schemeClr>
+                </a:solidFill>
+                <a:latin typeface="微软雅黑" panose="020B0503020204020204" pitchFamily="34" charset="-122"/>
+                <a:ea typeface="微软雅黑" panose="020B0503020204020204" pitchFamily="34" charset="-122"/>
+              </a:rPr>
+              <a:t>weak</a:t>
+            </a:r>
             <a:r>
               <a:rPr lang="zh-CN" altLang="en-US" sz="1600" dirty="0">
                 <a:solidFill>
@@ -13218,7 +14319,7 @@
                 <a:latin typeface="微软雅黑" panose="020B0503020204020204" pitchFamily="34" charset="-122"/>
                 <a:ea typeface="微软雅黑" panose="020B0503020204020204" pitchFamily="34" charset="-122"/>
               </a:rPr>
-              <a:t>相互协作的结果</a:t>
+              <a:t>指针的实现原理</a:t>
             </a:r>
             <a:endParaRPr lang="en-US" altLang="zh-CN" sz="1600" dirty="0">
               <a:solidFill>
@@ -13239,7 +14340,20 @@
               <a:buFont typeface="Wingdings" charset="2"/>
               <a:buChar char="n"/>
             </a:pPr>
-            <a:endParaRPr lang="en-US" altLang="zh-CN" sz="1600" dirty="0">
+            <a:r>
+              <a:rPr lang="zh-CN" altLang="en-US" sz="1400" dirty="0">
+                <a:solidFill>
+                  <a:schemeClr val="tx1">
+                    <a:lumMod val="65000"/>
+                    <a:lumOff val="35000"/>
+                  </a:schemeClr>
+                </a:solidFill>
+                <a:latin typeface="微软雅黑" panose="020B0503020204020204" pitchFamily="34" charset="-122"/>
+                <a:ea typeface="微软雅黑" panose="020B0503020204020204" pitchFamily="34" charset="-122"/>
+              </a:rPr>
+              <a:t>将弱引用存放在哈希表中，当对象销毁的时候，从哈希表中把当前对象的所有弱引用都置空。</a:t>
+            </a:r>
+            <a:endParaRPr lang="en-US" altLang="zh-CN" sz="1400" dirty="0">
               <a:solidFill>
                 <a:schemeClr val="tx1">
                   <a:lumMod val="65000"/>
@@ -13257,237 +14371,6 @@
               </a:lnSpc>
               <a:buFont typeface="Wingdings" charset="2"/>
               <a:buChar char="n"/>
-            </a:pPr>
-            <a:r>
-              <a:rPr lang="en-US" altLang="zh-CN" sz="1600" dirty="0">
-                <a:solidFill>
-                  <a:schemeClr val="tx1">
-                    <a:lumMod val="65000"/>
-                    <a:lumOff val="35000"/>
-                  </a:schemeClr>
-                </a:solidFill>
-                <a:latin typeface="微软雅黑" panose="020B0503020204020204" pitchFamily="34" charset="-122"/>
-                <a:ea typeface="微软雅黑" panose="020B0503020204020204" pitchFamily="34" charset="-122"/>
-              </a:rPr>
-              <a:t>weak</a:t>
-            </a:r>
-            <a:r>
-              <a:rPr lang="zh-CN" altLang="en-US" sz="1600" dirty="0">
-                <a:solidFill>
-                  <a:schemeClr val="tx1">
-                    <a:lumMod val="65000"/>
-                    <a:lumOff val="35000"/>
-                  </a:schemeClr>
-                </a:solidFill>
-                <a:latin typeface="微软雅黑" panose="020B0503020204020204" pitchFamily="34" charset="-122"/>
-                <a:ea typeface="微软雅黑" panose="020B0503020204020204" pitchFamily="34" charset="-122"/>
-              </a:rPr>
-              <a:t>指针的实现原理</a:t>
-            </a:r>
-            <a:endParaRPr lang="en-US" altLang="zh-CN" sz="1600" dirty="0">
-              <a:solidFill>
-                <a:schemeClr val="tx1">
-                  <a:lumMod val="65000"/>
-                  <a:lumOff val="35000"/>
-                </a:schemeClr>
-              </a:solidFill>
-              <a:latin typeface="微软雅黑" panose="020B0503020204020204" pitchFamily="34" charset="-122"/>
-              <a:ea typeface="微软雅黑" panose="020B0503020204020204" pitchFamily="34" charset="-122"/>
-            </a:endParaRPr>
-          </a:p>
-          <a:p>
-            <a:pPr marL="342900" indent="-342900">
-              <a:lnSpc>
-                <a:spcPts val="2200"/>
-              </a:lnSpc>
-              <a:buFont typeface="Wingdings" charset="2"/>
-              <a:buChar char="n"/>
-            </a:pPr>
-            <a:r>
-              <a:rPr lang="zh-CN" altLang="en-US" sz="1600" dirty="0">
-                <a:solidFill>
-                  <a:schemeClr val="tx1">
-                    <a:lumMod val="65000"/>
-                    <a:lumOff val="35000"/>
-                  </a:schemeClr>
-                </a:solidFill>
-                <a:latin typeface="微软雅黑" panose="020B0503020204020204" pitchFamily="34" charset="-122"/>
-                <a:ea typeface="微软雅黑" panose="020B0503020204020204" pitchFamily="34" charset="-122"/>
-              </a:rPr>
-              <a:t>不对被引用的对象进行</a:t>
-            </a:r>
-            <a:r>
-              <a:rPr lang="en" altLang="zh-CN" sz="1600" dirty="0">
-                <a:solidFill>
-                  <a:schemeClr val="tx1">
-                    <a:lumMod val="65000"/>
-                    <a:lumOff val="35000"/>
-                  </a:schemeClr>
-                </a:solidFill>
-                <a:latin typeface="微软雅黑" panose="020B0503020204020204" pitchFamily="34" charset="-122"/>
-                <a:ea typeface="微软雅黑" panose="020B0503020204020204" pitchFamily="34" charset="-122"/>
-              </a:rPr>
-              <a:t>retain,</a:t>
-            </a:r>
-            <a:r>
-              <a:rPr lang="zh-CN" altLang="en-US" sz="1600" dirty="0">
-                <a:solidFill>
-                  <a:schemeClr val="tx1">
-                    <a:lumMod val="65000"/>
-                    <a:lumOff val="35000"/>
-                  </a:schemeClr>
-                </a:solidFill>
-                <a:latin typeface="微软雅黑" panose="020B0503020204020204" pitchFamily="34" charset="-122"/>
-                <a:ea typeface="微软雅黑" panose="020B0503020204020204" pitchFamily="34" charset="-122"/>
-              </a:rPr>
-              <a:t>而是利用哈希表对</a:t>
-            </a:r>
-            <a:r>
-              <a:rPr lang="en" altLang="zh-CN" sz="1600" dirty="0">
-                <a:solidFill>
-                  <a:schemeClr val="tx1">
-                    <a:lumMod val="65000"/>
-                    <a:lumOff val="35000"/>
-                  </a:schemeClr>
-                </a:solidFill>
-                <a:latin typeface="微软雅黑" panose="020B0503020204020204" pitchFamily="34" charset="-122"/>
-                <a:ea typeface="微软雅黑" panose="020B0503020204020204" pitchFamily="34" charset="-122"/>
-              </a:rPr>
-              <a:t>weak</a:t>
-            </a:r>
-            <a:r>
-              <a:rPr lang="zh-CN" altLang="en-US" sz="1600" dirty="0">
-                <a:solidFill>
-                  <a:schemeClr val="tx1">
-                    <a:lumMod val="65000"/>
-                    <a:lumOff val="35000"/>
-                  </a:schemeClr>
-                </a:solidFill>
-                <a:latin typeface="微软雅黑" panose="020B0503020204020204" pitchFamily="34" charset="-122"/>
-                <a:ea typeface="微软雅黑" panose="020B0503020204020204" pitchFamily="34" charset="-122"/>
-              </a:rPr>
-              <a:t>指针与被指向的对象进行标记、关联。当对象销毁释放内存时通过之前的标记对</a:t>
-            </a:r>
-            <a:r>
-              <a:rPr lang="en" altLang="zh-CN" sz="1600" dirty="0">
-                <a:solidFill>
-                  <a:schemeClr val="tx1">
-                    <a:lumMod val="65000"/>
-                    <a:lumOff val="35000"/>
-                  </a:schemeClr>
-                </a:solidFill>
-                <a:latin typeface="微软雅黑" panose="020B0503020204020204" pitchFamily="34" charset="-122"/>
-                <a:ea typeface="微软雅黑" panose="020B0503020204020204" pitchFamily="34" charset="-122"/>
-              </a:rPr>
-              <a:t>weak</a:t>
-            </a:r>
-            <a:r>
-              <a:rPr lang="zh-CN" altLang="en-US" sz="1600" dirty="0">
-                <a:solidFill>
-                  <a:schemeClr val="tx1">
-                    <a:lumMod val="65000"/>
-                    <a:lumOff val="35000"/>
-                  </a:schemeClr>
-                </a:solidFill>
-                <a:latin typeface="微软雅黑" panose="020B0503020204020204" pitchFamily="34" charset="-122"/>
-                <a:ea typeface="微软雅黑" panose="020B0503020204020204" pitchFamily="34" charset="-122"/>
-              </a:rPr>
-              <a:t>指针地址进行查找</a:t>
-            </a:r>
-            <a:r>
-              <a:rPr lang="en-US" altLang="zh-CN" sz="1600" dirty="0">
-                <a:solidFill>
-                  <a:schemeClr val="tx1">
-                    <a:lumMod val="65000"/>
-                    <a:lumOff val="35000"/>
-                  </a:schemeClr>
-                </a:solidFill>
-                <a:latin typeface="微软雅黑" panose="020B0503020204020204" pitchFamily="34" charset="-122"/>
-                <a:ea typeface="微软雅黑" panose="020B0503020204020204" pitchFamily="34" charset="-122"/>
-              </a:rPr>
-              <a:t>,</a:t>
-            </a:r>
-            <a:r>
-              <a:rPr lang="zh-CN" altLang="en-US" sz="1600" dirty="0">
-                <a:solidFill>
-                  <a:schemeClr val="tx1">
-                    <a:lumMod val="65000"/>
-                    <a:lumOff val="35000"/>
-                  </a:schemeClr>
-                </a:solidFill>
-                <a:latin typeface="微软雅黑" panose="020B0503020204020204" pitchFamily="34" charset="-122"/>
-                <a:ea typeface="微软雅黑" panose="020B0503020204020204" pitchFamily="34" charset="-122"/>
-              </a:rPr>
-              <a:t>最后把</a:t>
-            </a:r>
-            <a:r>
-              <a:rPr lang="en" altLang="zh-CN" sz="1600" dirty="0">
-                <a:solidFill>
-                  <a:schemeClr val="tx1">
-                    <a:lumMod val="65000"/>
-                    <a:lumOff val="35000"/>
-                  </a:schemeClr>
-                </a:solidFill>
-                <a:latin typeface="微软雅黑" panose="020B0503020204020204" pitchFamily="34" charset="-122"/>
-                <a:ea typeface="微软雅黑" panose="020B0503020204020204" pitchFamily="34" charset="-122"/>
-              </a:rPr>
-              <a:t>weak</a:t>
-            </a:r>
-            <a:r>
-              <a:rPr lang="zh-CN" altLang="en-US" sz="1600" dirty="0">
-                <a:solidFill>
-                  <a:schemeClr val="tx1">
-                    <a:lumMod val="65000"/>
-                    <a:lumOff val="35000"/>
-                  </a:schemeClr>
-                </a:solidFill>
-                <a:latin typeface="微软雅黑" panose="020B0503020204020204" pitchFamily="34" charset="-122"/>
-                <a:ea typeface="微软雅黑" panose="020B0503020204020204" pitchFamily="34" charset="-122"/>
-              </a:rPr>
-              <a:t>指针的指向置为</a:t>
-            </a:r>
-            <a:r>
-              <a:rPr lang="en" altLang="zh-CN" sz="1600" dirty="0">
-                <a:solidFill>
-                  <a:schemeClr val="tx1">
-                    <a:lumMod val="65000"/>
-                    <a:lumOff val="35000"/>
-                  </a:schemeClr>
-                </a:solidFill>
-                <a:latin typeface="微软雅黑" panose="020B0503020204020204" pitchFamily="34" charset="-122"/>
-                <a:ea typeface="微软雅黑" panose="020B0503020204020204" pitchFamily="34" charset="-122"/>
-              </a:rPr>
-              <a:t>nil</a:t>
-            </a:r>
-            <a:r>
-              <a:rPr lang="zh-CN" altLang="en-US" sz="1600" dirty="0">
-                <a:solidFill>
-                  <a:schemeClr val="tx1">
-                    <a:lumMod val="65000"/>
-                    <a:lumOff val="35000"/>
-                  </a:schemeClr>
-                </a:solidFill>
-                <a:latin typeface="微软雅黑" panose="020B0503020204020204" pitchFamily="34" charset="-122"/>
-                <a:ea typeface="微软雅黑" panose="020B0503020204020204" pitchFamily="34" charset="-122"/>
-              </a:rPr>
-              <a:t>。</a:t>
-            </a:r>
-            <a:endParaRPr lang="en-US" altLang="zh-CN" sz="1600" dirty="0">
-              <a:solidFill>
-                <a:schemeClr val="tx1">
-                  <a:lumMod val="65000"/>
-                  <a:lumOff val="35000"/>
-                </a:schemeClr>
-              </a:solidFill>
-              <a:latin typeface="微软雅黑" panose="020B0503020204020204" pitchFamily="34" charset="-122"/>
-              <a:ea typeface="微软雅黑" panose="020B0503020204020204" pitchFamily="34" charset="-122"/>
-            </a:endParaRPr>
-          </a:p>
-          <a:p>
-            <a:pPr>
-              <a:lnSpc>
-                <a:spcPts val="2200"/>
-              </a:lnSpc>
             </a:pPr>
             <a:endParaRPr lang="en-US" altLang="zh-CN" sz="1600" dirty="0">
               <a:solidFill>
@@ -13980,7 +14863,7 @@
                                         <p:tgtEl>
                                           <p:spTgt spid="44">
                                             <p:txEl>
-                                              <p:pRg st="9" end="9"/>
+                                              <p:pRg st="8" end="8"/>
                                             </p:txEl>
                                           </p:spTgt>
                                         </p:tgtEl>
@@ -13998,7 +14881,7 @@
                                         <p:tgtEl>
                                           <p:spTgt spid="44">
                                             <p:txEl>
-                                              <p:pRg st="9" end="9"/>
+                                              <p:pRg st="8" end="8"/>
                                             </p:txEl>
                                           </p:spTgt>
                                         </p:tgtEl>
@@ -14041,7 +14924,7 @@
                                         <p:tgtEl>
                                           <p:spTgt spid="44">
                                             <p:txEl>
-                                              <p:pRg st="10" end="10"/>
+                                              <p:pRg st="9" end="9"/>
                                             </p:txEl>
                                           </p:spTgt>
                                         </p:tgtEl>
@@ -14059,7 +14942,7 @@
                                         <p:tgtEl>
                                           <p:spTgt spid="44">
                                             <p:txEl>
-                                              <p:pRg st="10" end="10"/>
+                                              <p:pRg st="9" end="9"/>
                                             </p:txEl>
                                           </p:spTgt>
                                         </p:tgtEl>
@@ -14102,7 +14985,7 @@
                                         <p:tgtEl>
                                           <p:spTgt spid="44">
                                             <p:txEl>
-                                              <p:pRg st="12" end="12"/>
+                                              <p:pRg st="10" end="10"/>
                                             </p:txEl>
                                           </p:spTgt>
                                         </p:tgtEl>
@@ -14120,7 +15003,7 @@
                                         <p:tgtEl>
                                           <p:spTgt spid="44">
                                             <p:txEl>
-                                              <p:pRg st="12" end="12"/>
+                                              <p:pRg st="10" end="10"/>
                                             </p:txEl>
                                           </p:spTgt>
                                         </p:tgtEl>
@@ -14163,6 +15046,67 @@
                                         <p:tgtEl>
                                           <p:spTgt spid="44">
                                             <p:txEl>
+                                              <p:pRg st="12" end="12"/>
+                                            </p:txEl>
+                                          </p:spTgt>
+                                        </p:tgtEl>
+                                        <p:attrNameLst>
+                                          <p:attrName>style.visibility</p:attrName>
+                                        </p:attrNameLst>
+                                      </p:cBhvr>
+                                      <p:to>
+                                        <p:strVal val="visible"/>
+                                      </p:to>
+                                    </p:set>
+                                    <p:animEffect transition="in" filter="wipe(left)">
+                                      <p:cBhvr>
+                                        <p:cTn id="47" dur="500"/>
+                                        <p:tgtEl>
+                                          <p:spTgt spid="44">
+                                            <p:txEl>
+                                              <p:pRg st="12" end="12"/>
+                                            </p:txEl>
+                                          </p:spTgt>
+                                        </p:tgtEl>
+                                      </p:cBhvr>
+                                    </p:animEffect>
+                                  </p:childTnLst>
+                                </p:cTn>
+                              </p:par>
+                            </p:childTnLst>
+                          </p:cTn>
+                        </p:par>
+                      </p:childTnLst>
+                    </p:cTn>
+                  </p:par>
+                  <p:par>
+                    <p:cTn id="48" fill="hold">
+                      <p:stCondLst>
+                        <p:cond delay="indefinite"/>
+                      </p:stCondLst>
+                      <p:childTnLst>
+                        <p:par>
+                          <p:cTn id="49" fill="hold">
+                            <p:stCondLst>
+                              <p:cond delay="0"/>
+                            </p:stCondLst>
+                            <p:childTnLst>
+                              <p:par>
+                                <p:cTn id="50" presetID="22" presetClass="entr" presetSubtype="8" fill="hold" nodeType="clickEffect">
+                                  <p:stCondLst>
+                                    <p:cond delay="0"/>
+                                  </p:stCondLst>
+                                  <p:childTnLst>
+                                    <p:set>
+                                      <p:cBhvr>
+                                        <p:cTn id="51" dur="1" fill="hold">
+                                          <p:stCondLst>
+                                            <p:cond delay="0"/>
+                                          </p:stCondLst>
+                                        </p:cTn>
+                                        <p:tgtEl>
+                                          <p:spTgt spid="44">
+                                            <p:txEl>
                                               <p:pRg st="14" end="14"/>
                                             </p:txEl>
                                           </p:spTgt>
@@ -14177,7 +15121,7 @@
                                     </p:set>
                                     <p:animEffect transition="in" filter="wipe(left)">
                                       <p:cBhvr>
-                                        <p:cTn id="47" dur="500"/>
+                                        <p:cTn id="52" dur="500"/>
                                         <p:tgtEl>
                                           <p:spTgt spid="44">
                                             <p:txEl>
@@ -15079,19 +16023,19 @@
           <a:lstStyle/>
           <a:p>
             <a:r>
-              <a:rPr lang="en-US" altLang="zh-CN" dirty="0" err="1"/>
+              <a:rPr lang="en-US" altLang="zh-CN"/>
               <a:t>CADisplayLink</a:t>
             </a:r>
             <a:r>
-              <a:rPr lang="zh-CN" altLang="en-US" dirty="0"/>
+              <a:rPr lang="zh-CN" altLang="en-US"/>
               <a:t>、</a:t>
             </a:r>
             <a:r>
-              <a:rPr lang="en-US" altLang="zh-CN" dirty="0" err="1"/>
+              <a:rPr lang="en-US" altLang="zh-CN"/>
               <a:t>NSTimer</a:t>
             </a:r>
             <a:r>
-              <a:rPr lang="zh-CN" altLang="en-US" dirty="0"/>
+              <a:rPr lang="zh-CN" altLang="en-US"/>
               <a:t>使用注意</a:t>
             </a:r>
           </a:p>
@@ -15153,7 +16097,7 @@
               <a:t>、</a:t>
             </a:r>
             <a:r>
-              <a:rPr lang="en-US" altLang="zh-CN" sz="1600" dirty="0" err="1">
+              <a:rPr lang="en-US" altLang="zh-CN" sz="1600" dirty="0">
                 <a:solidFill>
                   <a:schemeClr val="tx1">
                     <a:lumMod val="65000"/>
@@ -15249,12 +16193,114 @@
               <a:buFont typeface="Wingdings" charset="2"/>
               <a:buChar char="n"/>
             </a:pPr>
-            <a:endParaRPr lang="en-US" altLang="zh-CN" sz="1600" dirty="0">
+            <a:r>
+              <a:rPr lang="en-US" altLang="zh-CN" sz="1400" dirty="0">
+                <a:solidFill>
+                  <a:schemeClr val="tx1">
+                    <a:lumMod val="65000"/>
+                    <a:lumOff val="35000"/>
+                  </a:schemeClr>
+                </a:solidFill>
+                <a:latin typeface="微软雅黑" panose="020B0503020204020204" pitchFamily="34" charset="-122"/>
+                <a:ea typeface="微软雅黑" panose="020B0503020204020204" pitchFamily="34" charset="-122"/>
+              </a:rPr>
+              <a:t>weak</a:t>
+            </a:r>
+            <a:r>
+              <a:rPr lang="zh-CN" altLang="en-US" sz="1400" dirty="0">
+                <a:solidFill>
+                  <a:schemeClr val="tx1">
+                    <a:lumMod val="65000"/>
+                    <a:lumOff val="35000"/>
+                  </a:schemeClr>
+                </a:solidFill>
+                <a:latin typeface="微软雅黑" panose="020B0503020204020204" pitchFamily="34" charset="-122"/>
+                <a:ea typeface="微软雅黑" panose="020B0503020204020204" pitchFamily="34" charset="-122"/>
+              </a:rPr>
+              <a:t> 为什么不能解决？</a:t>
+            </a:r>
+            <a:endParaRPr lang="en-US" altLang="zh-CN" sz="1400" dirty="0">
               <a:solidFill>
                 <a:schemeClr val="tx1">
                   <a:lumMod val="65000"/>
                   <a:lumOff val="35000"/>
                 </a:schemeClr>
+              </a:solidFill>
+              <a:latin typeface="微软雅黑" panose="020B0503020204020204" pitchFamily="34" charset="-122"/>
+              <a:ea typeface="微软雅黑" panose="020B0503020204020204" pitchFamily="34" charset="-122"/>
+            </a:endParaRPr>
+          </a:p>
+          <a:p>
+            <a:pPr marL="342900" indent="-342900">
+              <a:lnSpc>
+                <a:spcPts val="2200"/>
+              </a:lnSpc>
+              <a:buFont typeface="Wingdings" charset="2"/>
+              <a:buChar char="n"/>
+            </a:pPr>
+            <a:r>
+              <a:rPr lang="en-US" altLang="zh-CN" sz="1200" dirty="0">
+                <a:solidFill>
+                  <a:srgbClr val="FF0000"/>
+                </a:solidFill>
+                <a:latin typeface="微软雅黑" panose="020B0503020204020204" pitchFamily="34" charset="-122"/>
+                <a:ea typeface="微软雅黑" panose="020B0503020204020204" pitchFamily="34" charset="-122"/>
+              </a:rPr>
+              <a:t>block</a:t>
+            </a:r>
+            <a:r>
+              <a:rPr lang="zh-CN" altLang="en-US" sz="1200" dirty="0">
+                <a:solidFill>
+                  <a:srgbClr val="FF0000"/>
+                </a:solidFill>
+                <a:latin typeface="微软雅黑" panose="020B0503020204020204" pitchFamily="34" charset="-122"/>
+                <a:ea typeface="微软雅黑" panose="020B0503020204020204" pitchFamily="34" charset="-122"/>
+              </a:rPr>
+              <a:t>会根据外面是否强引用来对</a:t>
+            </a:r>
+            <a:r>
+              <a:rPr lang="en-US" altLang="zh-CN" sz="1200" dirty="0">
+                <a:solidFill>
+                  <a:srgbClr val="FF0000"/>
+                </a:solidFill>
+                <a:latin typeface="微软雅黑" panose="020B0503020204020204" pitchFamily="34" charset="-122"/>
+                <a:ea typeface="微软雅黑" panose="020B0503020204020204" pitchFamily="34" charset="-122"/>
+              </a:rPr>
+              <a:t>self</a:t>
+            </a:r>
+            <a:r>
+              <a:rPr lang="zh-CN" altLang="en-US" sz="1200" dirty="0">
+                <a:solidFill>
+                  <a:srgbClr val="FF0000"/>
+                </a:solidFill>
+                <a:latin typeface="微软雅黑" panose="020B0503020204020204" pitchFamily="34" charset="-122"/>
+                <a:ea typeface="微软雅黑" panose="020B0503020204020204" pitchFamily="34" charset="-122"/>
+              </a:rPr>
+              <a:t>强或者弱引用，这里是个形参赋值操作，里面仍然有个强指针接收，</a:t>
+            </a:r>
+            <a:r>
+              <a:rPr lang="en-US" altLang="zh-CN" sz="1200" dirty="0">
+                <a:solidFill>
+                  <a:srgbClr val="FF0000"/>
+                </a:solidFill>
+                <a:latin typeface="微软雅黑" panose="020B0503020204020204" pitchFamily="34" charset="-122"/>
+                <a:ea typeface="微软雅黑" panose="020B0503020204020204" pitchFamily="34" charset="-122"/>
+              </a:rPr>
+              <a:t>weak</a:t>
+            </a:r>
+            <a:r>
+              <a:rPr lang="zh-CN" altLang="en-US" sz="1200" dirty="0">
+                <a:solidFill>
+                  <a:srgbClr val="FF0000"/>
+                </a:solidFill>
+                <a:latin typeface="微软雅黑" panose="020B0503020204020204" pitchFamily="34" charset="-122"/>
+                <a:ea typeface="微软雅黑" panose="020B0503020204020204" pitchFamily="34" charset="-122"/>
+              </a:rPr>
+              <a:t>无济于事。</a:t>
+            </a:r>
+            <a:endParaRPr lang="en-US" altLang="zh-CN" sz="1200" dirty="0">
+              <a:solidFill>
+                <a:srgbClr val="FF0000"/>
               </a:solidFill>
               <a:latin typeface="微软雅黑" panose="020B0503020204020204" pitchFamily="34" charset="-122"/>
               <a:ea typeface="微软雅黑" panose="020B0503020204020204" pitchFamily="34" charset="-122"/>
@@ -15369,7 +16415,7 @@
               <a:buChar char="p"/>
             </a:pPr>
             <a:r>
-              <a:rPr lang="zh-CN" altLang="en-US" sz="1600" dirty="0">
+              <a:rPr lang="zh-CN" altLang="en-US" sz="1600">
                 <a:solidFill>
                   <a:schemeClr val="tx1">
                     <a:lumMod val="65000"/>
@@ -15382,7 +16428,7 @@
               <a:t>使用代理对象（</a:t>
             </a:r>
             <a:r>
-              <a:rPr lang="en-US" altLang="zh-CN" sz="1600" dirty="0" err="1">
+              <a:rPr lang="en-US" altLang="zh-CN" sz="1600">
                 <a:solidFill>
                   <a:schemeClr val="tx1">
                     <a:lumMod val="65000"/>
@@ -15395,7 +16441,7 @@
               <a:t>NSProxy</a:t>
             </a:r>
             <a:r>
-              <a:rPr lang="zh-CN" altLang="en-US" sz="1600" dirty="0">
+              <a:rPr lang="zh-CN" altLang="en-US" sz="1600">
                 <a:solidFill>
                   <a:schemeClr val="tx1">
                     <a:lumMod val="65000"/>
@@ -15604,7 +16650,7 @@
                                         <p:tgtEl>
                                           <p:spTgt spid="44">
                                             <p:txEl>
-                                              <p:pRg st="2" end="2"/>
+                                              <p:pRg st="1" end="1"/>
                                             </p:txEl>
                                           </p:spTgt>
                                         </p:tgtEl>
@@ -15622,7 +16668,7 @@
                                         <p:tgtEl>
                                           <p:spTgt spid="44">
                                             <p:txEl>
-                                              <p:pRg st="2" end="2"/>
+                                              <p:pRg st="1" end="1"/>
                                             </p:txEl>
                                           </p:spTgt>
                                         </p:tgtEl>
@@ -15665,7 +16711,7 @@
                                         <p:tgtEl>
                                           <p:spTgt spid="44">
                                             <p:txEl>
-                                              <p:pRg st="3" end="3"/>
+                                              <p:pRg st="2" end="2"/>
                                             </p:txEl>
                                           </p:spTgt>
                                         </p:tgtEl>
@@ -15683,7 +16729,7 @@
                                         <p:tgtEl>
                                           <p:spTgt spid="44">
                                             <p:txEl>
-                                              <p:pRg st="3" end="3"/>
+                                              <p:pRg st="2" end="2"/>
                                             </p:txEl>
                                           </p:spTgt>
                                         </p:tgtEl>
@@ -15711,7 +16757,7 @@
                             </p:stCondLst>
                             <p:childTnLst>
                               <p:par>
-                                <p:cTn id="20" presetID="1" presetClass="entr" presetSubtype="0" fill="hold" nodeType="clickEffect">
+                                <p:cTn id="20" presetID="22" presetClass="entr" presetSubtype="8" fill="hold" nodeType="clickEffect">
                                   <p:stCondLst>
                                     <p:cond delay="0"/>
                                   </p:stCondLst>
@@ -15719,6 +16765,128 @@
                                     <p:set>
                                       <p:cBhvr>
                                         <p:cTn id="21" dur="1" fill="hold">
+                                          <p:stCondLst>
+                                            <p:cond delay="0"/>
+                                          </p:stCondLst>
+                                        </p:cTn>
+                                        <p:tgtEl>
+                                          <p:spTgt spid="44">
+                                            <p:txEl>
+                                              <p:pRg st="3" end="3"/>
+                                            </p:txEl>
+                                          </p:spTgt>
+                                        </p:tgtEl>
+                                        <p:attrNameLst>
+                                          <p:attrName>style.visibility</p:attrName>
+                                        </p:attrNameLst>
+                                      </p:cBhvr>
+                                      <p:to>
+                                        <p:strVal val="visible"/>
+                                      </p:to>
+                                    </p:set>
+                                    <p:animEffect transition="in" filter="wipe(left)">
+                                      <p:cBhvr>
+                                        <p:cTn id="22" dur="500"/>
+                                        <p:tgtEl>
+                                          <p:spTgt spid="44">
+                                            <p:txEl>
+                                              <p:pRg st="3" end="3"/>
+                                            </p:txEl>
+                                          </p:spTgt>
+                                        </p:tgtEl>
+                                      </p:cBhvr>
+                                    </p:animEffect>
+                                  </p:childTnLst>
+                                </p:cTn>
+                              </p:par>
+                            </p:childTnLst>
+                          </p:cTn>
+                        </p:par>
+                      </p:childTnLst>
+                    </p:cTn>
+                  </p:par>
+                  <p:par>
+                    <p:cTn id="23" fill="hold">
+                      <p:stCondLst>
+                        <p:cond delay="indefinite"/>
+                      </p:stCondLst>
+                      <p:childTnLst>
+                        <p:par>
+                          <p:cTn id="24" fill="hold">
+                            <p:stCondLst>
+                              <p:cond delay="0"/>
+                            </p:stCondLst>
+                            <p:childTnLst>
+                              <p:par>
+                                <p:cTn id="25" presetID="22" presetClass="entr" presetSubtype="8" fill="hold" nodeType="clickEffect">
+                                  <p:stCondLst>
+                                    <p:cond delay="0"/>
+                                  </p:stCondLst>
+                                  <p:childTnLst>
+                                    <p:set>
+                                      <p:cBhvr>
+                                        <p:cTn id="26" dur="1" fill="hold">
+                                          <p:stCondLst>
+                                            <p:cond delay="0"/>
+                                          </p:stCondLst>
+                                        </p:cTn>
+                                        <p:tgtEl>
+                                          <p:spTgt spid="44">
+                                            <p:txEl>
+                                              <p:pRg st="4" end="4"/>
+                                            </p:txEl>
+                                          </p:spTgt>
+                                        </p:tgtEl>
+                                        <p:attrNameLst>
+                                          <p:attrName>style.visibility</p:attrName>
+                                        </p:attrNameLst>
+                                      </p:cBhvr>
+                                      <p:to>
+                                        <p:strVal val="visible"/>
+                                      </p:to>
+                                    </p:set>
+                                    <p:animEffect transition="in" filter="wipe(left)">
+                                      <p:cBhvr>
+                                        <p:cTn id="27" dur="500"/>
+                                        <p:tgtEl>
+                                          <p:spTgt spid="44">
+                                            <p:txEl>
+                                              <p:pRg st="4" end="4"/>
+                                            </p:txEl>
+                                          </p:spTgt>
+                                        </p:tgtEl>
+                                      </p:cBhvr>
+                                    </p:animEffect>
+                                  </p:childTnLst>
+                                </p:cTn>
+                              </p:par>
+                            </p:childTnLst>
+                          </p:cTn>
+                        </p:par>
+                      </p:childTnLst>
+                    </p:cTn>
+                  </p:par>
+                  <p:par>
+                    <p:cTn id="28" fill="hold">
+                      <p:stCondLst>
+                        <p:cond delay="indefinite"/>
+                      </p:stCondLst>
+                      <p:childTnLst>
+                        <p:par>
+                          <p:cTn id="29" fill="hold">
+                            <p:stCondLst>
+                              <p:cond delay="0"/>
+                            </p:stCondLst>
+                            <p:childTnLst>
+                              <p:par>
+                                <p:cTn id="30" presetID="1" presetClass="entr" presetSubtype="0" fill="hold" nodeType="clickEffect">
+                                  <p:stCondLst>
+                                    <p:cond delay="0"/>
+                                  </p:stCondLst>
+                                  <p:childTnLst>
+                                    <p:set>
+                                      <p:cBhvr>
+                                        <p:cTn id="31" dur="1" fill="hold">
                                           <p:stCondLst>
                                             <p:cond delay="0"/>
                                           </p:stCondLst>
@@ -15744,26 +16912,26 @@
                     </p:cTn>
                   </p:par>
                   <p:par>
-                    <p:cTn id="22" fill="hold">
+                    <p:cTn id="32" fill="hold">
                       <p:stCondLst>
                         <p:cond delay="indefinite"/>
                       </p:stCondLst>
                       <p:childTnLst>
                         <p:par>
-                          <p:cTn id="23" fill="hold">
+                          <p:cTn id="33" fill="hold">
                             <p:stCondLst>
                               <p:cond delay="0"/>
                             </p:stCondLst>
                             <p:childTnLst>
                               <p:par>
-                                <p:cTn id="24" presetID="22" presetClass="entr" presetSubtype="8" fill="hold" nodeType="clickEffect">
+                                <p:cTn id="34" presetID="22" presetClass="entr" presetSubtype="8" fill="hold" nodeType="clickEffect">
                                   <p:stCondLst>
                                     <p:cond delay="0"/>
                                   </p:stCondLst>
                                   <p:childTnLst>
                                     <p:set>
                                       <p:cBhvr>
-                                        <p:cTn id="25" dur="1" fill="hold">
+                                        <p:cTn id="35" dur="1" fill="hold">
                                           <p:stCondLst>
                                             <p:cond delay="0"/>
                                           </p:stCondLst>
@@ -15785,7 +16953,7 @@
                                     </p:set>
                                     <p:animEffect transition="in" filter="wipe(left)">
                                       <p:cBhvr>
-                                        <p:cTn id="26" dur="500"/>
+                                        <p:cTn id="36" dur="500"/>
                                         <p:tgtEl>
                                           <p:spTgt spid="5">
                                             <p:txEl>
@@ -15805,26 +16973,26 @@
                     </p:cTn>
                   </p:par>
                   <p:par>
-                    <p:cTn id="27" fill="hold">
+                    <p:cTn id="37" fill="hold">
                       <p:stCondLst>
                         <p:cond delay="indefinite"/>
                       </p:stCondLst>
                       <p:childTnLst>
                         <p:par>
-                          <p:cTn id="28" fill="hold">
+                          <p:cTn id="38" fill="hold">
                             <p:stCondLst>
                               <p:cond delay="0"/>
                             </p:stCondLst>
                             <p:childTnLst>
                               <p:par>
-                                <p:cTn id="29" presetID="1" presetClass="entr" presetSubtype="0" fill="hold" nodeType="clickEffect">
+                                <p:cTn id="39" presetID="1" presetClass="entr" presetSubtype="0" fill="hold" nodeType="clickEffect">
                                   <p:stCondLst>
                                     <p:cond delay="0"/>
                                   </p:stCondLst>
                                   <p:childTnLst>
                                     <p:set>
                                       <p:cBhvr>
-                                        <p:cTn id="30" dur="1" fill="hold">
+                                        <p:cTn id="40" dur="1" fill="hold">
                                           <p:stCondLst>
                                             <p:cond delay="0"/>
                                           </p:stCondLst>
@@ -15850,26 +17018,26 @@
                     </p:cTn>
                   </p:par>
                   <p:par>
-                    <p:cTn id="31" fill="hold">
+                    <p:cTn id="41" fill="hold">
                       <p:stCondLst>
                         <p:cond delay="indefinite"/>
                       </p:stCondLst>
                       <p:childTnLst>
                         <p:par>
-                          <p:cTn id="32" fill="hold">
+                          <p:cTn id="42" fill="hold">
                             <p:stCondLst>
                               <p:cond delay="0"/>
                             </p:stCondLst>
                             <p:childTnLst>
                               <p:par>
-                                <p:cTn id="33" presetID="1" presetClass="entr" presetSubtype="0" fill="hold" nodeType="clickEffect">
+                                <p:cTn id="43" presetID="1" presetClass="entr" presetSubtype="0" fill="hold" nodeType="clickEffect">
                                   <p:stCondLst>
                                     <p:cond delay="0"/>
                                   </p:stCondLst>
                                   <p:childTnLst>
                                     <p:set>
                                       <p:cBhvr>
-                                        <p:cTn id="34" dur="1" fill="hold">
+                                        <p:cTn id="44" dur="1" fill="hold">
                                           <p:stCondLst>
                                             <p:cond delay="0"/>
                                           </p:stCondLst>
@@ -15944,7 +17112,7 @@
         </p:nvSpPr>
         <p:spPr>
           <a:xfrm>
-            <a:off x="1852550" y="1947553"/>
+            <a:off x="1536356" y="1740726"/>
             <a:ext cx="2327564" cy="2054431"/>
           </a:xfrm>
           <a:prstGeom prst="rect">
@@ -16080,6 +17248,7 @@
         <p:nvCxnSpPr>
           <p:cNvPr id="7" name="直线箭头连接符 6"/>
           <p:cNvCxnSpPr>
+            <a:cxnSpLocks/>
             <a:endCxn id="14" idx="1"/>
           </p:cNvCxnSpPr>
           <p:nvPr/>
@@ -16124,7 +17293,7 @@
         </p:nvCxnSpPr>
         <p:spPr>
           <a:xfrm flipH="1">
-            <a:off x="4180114" y="2707574"/>
+            <a:off x="3863920" y="2500747"/>
             <a:ext cx="5165766" cy="267195"/>
           </a:xfrm>
           <a:prstGeom prst="straightConnector1">
@@ -16161,7 +17330,7 @@
         <p:spPr>
           <a:xfrm>
             <a:off x="6042560" y="3740728"/>
-            <a:ext cx="2327564" cy="2054431"/>
+            <a:ext cx="1999033" cy="2054431"/>
           </a:xfrm>
           <a:prstGeom prst="rect">
             <a:avLst/>
@@ -16192,29 +17361,30 @@
           <a:p>
             <a:pPr algn="ctr"/>
             <a:r>
-              <a:rPr kumimoji="1" lang="en-US" altLang="zh-CN" sz="2800"/>
+              <a:rPr kumimoji="1" lang="en-US" altLang="zh-CN" sz="2800" dirty="0" err="1"/>
               <a:t>OtherObject</a:t>
             </a:r>
+            <a:endParaRPr kumimoji="1" lang="en-US" altLang="zh-CN" sz="2800" dirty="0"/>
           </a:p>
           <a:p>
             <a:pPr algn="ctr"/>
-            <a:endParaRPr kumimoji="1" lang="en-US" altLang="zh-CN" sz="2800"/>
+            <a:endParaRPr kumimoji="1" lang="en-US" altLang="zh-CN" sz="2800" dirty="0"/>
           </a:p>
           <a:p>
             <a:pPr algn="ctr"/>
-            <a:endParaRPr kumimoji="1" lang="en-US" altLang="zh-CN" sz="2800"/>
+            <a:endParaRPr kumimoji="1" lang="en-US" altLang="zh-CN" sz="2800" dirty="0"/>
           </a:p>
           <a:p>
             <a:pPr algn="ctr"/>
             <a:r>
-              <a:rPr kumimoji="1" lang="en-US" altLang="zh-CN" sz="2800">
+              <a:rPr kumimoji="1" lang="en-US" altLang="zh-CN" sz="2800" dirty="0">
                 <a:solidFill>
                   <a:srgbClr val="FF0000"/>
                 </a:solidFill>
               </a:rPr>
               <a:t>target</a:t>
             </a:r>
-            <a:endParaRPr kumimoji="1" lang="zh-CN" altLang="en-US" sz="2800">
+            <a:endParaRPr kumimoji="1" lang="zh-CN" altLang="en-US" sz="2800" dirty="0">
               <a:solidFill>
                 <a:srgbClr val="FF0000"/>
               </a:solidFill>
@@ -16230,7 +17400,7 @@
         </p:nvCxnSpPr>
         <p:spPr>
           <a:xfrm flipV="1">
-            <a:off x="7695211" y="3163785"/>
+            <a:off x="6998524" y="2535876"/>
             <a:ext cx="2458192" cy="2235531"/>
           </a:xfrm>
           <a:prstGeom prst="straightConnector1">
@@ -16351,7 +17521,7 @@
               <a:buChar char="n"/>
             </a:pPr>
             <a:r>
-              <a:rPr lang="en-US" altLang="zh-CN" sz="1600" dirty="0" err="1">
+              <a:rPr lang="en-US" altLang="zh-CN" sz="1600">
                 <a:solidFill>
                   <a:schemeClr val="tx1">
                     <a:lumMod val="65000"/>
@@ -16364,7 +17534,7 @@
               <a:t>NSTimer</a:t>
             </a:r>
             <a:r>
-              <a:rPr lang="zh-CN" altLang="en-US" sz="1600" dirty="0">
+              <a:rPr lang="zh-CN" altLang="en-US" sz="1600">
                 <a:solidFill>
                   <a:schemeClr val="tx1">
                     <a:lumMod val="65000"/>
@@ -16377,7 +17547,7 @@
               <a:t>依赖于</a:t>
             </a:r>
             <a:r>
-              <a:rPr lang="en-US" altLang="zh-CN" sz="1600" dirty="0" err="1">
+              <a:rPr lang="en-US" altLang="zh-CN" sz="1600">
                 <a:solidFill>
                   <a:schemeClr val="tx1">
                     <a:lumMod val="65000"/>
@@ -16390,7 +17560,7 @@
               <a:t>RunLoop</a:t>
             </a:r>
             <a:r>
-              <a:rPr lang="zh-CN" altLang="en-US" sz="1600" dirty="0">
+              <a:rPr lang="zh-CN" altLang="en-US" sz="1600">
                 <a:solidFill>
                   <a:schemeClr val="tx1">
                     <a:lumMod val="65000"/>
@@ -16403,7 +17573,7 @@
               <a:t>，如果</a:t>
             </a:r>
             <a:r>
-              <a:rPr lang="en-US" altLang="zh-CN" sz="1600" dirty="0" err="1">
+              <a:rPr lang="en-US" altLang="zh-CN" sz="1600">
                 <a:solidFill>
                   <a:schemeClr val="tx1">
                     <a:lumMod val="65000"/>
@@ -16416,7 +17586,7 @@
               <a:t>RunLoop</a:t>
             </a:r>
             <a:r>
-              <a:rPr lang="zh-CN" altLang="en-US" sz="1600" dirty="0">
+              <a:rPr lang="zh-CN" altLang="en-US" sz="1600">
                 <a:solidFill>
                   <a:schemeClr val="tx1">
                     <a:lumMod val="65000"/>
@@ -16429,7 +17599,7 @@
               <a:t>的任务过于繁重，可能会导致</a:t>
             </a:r>
             <a:r>
-              <a:rPr lang="en-US" altLang="zh-CN" sz="1600" dirty="0" err="1">
+              <a:rPr lang="en-US" altLang="zh-CN" sz="1600">
                 <a:solidFill>
                   <a:schemeClr val="tx1">
                     <a:lumMod val="65000"/>
@@ -16442,7 +17612,7 @@
               <a:t>NSTimer</a:t>
             </a:r>
             <a:r>
-              <a:rPr lang="zh-CN" altLang="en-US" sz="1600" dirty="0">
+              <a:rPr lang="zh-CN" altLang="en-US" sz="1600">
                 <a:solidFill>
                   <a:schemeClr val="tx1">
                     <a:lumMod val="65000"/>
@@ -16454,7 +17624,7 @@
               </a:rPr>
               <a:t>不准时</a:t>
             </a:r>
-            <a:endParaRPr lang="en-US" altLang="zh-CN" sz="1600" dirty="0">
+            <a:endParaRPr lang="en-US" altLang="zh-CN" sz="1600">
               <a:solidFill>
                 <a:schemeClr val="tx1">
                   <a:lumMod val="65000"/>
@@ -16473,7 +17643,7 @@
               <a:buFont typeface="Wingdings" charset="2"/>
               <a:buChar char="n"/>
             </a:pPr>
-            <a:endParaRPr lang="en-US" altLang="zh-CN" sz="1600" dirty="0">
+            <a:endParaRPr lang="en-US" altLang="zh-CN" sz="1600">
               <a:solidFill>
                 <a:schemeClr val="tx1">
                   <a:lumMod val="65000"/>
@@ -16493,7 +17663,7 @@
               <a:buChar char="n"/>
             </a:pPr>
             <a:r>
-              <a:rPr lang="zh-CN" altLang="en-US" sz="1600" dirty="0">
+              <a:rPr lang="zh-CN" altLang="en-US" sz="1600">
                 <a:solidFill>
                   <a:schemeClr val="tx1">
                     <a:lumMod val="65000"/>
@@ -16506,7 +17676,7 @@
               <a:t>而</a:t>
             </a:r>
             <a:r>
-              <a:rPr lang="en-US" altLang="zh-CN" sz="1600" dirty="0">
+              <a:rPr lang="en-US" altLang="zh-CN" sz="1600">
                 <a:solidFill>
                   <a:schemeClr val="tx1">
                     <a:lumMod val="65000"/>
@@ -16519,7 +17689,7 @@
               <a:t>GCD</a:t>
             </a:r>
             <a:r>
-              <a:rPr lang="zh-CN" altLang="en-US" sz="1600" dirty="0">
+              <a:rPr lang="zh-CN" altLang="en-US" sz="1600">
                 <a:solidFill>
                   <a:schemeClr val="tx1">
                     <a:lumMod val="65000"/>
@@ -17344,7 +18514,7 @@
           <a:p>
             <a:pPr algn="ctr"/>
             <a:r>
-              <a:rPr kumimoji="1" lang="zh-CN" altLang="en-US" dirty="0"/>
+              <a:rPr kumimoji="1" lang="zh-CN" altLang="en-US"/>
               <a:t>内核区</a:t>
             </a:r>
           </a:p>
@@ -17380,7 +18550,7 @@
               <a:buChar char="n"/>
             </a:pPr>
             <a:r>
-              <a:rPr lang="zh-CN" altLang="en-US" sz="1600">
+              <a:rPr lang="zh-CN" altLang="en-US" sz="1600" dirty="0">
                 <a:solidFill>
                   <a:srgbClr val="FF0000"/>
                 </a:solidFill>
@@ -17390,7 +18560,7 @@
               <a:t>代码段</a:t>
             </a:r>
             <a:r>
-              <a:rPr lang="zh-CN" altLang="en-US" sz="1600">
+              <a:rPr lang="zh-CN" altLang="en-US" sz="1600" dirty="0">
                 <a:solidFill>
                   <a:schemeClr val="tx1">
                     <a:lumMod val="65000"/>
@@ -17402,7 +18572,7 @@
               </a:rPr>
               <a:t>：编译之后的代码</a:t>
             </a:r>
-            <a:endParaRPr lang="en-US" altLang="zh-CN" sz="1600">
+            <a:endParaRPr lang="en-US" altLang="zh-CN" sz="1600" dirty="0">
               <a:solidFill>
                 <a:schemeClr val="tx1">
                   <a:lumMod val="65000"/>
@@ -17421,7 +18591,7 @@
               <a:buFont typeface="Wingdings" charset="2"/>
               <a:buChar char="n"/>
             </a:pPr>
-            <a:endParaRPr lang="en-US" altLang="zh-CN" sz="1600">
+            <a:endParaRPr lang="en-US" altLang="zh-CN" sz="1600" dirty="0">
               <a:solidFill>
                 <a:schemeClr val="tx1">
                   <a:lumMod val="65000"/>
@@ -17441,7 +18611,7 @@
               <a:buChar char="n"/>
             </a:pPr>
             <a:r>
-              <a:rPr lang="zh-CN" altLang="en-US" sz="1600">
+              <a:rPr lang="zh-CN" altLang="en-US" sz="1600" dirty="0">
                 <a:solidFill>
                   <a:srgbClr val="FF0000"/>
                 </a:solidFill>
@@ -17450,7 +18620,7 @@
               </a:rPr>
               <a:t>数据段</a:t>
             </a:r>
-            <a:endParaRPr lang="en-US" altLang="zh-CN" sz="1600">
+            <a:endParaRPr lang="en-US" altLang="zh-CN" sz="1600" dirty="0">
               <a:solidFill>
                 <a:srgbClr val="FF0000"/>
               </a:solidFill>
@@ -17467,7 +18637,7 @@
               <a:buChar char="p"/>
             </a:pPr>
             <a:r>
-              <a:rPr lang="zh-CN" altLang="en-US" sz="1600">
+              <a:rPr lang="zh-CN" altLang="en-US" sz="1600" dirty="0">
                 <a:solidFill>
                   <a:srgbClr val="7030A0"/>
                 </a:solidFill>
@@ -17477,7 +18647,7 @@
               <a:t>字符串常量</a:t>
             </a:r>
             <a:r>
-              <a:rPr lang="zh-CN" altLang="en-US" sz="1600">
+              <a:rPr lang="zh-CN" altLang="en-US" sz="1600" dirty="0">
                 <a:solidFill>
                   <a:schemeClr val="tx1">
                     <a:lumMod val="65000"/>
@@ -17490,7 +18660,7 @@
               <a:t>：比如</a:t>
             </a:r>
             <a:r>
-              <a:rPr lang="en-US" altLang="zh-CN" sz="1600">
+              <a:rPr lang="en-US" altLang="zh-CN" sz="1600" dirty="0" err="1">
                 <a:solidFill>
                   <a:schemeClr val="tx1">
                     <a:lumMod val="65000"/>
@@ -17503,7 +18673,7 @@
               <a:t>NSString</a:t>
             </a:r>
             <a:r>
-              <a:rPr lang="zh-CN" altLang="en-US" sz="1600">
+              <a:rPr lang="zh-CN" altLang="en-US" sz="1600" dirty="0">
                 <a:solidFill>
                   <a:schemeClr val="tx1">
                     <a:lumMod val="65000"/>
@@ -17516,7 +18686,7 @@
               <a:t> *</a:t>
             </a:r>
             <a:r>
-              <a:rPr lang="en-US" altLang="zh-CN" sz="1600">
+              <a:rPr lang="en-US" altLang="zh-CN" sz="1600" dirty="0">
                 <a:solidFill>
                   <a:schemeClr val="tx1">
                     <a:lumMod val="65000"/>
@@ -17529,7 +18699,7 @@
               <a:t>str</a:t>
             </a:r>
             <a:r>
-              <a:rPr lang="zh-CN" altLang="en-US" sz="1600">
+              <a:rPr lang="zh-CN" altLang="en-US" sz="1600" dirty="0">
                 <a:solidFill>
                   <a:schemeClr val="tx1">
                     <a:lumMod val="65000"/>
@@ -17542,7 +18712,7 @@
               <a:t> </a:t>
             </a:r>
             <a:r>
-              <a:rPr lang="en-US" altLang="zh-CN" sz="1600">
+              <a:rPr lang="en-US" altLang="zh-CN" sz="1600" dirty="0">
                 <a:solidFill>
                   <a:schemeClr val="tx1">
                     <a:lumMod val="65000"/>
@@ -17555,7 +18725,7 @@
               <a:t>=</a:t>
             </a:r>
             <a:r>
-              <a:rPr lang="zh-CN" altLang="en-US" sz="1600">
+              <a:rPr lang="zh-CN" altLang="en-US" sz="1600" dirty="0">
                 <a:solidFill>
                   <a:schemeClr val="tx1">
                     <a:lumMod val="65000"/>
@@ -17568,7 +18738,7 @@
               <a:t> </a:t>
             </a:r>
             <a:r>
-              <a:rPr lang="en-US" altLang="zh-CN" sz="1600">
+              <a:rPr lang="en-US" altLang="zh-CN" sz="1600" dirty="0">
                 <a:solidFill>
                   <a:schemeClr val="tx1">
                     <a:lumMod val="65000"/>
@@ -17590,7 +18760,7 @@
               <a:buChar char="p"/>
             </a:pPr>
             <a:r>
-              <a:rPr lang="zh-CN" altLang="en-US" sz="1600">
+              <a:rPr lang="zh-CN" altLang="en-US" sz="1600" dirty="0">
                 <a:solidFill>
                   <a:srgbClr val="7030A0"/>
                 </a:solidFill>
@@ -17600,7 +18770,7 @@
               <a:t>已初始化数据</a:t>
             </a:r>
             <a:r>
-              <a:rPr lang="zh-CN" altLang="en-US" sz="1600">
+              <a:rPr lang="zh-CN" altLang="en-US" sz="1600" dirty="0">
                 <a:solidFill>
                   <a:schemeClr val="tx1">
                     <a:lumMod val="65000"/>
@@ -17612,7 +18782,7 @@
               </a:rPr>
               <a:t>：已初始化的全局变量、静态变量等</a:t>
             </a:r>
-            <a:endParaRPr lang="en-US" altLang="zh-CN" sz="1600">
+            <a:endParaRPr lang="en-US" altLang="zh-CN" sz="1600" dirty="0">
               <a:solidFill>
                 <a:schemeClr val="tx1">
                   <a:lumMod val="65000"/>
@@ -17632,7 +18802,7 @@
               <a:buChar char="p"/>
             </a:pPr>
             <a:r>
-              <a:rPr lang="zh-CN" altLang="en-US" sz="1600">
+              <a:rPr lang="zh-CN" altLang="en-US" sz="1600" dirty="0">
                 <a:solidFill>
                   <a:srgbClr val="7030A0"/>
                 </a:solidFill>
@@ -17642,7 +18812,7 @@
               <a:t>未初始化数据</a:t>
             </a:r>
             <a:r>
-              <a:rPr lang="zh-CN" altLang="en-US" sz="1600">
+              <a:rPr lang="zh-CN" altLang="en-US" sz="1600" dirty="0">
                 <a:solidFill>
                   <a:schemeClr val="tx1">
                     <a:lumMod val="65000"/>
@@ -17654,7 +18824,7 @@
               </a:rPr>
               <a:t>：未初始化的全局变量、静态变量等</a:t>
             </a:r>
-            <a:endParaRPr lang="en-US" altLang="zh-CN" sz="1600">
+            <a:endParaRPr lang="en-US" altLang="zh-CN" sz="1600" dirty="0">
               <a:solidFill>
                 <a:schemeClr val="tx1">
                   <a:lumMod val="65000"/>
@@ -17673,7 +18843,7 @@
               <a:buFont typeface="Wingdings" charset="2"/>
               <a:buChar char="n"/>
             </a:pPr>
-            <a:endParaRPr lang="en-US" altLang="zh-CN" sz="1600">
+            <a:endParaRPr lang="en-US" altLang="zh-CN" sz="1600" dirty="0">
               <a:solidFill>
                 <a:schemeClr val="tx1">
                   <a:lumMod val="65000"/>
@@ -17693,7 +18863,7 @@
               <a:buChar char="n"/>
             </a:pPr>
             <a:r>
-              <a:rPr lang="zh-CN" altLang="en-US" sz="1600">
+              <a:rPr lang="zh-CN" altLang="en-US" sz="1600" dirty="0">
                 <a:solidFill>
                   <a:srgbClr val="FF0000"/>
                 </a:solidFill>
@@ -17703,7 +18873,7 @@
               <a:t>栈</a:t>
             </a:r>
             <a:r>
-              <a:rPr lang="zh-CN" altLang="en-US" sz="1600">
+              <a:rPr lang="zh-CN" altLang="en-US" sz="1600" dirty="0">
                 <a:solidFill>
                   <a:schemeClr val="tx1">
                     <a:lumMod val="65000"/>
@@ -17715,7 +18885,7 @@
               </a:rPr>
               <a:t>：函数调用开销，比如局部变量。分配的内存空间地址越来越小</a:t>
             </a:r>
-            <a:endParaRPr lang="en-US" altLang="zh-CN" sz="1600">
+            <a:endParaRPr lang="en-US" altLang="zh-CN" sz="1600" dirty="0">
               <a:solidFill>
                 <a:schemeClr val="tx1">
                   <a:lumMod val="65000"/>
@@ -17734,7 +18904,7 @@
               <a:buFont typeface="Wingdings" charset="2"/>
               <a:buChar char="n"/>
             </a:pPr>
-            <a:endParaRPr lang="en-US" altLang="zh-CN" sz="1600">
+            <a:endParaRPr lang="en-US" altLang="zh-CN" sz="1600" dirty="0">
               <a:solidFill>
                 <a:schemeClr val="tx1">
                   <a:lumMod val="65000"/>
@@ -17754,7 +18924,7 @@
               <a:buChar char="n"/>
             </a:pPr>
             <a:r>
-              <a:rPr lang="zh-CN" altLang="en-US" sz="1600">
+              <a:rPr lang="zh-CN" altLang="en-US" sz="1600" dirty="0">
                 <a:solidFill>
                   <a:srgbClr val="FF0000"/>
                 </a:solidFill>
@@ -17764,7 +18934,7 @@
               <a:t>堆</a:t>
             </a:r>
             <a:r>
-              <a:rPr lang="zh-CN" altLang="en-US" sz="1600">
+              <a:rPr lang="zh-CN" altLang="en-US" sz="1600" dirty="0">
                 <a:solidFill>
                   <a:schemeClr val="tx1">
                     <a:lumMod val="65000"/>
@@ -17777,7 +18947,7 @@
               <a:t>：通过</a:t>
             </a:r>
             <a:r>
-              <a:rPr lang="en-US" altLang="zh-CN" sz="1600">
+              <a:rPr lang="en-US" altLang="zh-CN" sz="1600" dirty="0" err="1">
                 <a:solidFill>
                   <a:schemeClr val="tx1">
                     <a:lumMod val="65000"/>
@@ -17790,7 +18960,7 @@
               <a:t>alloc</a:t>
             </a:r>
             <a:r>
-              <a:rPr lang="zh-CN" altLang="en-US" sz="1600">
+              <a:rPr lang="zh-CN" altLang="en-US" sz="1600" dirty="0">
                 <a:solidFill>
                   <a:schemeClr val="tx1">
                     <a:lumMod val="65000"/>
@@ -17803,7 +18973,7 @@
               <a:t>、</a:t>
             </a:r>
             <a:r>
-              <a:rPr lang="en-US" altLang="zh-CN" sz="1600">
+              <a:rPr lang="en-US" altLang="zh-CN" sz="1600" dirty="0">
                 <a:solidFill>
                   <a:schemeClr val="tx1">
                     <a:lumMod val="65000"/>
@@ -17816,7 +18986,7 @@
               <a:t>malloc</a:t>
             </a:r>
             <a:r>
-              <a:rPr lang="zh-CN" altLang="en-US" sz="1600">
+              <a:rPr lang="zh-CN" altLang="en-US" sz="1600" dirty="0">
                 <a:solidFill>
                   <a:schemeClr val="tx1">
                     <a:lumMod val="65000"/>
@@ -17829,7 +18999,7 @@
               <a:t>、</a:t>
             </a:r>
             <a:r>
-              <a:rPr lang="en-US" altLang="zh-CN" sz="1600">
+              <a:rPr lang="en-US" altLang="zh-CN" sz="1600" dirty="0" err="1">
                 <a:solidFill>
                   <a:schemeClr val="tx1">
                     <a:lumMod val="65000"/>
@@ -17842,7 +19012,7 @@
               <a:t>calloc</a:t>
             </a:r>
             <a:r>
-              <a:rPr lang="zh-CN" altLang="en-US" sz="1600">
+              <a:rPr lang="zh-CN" altLang="en-US" sz="1600" dirty="0">
                 <a:solidFill>
                   <a:schemeClr val="tx1">
                     <a:lumMod val="65000"/>
@@ -17854,7 +19024,7 @@
               </a:rPr>
               <a:t>等动态分配的空间，分配的内存空间地址越来越大</a:t>
             </a:r>
-            <a:endParaRPr lang="en-US" altLang="zh-CN" sz="1600">
+            <a:endParaRPr lang="en-US" altLang="zh-CN" sz="1600" dirty="0">
               <a:solidFill>
                 <a:schemeClr val="tx1">
                   <a:lumMod val="65000"/>
@@ -18827,7 +19997,7 @@
               <a:buChar char="n"/>
             </a:pPr>
             <a:r>
-              <a:rPr lang="zh-CN" altLang="en-US" sz="1600" dirty="0">
+              <a:rPr lang="zh-CN" altLang="en-US" sz="1600">
                 <a:solidFill>
                   <a:schemeClr val="tx1">
                     <a:lumMod val="65000"/>
@@ -18840,7 +20010,7 @@
               <a:t>从</a:t>
             </a:r>
             <a:r>
-              <a:rPr lang="en-US" altLang="zh-CN" sz="1600" dirty="0">
+              <a:rPr lang="en-US" altLang="zh-CN" sz="1600">
                 <a:solidFill>
                   <a:schemeClr val="tx1">
                     <a:lumMod val="65000"/>
@@ -18853,7 +20023,7 @@
               <a:t>64bit</a:t>
             </a:r>
             <a:r>
-              <a:rPr lang="zh-CN" altLang="en-US" sz="1600" dirty="0">
+              <a:rPr lang="zh-CN" altLang="en-US" sz="1600">
                 <a:solidFill>
                   <a:schemeClr val="tx1">
                     <a:lumMod val="65000"/>
@@ -18866,7 +20036,7 @@
               <a:t>开始，</a:t>
             </a:r>
             <a:r>
-              <a:rPr lang="en-US" altLang="zh-CN" sz="1600" dirty="0">
+              <a:rPr lang="en-US" altLang="zh-CN" sz="1600">
                 <a:solidFill>
                   <a:schemeClr val="tx1">
                     <a:lumMod val="65000"/>
@@ -18879,7 +20049,7 @@
               <a:t>iOS</a:t>
             </a:r>
             <a:r>
-              <a:rPr lang="zh-CN" altLang="en-US" sz="1600" dirty="0">
+              <a:rPr lang="zh-CN" altLang="en-US" sz="1600">
                 <a:solidFill>
                   <a:schemeClr val="tx1">
                     <a:lumMod val="65000"/>
@@ -18892,7 +20062,7 @@
               <a:t>引入了</a:t>
             </a:r>
             <a:r>
-              <a:rPr lang="en-US" altLang="zh-CN" sz="1600" dirty="0">
+              <a:rPr lang="en-US" altLang="zh-CN" sz="1600">
                 <a:solidFill>
                   <a:schemeClr val="tx1">
                     <a:lumMod val="65000"/>
@@ -18905,7 +20075,7 @@
               <a:t>Tagged</a:t>
             </a:r>
             <a:r>
-              <a:rPr lang="zh-CN" altLang="en-US" sz="1600" dirty="0">
+              <a:rPr lang="zh-CN" altLang="en-US" sz="1600">
                 <a:solidFill>
                   <a:schemeClr val="tx1">
                     <a:lumMod val="65000"/>
@@ -18918,7 +20088,7 @@
               <a:t> </a:t>
             </a:r>
             <a:r>
-              <a:rPr lang="en-US" altLang="zh-CN" sz="1600" dirty="0">
+              <a:rPr lang="en-US" altLang="zh-CN" sz="1600">
                 <a:solidFill>
                   <a:schemeClr val="tx1">
                     <a:lumMod val="65000"/>
@@ -18931,7 +20101,7 @@
               <a:t>Pointer</a:t>
             </a:r>
             <a:r>
-              <a:rPr lang="zh-CN" altLang="en-US" sz="1600" dirty="0">
+              <a:rPr lang="zh-CN" altLang="en-US" sz="1600">
                 <a:solidFill>
                   <a:schemeClr val="tx1">
                     <a:lumMod val="65000"/>
@@ -18944,7 +20114,7 @@
               <a:t>技术，用于优化</a:t>
             </a:r>
             <a:r>
-              <a:rPr lang="en-US" altLang="zh-CN" sz="1600" dirty="0" err="1">
+              <a:rPr lang="en-US" altLang="zh-CN" sz="1600">
                 <a:solidFill>
                   <a:schemeClr val="tx1">
                     <a:lumMod val="65000"/>
@@ -18957,7 +20127,7 @@
               <a:t>NSNumber</a:t>
             </a:r>
             <a:r>
-              <a:rPr lang="zh-CN" altLang="en-US" sz="1600" dirty="0">
+              <a:rPr lang="zh-CN" altLang="en-US" sz="1600">
                 <a:solidFill>
                   <a:schemeClr val="tx1">
                     <a:lumMod val="65000"/>
@@ -18970,7 +20140,7 @@
               <a:t>、</a:t>
             </a:r>
             <a:r>
-              <a:rPr lang="en-US" altLang="zh-CN" sz="1600" dirty="0" err="1">
+              <a:rPr lang="en-US" altLang="zh-CN" sz="1600">
                 <a:solidFill>
                   <a:schemeClr val="tx1">
                     <a:lumMod val="65000"/>
@@ -18983,7 +20153,7 @@
               <a:t>NSDate</a:t>
             </a:r>
             <a:r>
-              <a:rPr lang="zh-CN" altLang="en-US" sz="1600" dirty="0">
+              <a:rPr lang="zh-CN" altLang="en-US" sz="1600">
                 <a:solidFill>
                   <a:schemeClr val="tx1">
                     <a:lumMod val="65000"/>
@@ -18996,7 +20166,7 @@
               <a:t>、</a:t>
             </a:r>
             <a:r>
-              <a:rPr lang="en-US" altLang="zh-CN" sz="1600" dirty="0" err="1">
+              <a:rPr lang="en-US" altLang="zh-CN" sz="1600">
                 <a:solidFill>
                   <a:schemeClr val="tx1">
                     <a:lumMod val="65000"/>
@@ -19009,7 +20179,7 @@
               <a:t>NSString</a:t>
             </a:r>
             <a:r>
-              <a:rPr lang="zh-CN" altLang="en-US" sz="1600" dirty="0">
+              <a:rPr lang="zh-CN" altLang="en-US" sz="1600">
                 <a:solidFill>
                   <a:schemeClr val="tx1">
                     <a:lumMod val="65000"/>
@@ -19021,7 +20191,7 @@
               </a:rPr>
               <a:t>等小对象的存储</a:t>
             </a:r>
-            <a:endParaRPr lang="en-US" altLang="zh-CN" sz="1600" dirty="0">
+            <a:endParaRPr lang="en-US" altLang="zh-CN" sz="1600">
               <a:solidFill>
                 <a:schemeClr val="tx1">
                   <a:lumMod val="65000"/>
@@ -19040,7 +20210,7 @@
               <a:buFont typeface="Wingdings" charset="2"/>
               <a:buChar char="n"/>
             </a:pPr>
-            <a:endParaRPr lang="en-US" altLang="zh-CN" sz="1600" dirty="0">
+            <a:endParaRPr lang="en-US" altLang="zh-CN" sz="1600">
               <a:solidFill>
                 <a:schemeClr val="tx1">
                   <a:lumMod val="65000"/>
@@ -19060,7 +20230,7 @@
               <a:buChar char="n"/>
             </a:pPr>
             <a:r>
-              <a:rPr lang="zh-CN" altLang="en-US" sz="1600" dirty="0">
+              <a:rPr lang="zh-CN" altLang="en-US" sz="1600">
                 <a:solidFill>
                   <a:schemeClr val="tx1">
                     <a:lumMod val="65000"/>
@@ -19073,7 +20243,7 @@
               <a:t>在没有使用</a:t>
             </a:r>
             <a:r>
-              <a:rPr lang="en-US" altLang="zh-CN" sz="1600" dirty="0">
+              <a:rPr lang="en-US" altLang="zh-CN" sz="1600">
                 <a:solidFill>
                   <a:schemeClr val="tx1">
                     <a:lumMod val="65000"/>
@@ -19086,7 +20256,7 @@
               <a:t>Tagged</a:t>
             </a:r>
             <a:r>
-              <a:rPr lang="zh-CN" altLang="en-US" sz="1600" dirty="0">
+              <a:rPr lang="zh-CN" altLang="en-US" sz="1600">
                 <a:solidFill>
                   <a:schemeClr val="tx1">
                     <a:lumMod val="65000"/>
@@ -19099,7 +20269,7 @@
               <a:t> </a:t>
             </a:r>
             <a:r>
-              <a:rPr lang="en-US" altLang="zh-CN" sz="1600" dirty="0">
+              <a:rPr lang="en-US" altLang="zh-CN" sz="1600">
                 <a:solidFill>
                   <a:schemeClr val="tx1">
                     <a:lumMod val="65000"/>
@@ -19112,7 +20282,7 @@
               <a:t>Pointer</a:t>
             </a:r>
             <a:r>
-              <a:rPr lang="zh-CN" altLang="en-US" sz="1600" dirty="0">
+              <a:rPr lang="zh-CN" altLang="en-US" sz="1600">
                 <a:solidFill>
                   <a:schemeClr val="tx1">
                     <a:lumMod val="65000"/>
@@ -19125,20 +20295,33 @@
               <a:t>之前，</a:t>
             </a:r>
             <a:r>
-              <a:rPr lang="en-US" altLang="zh-CN" sz="1600" dirty="0">
-                <a:solidFill>
-                  <a:schemeClr val="tx1">
-                    <a:lumMod val="65000"/>
-                    <a:lumOff val="35000"/>
-                  </a:schemeClr>
-                </a:solidFill>
-                <a:latin typeface="微软雅黑" panose="020B0503020204020204" pitchFamily="34" charset="-122"/>
-                <a:ea typeface="微软雅黑" panose="020B0503020204020204" pitchFamily="34" charset="-122"/>
-              </a:rPr>
-              <a:t> </a:t>
-            </a:r>
-            <a:r>
-              <a:rPr lang="en-US" altLang="zh-CN" sz="1600" dirty="0" err="1">
+              <a:rPr lang="en-US" altLang="zh-CN" sz="1600">
+                <a:solidFill>
+                  <a:schemeClr val="tx1">
+                    <a:lumMod val="65000"/>
+                    <a:lumOff val="35000"/>
+                  </a:schemeClr>
+                </a:solidFill>
+                <a:latin typeface="微软雅黑" panose="020B0503020204020204" pitchFamily="34" charset="-122"/>
+                <a:ea typeface="微软雅黑" panose="020B0503020204020204" pitchFamily="34" charset="-122"/>
+              </a:rPr>
+              <a:t> NSNumber</a:t>
+            </a:r>
+            <a:r>
+              <a:rPr lang="zh-CN" altLang="en-US" sz="1600">
+                <a:solidFill>
+                  <a:schemeClr val="tx1">
+                    <a:lumMod val="65000"/>
+                    <a:lumOff val="35000"/>
+                  </a:schemeClr>
+                </a:solidFill>
+                <a:latin typeface="微软雅黑" panose="020B0503020204020204" pitchFamily="34" charset="-122"/>
+                <a:ea typeface="微软雅黑" panose="020B0503020204020204" pitchFamily="34" charset="-122"/>
+              </a:rPr>
+              <a:t>等对象需要动态分配内存、维护引用计数等，</a:t>
+            </a:r>
+            <a:r>
+              <a:rPr lang="en-US" altLang="zh-CN" sz="1600">
                 <a:solidFill>
                   <a:schemeClr val="tx1">
                     <a:lumMod val="65000"/>
@@ -19151,20 +20334,20 @@
               <a:t>NSNumber</a:t>
             </a:r>
             <a:r>
-              <a:rPr lang="zh-CN" altLang="en-US" sz="1600" dirty="0">
-                <a:solidFill>
-                  <a:schemeClr val="tx1">
-                    <a:lumMod val="65000"/>
-                    <a:lumOff val="35000"/>
-                  </a:schemeClr>
-                </a:solidFill>
-                <a:latin typeface="微软雅黑" panose="020B0503020204020204" pitchFamily="34" charset="-122"/>
-                <a:ea typeface="微软雅黑" panose="020B0503020204020204" pitchFamily="34" charset="-122"/>
-              </a:rPr>
-              <a:t>等对象需要动态分配内存、维护引用计数等，</a:t>
-            </a:r>
-            <a:r>
-              <a:rPr lang="en-US" altLang="zh-CN" sz="1600" dirty="0" err="1">
+              <a:rPr lang="zh-CN" altLang="en-US" sz="1600">
+                <a:solidFill>
+                  <a:schemeClr val="tx1">
+                    <a:lumMod val="65000"/>
+                    <a:lumOff val="35000"/>
+                  </a:schemeClr>
+                </a:solidFill>
+                <a:latin typeface="微软雅黑" panose="020B0503020204020204" pitchFamily="34" charset="-122"/>
+                <a:ea typeface="微软雅黑" panose="020B0503020204020204" pitchFamily="34" charset="-122"/>
+              </a:rPr>
+              <a:t>指针存储的是堆中</a:t>
+            </a:r>
+            <a:r>
+              <a:rPr lang="en-US" altLang="zh-CN" sz="1600">
                 <a:solidFill>
                   <a:schemeClr val="tx1">
                     <a:lumMod val="65000"/>
@@ -19177,33 +20360,7 @@
               <a:t>NSNumber</a:t>
             </a:r>
             <a:r>
-              <a:rPr lang="zh-CN" altLang="en-US" sz="1600" dirty="0">
-                <a:solidFill>
-                  <a:schemeClr val="tx1">
-                    <a:lumMod val="65000"/>
-                    <a:lumOff val="35000"/>
-                  </a:schemeClr>
-                </a:solidFill>
-                <a:latin typeface="微软雅黑" panose="020B0503020204020204" pitchFamily="34" charset="-122"/>
-                <a:ea typeface="微软雅黑" panose="020B0503020204020204" pitchFamily="34" charset="-122"/>
-              </a:rPr>
-              <a:t>指针存储的是堆中</a:t>
-            </a:r>
-            <a:r>
-              <a:rPr lang="en-US" altLang="zh-CN" sz="1600" dirty="0" err="1">
-                <a:solidFill>
-                  <a:schemeClr val="tx1">
-                    <a:lumMod val="65000"/>
-                    <a:lumOff val="35000"/>
-                  </a:schemeClr>
-                </a:solidFill>
-                <a:latin typeface="微软雅黑" panose="020B0503020204020204" pitchFamily="34" charset="-122"/>
-                <a:ea typeface="微软雅黑" panose="020B0503020204020204" pitchFamily="34" charset="-122"/>
-              </a:rPr>
-              <a:t>NSNumber</a:t>
-            </a:r>
-            <a:r>
-              <a:rPr lang="zh-CN" altLang="en-US" sz="1600" dirty="0">
+              <a:rPr lang="zh-CN" altLang="en-US" sz="1600">
                 <a:solidFill>
                   <a:schemeClr val="tx1">
                     <a:lumMod val="65000"/>
@@ -19215,7 +20372,7 @@
               </a:rPr>
               <a:t>对象的地址值</a:t>
             </a:r>
-            <a:endParaRPr lang="en-US" altLang="zh-CN" sz="1600" dirty="0">
+            <a:endParaRPr lang="en-US" altLang="zh-CN" sz="1600">
               <a:solidFill>
                 <a:schemeClr val="tx1">
                   <a:lumMod val="65000"/>
@@ -19234,7 +20391,7 @@
               <a:buFont typeface="Wingdings" charset="2"/>
               <a:buChar char="n"/>
             </a:pPr>
-            <a:endParaRPr lang="en-US" altLang="zh-CN" sz="1600" dirty="0">
+            <a:endParaRPr lang="en-US" altLang="zh-CN" sz="1600">
               <a:solidFill>
                 <a:schemeClr val="tx1">
                   <a:lumMod val="65000"/>
@@ -19254,7 +20411,7 @@
               <a:buChar char="n"/>
             </a:pPr>
             <a:r>
-              <a:rPr lang="zh-CN" altLang="en-US" sz="1600" dirty="0">
+              <a:rPr lang="zh-CN" altLang="en-US" sz="1600">
                 <a:solidFill>
                   <a:schemeClr val="tx1">
                     <a:lumMod val="65000"/>
@@ -19267,7 +20424,7 @@
               <a:t>使用</a:t>
             </a:r>
             <a:r>
-              <a:rPr lang="en-US" altLang="zh-CN" sz="1600" dirty="0">
+              <a:rPr lang="en-US" altLang="zh-CN" sz="1600">
                 <a:solidFill>
                   <a:schemeClr val="tx1">
                     <a:lumMod val="65000"/>
@@ -19280,7 +20437,7 @@
               <a:t>Tagged</a:t>
             </a:r>
             <a:r>
-              <a:rPr lang="zh-CN" altLang="en-US" sz="1600" dirty="0">
+              <a:rPr lang="zh-CN" altLang="en-US" sz="1600">
                 <a:solidFill>
                   <a:schemeClr val="tx1">
                     <a:lumMod val="65000"/>
@@ -19293,7 +20450,7 @@
               <a:t> </a:t>
             </a:r>
             <a:r>
-              <a:rPr lang="en-US" altLang="zh-CN" sz="1600" dirty="0">
+              <a:rPr lang="en-US" altLang="zh-CN" sz="1600">
                 <a:solidFill>
                   <a:schemeClr val="tx1">
                     <a:lumMod val="65000"/>
@@ -19306,7 +20463,7 @@
               <a:t>Pointer</a:t>
             </a:r>
             <a:r>
-              <a:rPr lang="zh-CN" altLang="en-US" sz="1600" dirty="0">
+              <a:rPr lang="zh-CN" altLang="en-US" sz="1600">
                 <a:solidFill>
                   <a:schemeClr val="tx1">
                     <a:lumMod val="65000"/>
@@ -19319,7 +20476,7 @@
               <a:t>之后，</a:t>
             </a:r>
             <a:r>
-              <a:rPr lang="en-US" altLang="zh-CN" sz="1600" dirty="0" err="1">
+              <a:rPr lang="en-US" altLang="zh-CN" sz="1600">
                 <a:solidFill>
                   <a:schemeClr val="tx1">
                     <a:lumMod val="65000"/>
@@ -19332,7 +20489,7 @@
               <a:t>NSNumber</a:t>
             </a:r>
             <a:r>
-              <a:rPr lang="zh-CN" altLang="en-US" sz="1600" dirty="0">
+              <a:rPr lang="zh-CN" altLang="en-US" sz="1600">
                 <a:solidFill>
                   <a:schemeClr val="tx1">
                     <a:lumMod val="65000"/>
@@ -19345,7 +20502,7 @@
               <a:t>指针里面存储的数据变成了：</a:t>
             </a:r>
             <a:r>
-              <a:rPr lang="en-US" altLang="zh-CN" sz="1600" dirty="0">
+              <a:rPr lang="en-US" altLang="zh-CN" sz="1600">
                 <a:solidFill>
                   <a:schemeClr val="tx1">
                     <a:lumMod val="65000"/>
@@ -19358,7 +20515,7 @@
               <a:t>Tag</a:t>
             </a:r>
             <a:r>
-              <a:rPr lang="zh-CN" altLang="en-US" sz="1600" dirty="0">
+              <a:rPr lang="zh-CN" altLang="en-US" sz="1600">
                 <a:solidFill>
                   <a:schemeClr val="tx1">
                     <a:lumMod val="65000"/>
@@ -19371,7 +20528,7 @@
               <a:t> </a:t>
             </a:r>
             <a:r>
-              <a:rPr lang="en-US" altLang="zh-CN" sz="1600" dirty="0">
+              <a:rPr lang="en-US" altLang="zh-CN" sz="1600">
                 <a:solidFill>
                   <a:schemeClr val="tx1">
                     <a:lumMod val="65000"/>
@@ -19384,7 +20541,7 @@
               <a:t>+</a:t>
             </a:r>
             <a:r>
-              <a:rPr lang="zh-CN" altLang="en-US" sz="1600" dirty="0">
+              <a:rPr lang="zh-CN" altLang="en-US" sz="1600">
                 <a:solidFill>
                   <a:schemeClr val="tx1">
                     <a:lumMod val="65000"/>
@@ -19397,7 +20554,7 @@
               <a:t> </a:t>
             </a:r>
             <a:r>
-              <a:rPr lang="en-US" altLang="zh-CN" sz="1600" dirty="0">
+              <a:rPr lang="en-US" altLang="zh-CN" sz="1600">
                 <a:solidFill>
                   <a:schemeClr val="tx1">
                     <a:lumMod val="65000"/>
@@ -19410,7 +20567,7 @@
               <a:t>Data</a:t>
             </a:r>
             <a:r>
-              <a:rPr lang="zh-CN" altLang="en-US" sz="1600" dirty="0">
+              <a:rPr lang="zh-CN" altLang="en-US" sz="1600">
                 <a:solidFill>
                   <a:schemeClr val="tx1">
                     <a:lumMod val="65000"/>
@@ -19422,7 +20579,7 @@
               </a:rPr>
               <a:t>，也就是将数据直接存储在了指针中</a:t>
             </a:r>
-            <a:endParaRPr lang="en-US" altLang="zh-CN" sz="1600" dirty="0">
+            <a:endParaRPr lang="en-US" altLang="zh-CN" sz="1600">
               <a:solidFill>
                 <a:schemeClr val="tx1">
                   <a:lumMod val="65000"/>
@@ -19441,7 +20598,7 @@
               <a:buFont typeface="Wingdings" charset="2"/>
               <a:buChar char="n"/>
             </a:pPr>
-            <a:endParaRPr lang="en-US" altLang="zh-CN" sz="1600" dirty="0">
+            <a:endParaRPr lang="en-US" altLang="zh-CN" sz="1600">
               <a:solidFill>
                 <a:schemeClr val="tx1">
                   <a:lumMod val="65000"/>
@@ -19461,7 +20618,7 @@
               <a:buChar char="n"/>
             </a:pPr>
             <a:r>
-              <a:rPr lang="zh-CN" altLang="en-US" sz="1600" dirty="0">
+              <a:rPr lang="zh-CN" altLang="en-US" sz="1600">
                 <a:solidFill>
                   <a:schemeClr val="tx1">
                     <a:lumMod val="65000"/>
@@ -19473,7 +20630,7 @@
               </a:rPr>
               <a:t>当指针不够存储数据时，才会使用动态分配内存的方式来存储数据</a:t>
             </a:r>
-            <a:endParaRPr lang="en-US" altLang="zh-CN" sz="1600" dirty="0">
+            <a:endParaRPr lang="en-US" altLang="zh-CN" sz="1600">
               <a:solidFill>
                 <a:schemeClr val="tx1">
                   <a:lumMod val="65000"/>
@@ -19492,7 +20649,7 @@
               <a:buFont typeface="Wingdings" charset="2"/>
               <a:buChar char="n"/>
             </a:pPr>
-            <a:endParaRPr lang="en-US" altLang="zh-CN" sz="1600" dirty="0">
+            <a:endParaRPr lang="en-US" altLang="zh-CN" sz="1600">
               <a:solidFill>
                 <a:schemeClr val="tx1">
                   <a:lumMod val="65000"/>
@@ -19512,7 +20669,7 @@
               <a:buChar char="n"/>
             </a:pPr>
             <a:r>
-              <a:rPr lang="en-US" altLang="zh-CN" sz="1600" dirty="0" err="1">
+              <a:rPr lang="en-US" altLang="zh-CN" sz="1600">
                 <a:solidFill>
                   <a:schemeClr val="tx1">
                     <a:lumMod val="65000"/>
@@ -19525,7 +20682,7 @@
               <a:t>objc_msgSend</a:t>
             </a:r>
             <a:r>
-              <a:rPr lang="zh-CN" altLang="en-US" sz="1600" dirty="0">
+              <a:rPr lang="zh-CN" altLang="en-US" sz="1600">
                 <a:solidFill>
                   <a:schemeClr val="tx1">
                     <a:lumMod val="65000"/>
@@ -19538,7 +20695,7 @@
               <a:t>能识别</a:t>
             </a:r>
             <a:r>
-              <a:rPr lang="en-US" altLang="zh-CN" sz="1600" dirty="0">
+              <a:rPr lang="en-US" altLang="zh-CN" sz="1600">
                 <a:solidFill>
                   <a:schemeClr val="tx1">
                     <a:lumMod val="65000"/>
@@ -19551,7 +20708,7 @@
               <a:t>Tagged</a:t>
             </a:r>
             <a:r>
-              <a:rPr lang="zh-CN" altLang="en-US" sz="1600" dirty="0">
+              <a:rPr lang="zh-CN" altLang="en-US" sz="1600">
                 <a:solidFill>
                   <a:schemeClr val="tx1">
                     <a:lumMod val="65000"/>
@@ -19564,7 +20721,7 @@
               <a:t> </a:t>
             </a:r>
             <a:r>
-              <a:rPr lang="en-US" altLang="zh-CN" sz="1600" dirty="0">
+              <a:rPr lang="en-US" altLang="zh-CN" sz="1600">
                 <a:solidFill>
                   <a:schemeClr val="tx1">
                     <a:lumMod val="65000"/>
@@ -19577,7 +20734,7 @@
               <a:t>Pointer</a:t>
             </a:r>
             <a:r>
-              <a:rPr lang="zh-CN" altLang="en-US" sz="1600" dirty="0">
+              <a:rPr lang="zh-CN" altLang="en-US" sz="1600">
                 <a:solidFill>
                   <a:schemeClr val="tx1">
                     <a:lumMod val="65000"/>
@@ -19590,7 +20747,7 @@
               <a:t>，比如</a:t>
             </a:r>
             <a:r>
-              <a:rPr lang="en-US" altLang="zh-CN" sz="1600" dirty="0" err="1">
+              <a:rPr lang="en-US" altLang="zh-CN" sz="1600">
                 <a:solidFill>
                   <a:schemeClr val="tx1">
                     <a:lumMod val="65000"/>
@@ -19603,7 +20760,7 @@
               <a:t>NSNumber</a:t>
             </a:r>
             <a:r>
-              <a:rPr lang="zh-CN" altLang="en-US" sz="1600" dirty="0">
+              <a:rPr lang="zh-CN" altLang="en-US" sz="1600">
                 <a:solidFill>
                   <a:schemeClr val="tx1">
                     <a:lumMod val="65000"/>
@@ -19616,7 +20773,7 @@
               <a:t>的</a:t>
             </a:r>
             <a:r>
-              <a:rPr lang="en-US" altLang="zh-CN" sz="1600" dirty="0" err="1">
+              <a:rPr lang="en-US" altLang="zh-CN" sz="1600">
                 <a:solidFill>
                   <a:schemeClr val="tx1">
                     <a:lumMod val="65000"/>
@@ -19629,7 +20786,7 @@
               <a:t>intValue</a:t>
             </a:r>
             <a:r>
-              <a:rPr lang="zh-CN" altLang="en-US" sz="1600" dirty="0">
+              <a:rPr lang="zh-CN" altLang="en-US" sz="1600">
                 <a:solidFill>
                   <a:schemeClr val="tx1">
                     <a:lumMod val="65000"/>
@@ -19641,7 +20798,7 @@
               </a:rPr>
               <a:t>方法，直接从指针提取数据，节省了以前的调用开销</a:t>
             </a:r>
-            <a:endParaRPr lang="en-US" altLang="zh-CN" sz="1600" dirty="0">
+            <a:endParaRPr lang="en-US" altLang="zh-CN" sz="1600">
               <a:solidFill>
                 <a:schemeClr val="tx1">
                   <a:lumMod val="65000"/>
@@ -19660,7 +20817,7 @@
               <a:buFont typeface="Wingdings" charset="2"/>
               <a:buChar char="n"/>
             </a:pPr>
-            <a:endParaRPr lang="en-US" altLang="zh-CN" sz="1600" dirty="0">
+            <a:endParaRPr lang="en-US" altLang="zh-CN" sz="1600">
               <a:solidFill>
                 <a:schemeClr val="tx1">
                   <a:lumMod val="65000"/>
@@ -19680,7 +20837,7 @@
               <a:buChar char="n"/>
             </a:pPr>
             <a:r>
-              <a:rPr lang="zh-CN" altLang="en-US" sz="1600" dirty="0">
+              <a:rPr lang="zh-CN" altLang="en-US" sz="1600">
                 <a:solidFill>
                   <a:schemeClr val="tx1">
                     <a:lumMod val="65000"/>
@@ -19693,7 +20850,7 @@
               <a:t>如何判断一个指针是否为</a:t>
             </a:r>
             <a:r>
-              <a:rPr lang="en-US" altLang="zh-CN" sz="1600" dirty="0">
+              <a:rPr lang="en-US" altLang="zh-CN" sz="1600">
                 <a:solidFill>
                   <a:schemeClr val="tx1">
                     <a:lumMod val="65000"/>
@@ -19706,7 +20863,7 @@
               <a:t>Tagged</a:t>
             </a:r>
             <a:r>
-              <a:rPr lang="zh-CN" altLang="en-US" sz="1600" dirty="0">
+              <a:rPr lang="zh-CN" altLang="en-US" sz="1600">
                 <a:solidFill>
                   <a:schemeClr val="tx1">
                     <a:lumMod val="65000"/>
@@ -19719,7 +20876,7 @@
               <a:t> </a:t>
             </a:r>
             <a:r>
-              <a:rPr lang="en-US" altLang="zh-CN" sz="1600" dirty="0">
+              <a:rPr lang="en-US" altLang="zh-CN" sz="1600">
                 <a:solidFill>
                   <a:schemeClr val="tx1">
                     <a:lumMod val="65000"/>
@@ -19732,7 +20889,7 @@
               <a:t>Pointer</a:t>
             </a:r>
             <a:r>
-              <a:rPr lang="zh-CN" altLang="en-US" sz="1600" dirty="0">
+              <a:rPr lang="zh-CN" altLang="en-US" sz="1600">
                 <a:solidFill>
                   <a:schemeClr val="tx1">
                     <a:lumMod val="65000"/>
@@ -19744,7 +20901,7 @@
               </a:rPr>
               <a:t>？</a:t>
             </a:r>
-            <a:endParaRPr lang="en-US" altLang="zh-CN" sz="1600" dirty="0">
+            <a:endParaRPr lang="en-US" altLang="zh-CN" sz="1600">
               <a:solidFill>
                 <a:schemeClr val="tx1">
                   <a:lumMod val="65000"/>
@@ -19764,7 +20921,7 @@
               <a:buChar char="p"/>
             </a:pPr>
             <a:r>
-              <a:rPr lang="en-US" altLang="zh-CN" sz="1600" dirty="0">
+              <a:rPr lang="en-US" altLang="zh-CN" sz="1600">
                 <a:solidFill>
                   <a:schemeClr val="tx1">
                     <a:lumMod val="65000"/>
@@ -19777,7 +20934,7 @@
               <a:t>iOS</a:t>
             </a:r>
             <a:r>
-              <a:rPr lang="zh-CN" altLang="en-US" sz="1600" dirty="0">
+              <a:rPr lang="zh-CN" altLang="en-US" sz="1600">
                 <a:solidFill>
                   <a:schemeClr val="tx1">
                     <a:lumMod val="65000"/>
@@ -19790,7 +20947,7 @@
               <a:t>平台，最高有效位是</a:t>
             </a:r>
             <a:r>
-              <a:rPr lang="en-US" altLang="zh-CN" sz="1600" dirty="0">
+              <a:rPr lang="en-US" altLang="zh-CN" sz="1600">
                 <a:solidFill>
                   <a:schemeClr val="tx1">
                     <a:lumMod val="65000"/>
@@ -19803,7 +20960,7 @@
               <a:t>1</a:t>
             </a:r>
             <a:r>
-              <a:rPr lang="zh-CN" altLang="en-US" sz="1600" dirty="0">
+              <a:rPr lang="zh-CN" altLang="en-US" sz="1600">
                 <a:solidFill>
                   <a:schemeClr val="tx1">
                     <a:lumMod val="65000"/>
@@ -19816,7 +20973,7 @@
               <a:t>（第</a:t>
             </a:r>
             <a:r>
-              <a:rPr lang="en-US" altLang="zh-CN" sz="1600" dirty="0">
+              <a:rPr lang="en-US" altLang="zh-CN" sz="1600">
                 <a:solidFill>
                   <a:schemeClr val="tx1">
                     <a:lumMod val="65000"/>
@@ -19829,7 +20986,7 @@
               <a:t>64bit</a:t>
             </a:r>
             <a:r>
-              <a:rPr lang="zh-CN" altLang="en-US" sz="1600" dirty="0">
+              <a:rPr lang="zh-CN" altLang="en-US" sz="1600">
                 <a:solidFill>
                   <a:schemeClr val="tx1">
                     <a:lumMod val="65000"/>
@@ -19841,7 +20998,7 @@
               </a:rPr>
               <a:t>）</a:t>
             </a:r>
-            <a:endParaRPr lang="en-US" altLang="zh-CN" sz="1600" dirty="0">
+            <a:endParaRPr lang="en-US" altLang="zh-CN" sz="1600">
               <a:solidFill>
                 <a:schemeClr val="tx1">
                   <a:lumMod val="65000"/>
@@ -19861,7 +21018,7 @@
               <a:buChar char="p"/>
             </a:pPr>
             <a:r>
-              <a:rPr lang="en-US" altLang="zh-CN" sz="1600" dirty="0">
+              <a:rPr lang="en-US" altLang="zh-CN" sz="1600">
                 <a:solidFill>
                   <a:schemeClr val="tx1">
                     <a:lumMod val="65000"/>
@@ -19874,7 +21031,7 @@
               <a:t>Mac</a:t>
             </a:r>
             <a:r>
-              <a:rPr lang="zh-CN" altLang="en-US" sz="1600" dirty="0">
+              <a:rPr lang="zh-CN" altLang="en-US" sz="1600">
                 <a:solidFill>
                   <a:schemeClr val="tx1">
                     <a:lumMod val="65000"/>
@@ -19887,7 +21044,7 @@
               <a:t>平台，最低有效位是</a:t>
             </a:r>
             <a:r>
-              <a:rPr lang="en-US" altLang="zh-CN" sz="1600" dirty="0">
+              <a:rPr lang="en-US" altLang="zh-CN" sz="1600">
                 <a:solidFill>
                   <a:schemeClr val="tx1">
                     <a:lumMod val="65000"/>
@@ -19899,7 +21056,7 @@
               </a:rPr>
               <a:t>1</a:t>
             </a:r>
-            <a:endParaRPr lang="zh-CN" altLang="en-US" sz="1600" dirty="0">
+            <a:endParaRPr lang="zh-CN" altLang="en-US" sz="1600">
               <a:solidFill>
                 <a:schemeClr val="tx1">
                   <a:lumMod val="65000"/>
